--- a/dbinit/Print PIMS label User Manual.pptx
+++ b/dbinit/Print PIMS label User Manual.pptx
@@ -5,19 +5,22 @@
     <p:sldMasterId id="2147483648" r:id="rId1"/>
   </p:sldMasterIdLst>
   <p:notesMasterIdLst>
-    <p:notesMasterId r:id="rId9"/>
+    <p:notesMasterId r:id="rId12"/>
   </p:notesMasterIdLst>
   <p:handoutMasterIdLst>
-    <p:handoutMasterId r:id="rId10"/>
+    <p:handoutMasterId r:id="rId13"/>
   </p:handoutMasterIdLst>
   <p:sldIdLst>
     <p:sldId id="256" r:id="rId2"/>
     <p:sldId id="341" r:id="rId3"/>
-    <p:sldId id="358" r:id="rId4"/>
-    <p:sldId id="343" r:id="rId5"/>
-    <p:sldId id="344" r:id="rId6"/>
-    <p:sldId id="363" r:id="rId7"/>
-    <p:sldId id="340" r:id="rId8"/>
+    <p:sldId id="364" r:id="rId4"/>
+    <p:sldId id="358" r:id="rId5"/>
+    <p:sldId id="343" r:id="rId6"/>
+    <p:sldId id="344" r:id="rId7"/>
+    <p:sldId id="363" r:id="rId8"/>
+    <p:sldId id="366" r:id="rId9"/>
+    <p:sldId id="365" r:id="rId10"/>
+    <p:sldId id="340" r:id="rId11"/>
   </p:sldIdLst>
   <p:sldSz cx="9144000" cy="6858000" type="screen4x3"/>
   <p:notesSz cx="6813550" cy="9945688"/>
@@ -866,6 +869,753 @@
 </dgm:colorsDef>
 </file>
 
+<file path=ppt/diagrams/colors2.xml><?xml version="1.0" encoding="utf-8"?>
+<dgm:colorsDef xmlns:dgm="http://schemas.openxmlformats.org/drawingml/2006/diagram" xmlns:a="http://schemas.openxmlformats.org/drawingml/2006/main" uniqueId="urn:microsoft.com/office/officeart/2005/8/colors/accent1_2">
+  <dgm:title val=""/>
+  <dgm:desc val=""/>
+  <dgm:catLst>
+    <dgm:cat type="accent1" pri="11200"/>
+  </dgm:catLst>
+  <dgm:styleLbl name="node0">
+    <dgm:fillClrLst meth="repeat">
+      <a:schemeClr val="accent1"/>
+    </dgm:fillClrLst>
+    <dgm:linClrLst meth="repeat">
+      <a:schemeClr val="lt1"/>
+    </dgm:linClrLst>
+    <dgm:effectClrLst/>
+    <dgm:txLinClrLst/>
+    <dgm:txFillClrLst/>
+    <dgm:txEffectClrLst/>
+  </dgm:styleLbl>
+  <dgm:styleLbl name="alignNode1">
+    <dgm:fillClrLst meth="repeat">
+      <a:schemeClr val="accent1"/>
+    </dgm:fillClrLst>
+    <dgm:linClrLst meth="repeat">
+      <a:schemeClr val="accent1"/>
+    </dgm:linClrLst>
+    <dgm:effectClrLst/>
+    <dgm:txLinClrLst/>
+    <dgm:txFillClrLst/>
+    <dgm:txEffectClrLst/>
+  </dgm:styleLbl>
+  <dgm:styleLbl name="node1">
+    <dgm:fillClrLst meth="repeat">
+      <a:schemeClr val="accent1"/>
+    </dgm:fillClrLst>
+    <dgm:linClrLst meth="repeat">
+      <a:schemeClr val="lt1"/>
+    </dgm:linClrLst>
+    <dgm:effectClrLst/>
+    <dgm:txLinClrLst/>
+    <dgm:txFillClrLst/>
+    <dgm:txEffectClrLst/>
+  </dgm:styleLbl>
+  <dgm:styleLbl name="lnNode1">
+    <dgm:fillClrLst meth="repeat">
+      <a:schemeClr val="accent1"/>
+    </dgm:fillClrLst>
+    <dgm:linClrLst meth="repeat">
+      <a:schemeClr val="lt1"/>
+    </dgm:linClrLst>
+    <dgm:effectClrLst/>
+    <dgm:txLinClrLst/>
+    <dgm:txFillClrLst/>
+    <dgm:txEffectClrLst/>
+  </dgm:styleLbl>
+  <dgm:styleLbl name="vennNode1">
+    <dgm:fillClrLst meth="repeat">
+      <a:schemeClr val="accent1">
+        <a:alpha val="50000"/>
+      </a:schemeClr>
+    </dgm:fillClrLst>
+    <dgm:linClrLst meth="repeat">
+      <a:schemeClr val="lt1"/>
+    </dgm:linClrLst>
+    <dgm:effectClrLst/>
+    <dgm:txLinClrLst/>
+    <dgm:txFillClrLst/>
+    <dgm:txEffectClrLst/>
+  </dgm:styleLbl>
+  <dgm:styleLbl name="node2">
+    <dgm:fillClrLst meth="repeat">
+      <a:schemeClr val="accent1"/>
+    </dgm:fillClrLst>
+    <dgm:linClrLst meth="repeat">
+      <a:schemeClr val="lt1"/>
+    </dgm:linClrLst>
+    <dgm:effectClrLst/>
+    <dgm:txLinClrLst/>
+    <dgm:txFillClrLst/>
+    <dgm:txEffectClrLst/>
+  </dgm:styleLbl>
+  <dgm:styleLbl name="node3">
+    <dgm:fillClrLst meth="repeat">
+      <a:schemeClr val="accent1"/>
+    </dgm:fillClrLst>
+    <dgm:linClrLst meth="repeat">
+      <a:schemeClr val="lt1"/>
+    </dgm:linClrLst>
+    <dgm:effectClrLst/>
+    <dgm:txLinClrLst/>
+    <dgm:txFillClrLst/>
+    <dgm:txEffectClrLst/>
+  </dgm:styleLbl>
+  <dgm:styleLbl name="node4">
+    <dgm:fillClrLst meth="repeat">
+      <a:schemeClr val="accent1"/>
+    </dgm:fillClrLst>
+    <dgm:linClrLst meth="repeat">
+      <a:schemeClr val="lt1"/>
+    </dgm:linClrLst>
+    <dgm:effectClrLst/>
+    <dgm:txLinClrLst/>
+    <dgm:txFillClrLst/>
+    <dgm:txEffectClrLst/>
+  </dgm:styleLbl>
+  <dgm:styleLbl name="fgImgPlace1">
+    <dgm:fillClrLst meth="repeat">
+      <a:schemeClr val="accent1">
+        <a:tint val="50000"/>
+      </a:schemeClr>
+    </dgm:fillClrLst>
+    <dgm:linClrLst meth="repeat">
+      <a:schemeClr val="lt1"/>
+    </dgm:linClrLst>
+    <dgm:effectClrLst/>
+    <dgm:txLinClrLst/>
+    <dgm:txFillClrLst meth="repeat">
+      <a:schemeClr val="lt1"/>
+    </dgm:txFillClrLst>
+    <dgm:txEffectClrLst/>
+  </dgm:styleLbl>
+  <dgm:styleLbl name="alignImgPlace1">
+    <dgm:fillClrLst meth="repeat">
+      <a:schemeClr val="accent1">
+        <a:tint val="50000"/>
+      </a:schemeClr>
+    </dgm:fillClrLst>
+    <dgm:linClrLst meth="repeat">
+      <a:schemeClr val="lt1"/>
+    </dgm:linClrLst>
+    <dgm:effectClrLst/>
+    <dgm:txLinClrLst/>
+    <dgm:txFillClrLst meth="repeat">
+      <a:schemeClr val="lt1"/>
+    </dgm:txFillClrLst>
+    <dgm:txEffectClrLst/>
+  </dgm:styleLbl>
+  <dgm:styleLbl name="bgImgPlace1">
+    <dgm:fillClrLst meth="repeat">
+      <a:schemeClr val="accent1">
+        <a:tint val="50000"/>
+      </a:schemeClr>
+    </dgm:fillClrLst>
+    <dgm:linClrLst meth="repeat">
+      <a:schemeClr val="lt1"/>
+    </dgm:linClrLst>
+    <dgm:effectClrLst/>
+    <dgm:txLinClrLst/>
+    <dgm:txFillClrLst meth="repeat">
+      <a:schemeClr val="lt1"/>
+    </dgm:txFillClrLst>
+    <dgm:txEffectClrLst/>
+  </dgm:styleLbl>
+  <dgm:styleLbl name="sibTrans2D1">
+    <dgm:fillClrLst meth="repeat">
+      <a:schemeClr val="accent1">
+        <a:tint val="60000"/>
+      </a:schemeClr>
+    </dgm:fillClrLst>
+    <dgm:linClrLst meth="repeat">
+      <a:schemeClr val="accent1">
+        <a:tint val="60000"/>
+      </a:schemeClr>
+    </dgm:linClrLst>
+    <dgm:effectClrLst/>
+    <dgm:txLinClrLst/>
+    <dgm:txFillClrLst/>
+    <dgm:txEffectClrLst/>
+  </dgm:styleLbl>
+  <dgm:styleLbl name="fgSibTrans2D1">
+    <dgm:fillClrLst meth="repeat">
+      <a:schemeClr val="accent1">
+        <a:tint val="60000"/>
+      </a:schemeClr>
+    </dgm:fillClrLst>
+    <dgm:linClrLst meth="repeat">
+      <a:schemeClr val="accent1">
+        <a:tint val="60000"/>
+      </a:schemeClr>
+    </dgm:linClrLst>
+    <dgm:effectClrLst/>
+    <dgm:txLinClrLst/>
+    <dgm:txFillClrLst/>
+    <dgm:txEffectClrLst/>
+  </dgm:styleLbl>
+  <dgm:styleLbl name="bgSibTrans2D1">
+    <dgm:fillClrLst meth="repeat">
+      <a:schemeClr val="accent1">
+        <a:tint val="60000"/>
+      </a:schemeClr>
+    </dgm:fillClrLst>
+    <dgm:linClrLst meth="repeat">
+      <a:schemeClr val="accent1">
+        <a:tint val="60000"/>
+      </a:schemeClr>
+    </dgm:linClrLst>
+    <dgm:effectClrLst/>
+    <dgm:txLinClrLst/>
+    <dgm:txFillClrLst/>
+    <dgm:txEffectClrLst/>
+  </dgm:styleLbl>
+  <dgm:styleLbl name="sibTrans1D1">
+    <dgm:fillClrLst meth="repeat">
+      <a:schemeClr val="accent1"/>
+    </dgm:fillClrLst>
+    <dgm:linClrLst meth="repeat">
+      <a:schemeClr val="accent1"/>
+    </dgm:linClrLst>
+    <dgm:effectClrLst/>
+    <dgm:txLinClrLst/>
+    <dgm:txFillClrLst meth="repeat">
+      <a:schemeClr val="tx1"/>
+    </dgm:txFillClrLst>
+    <dgm:txEffectClrLst/>
+  </dgm:styleLbl>
+  <dgm:styleLbl name="callout">
+    <dgm:fillClrLst meth="repeat">
+      <a:schemeClr val="accent1"/>
+    </dgm:fillClrLst>
+    <dgm:linClrLst meth="repeat">
+      <a:schemeClr val="accent1">
+        <a:tint val="50000"/>
+      </a:schemeClr>
+    </dgm:linClrLst>
+    <dgm:effectClrLst/>
+    <dgm:txLinClrLst/>
+    <dgm:txFillClrLst meth="repeat">
+      <a:schemeClr val="tx1"/>
+    </dgm:txFillClrLst>
+    <dgm:txEffectClrLst/>
+  </dgm:styleLbl>
+  <dgm:styleLbl name="asst0">
+    <dgm:fillClrLst meth="repeat">
+      <a:schemeClr val="accent1"/>
+    </dgm:fillClrLst>
+    <dgm:linClrLst meth="repeat">
+      <a:schemeClr val="lt1"/>
+    </dgm:linClrLst>
+    <dgm:effectClrLst/>
+    <dgm:txLinClrLst/>
+    <dgm:txFillClrLst/>
+    <dgm:txEffectClrLst/>
+  </dgm:styleLbl>
+  <dgm:styleLbl name="asst1">
+    <dgm:fillClrLst meth="repeat">
+      <a:schemeClr val="accent1"/>
+    </dgm:fillClrLst>
+    <dgm:linClrLst meth="repeat">
+      <a:schemeClr val="lt1"/>
+    </dgm:linClrLst>
+    <dgm:effectClrLst/>
+    <dgm:txLinClrLst/>
+    <dgm:txFillClrLst/>
+    <dgm:txEffectClrLst/>
+  </dgm:styleLbl>
+  <dgm:styleLbl name="asst2">
+    <dgm:fillClrLst meth="repeat">
+      <a:schemeClr val="accent1"/>
+    </dgm:fillClrLst>
+    <dgm:linClrLst meth="repeat">
+      <a:schemeClr val="lt1"/>
+    </dgm:linClrLst>
+    <dgm:effectClrLst/>
+    <dgm:txLinClrLst/>
+    <dgm:txFillClrLst/>
+    <dgm:txEffectClrLst/>
+  </dgm:styleLbl>
+  <dgm:styleLbl name="asst3">
+    <dgm:fillClrLst meth="repeat">
+      <a:schemeClr val="accent1"/>
+    </dgm:fillClrLst>
+    <dgm:linClrLst meth="repeat">
+      <a:schemeClr val="lt1"/>
+    </dgm:linClrLst>
+    <dgm:effectClrLst/>
+    <dgm:txLinClrLst/>
+    <dgm:txFillClrLst/>
+    <dgm:txEffectClrLst/>
+  </dgm:styleLbl>
+  <dgm:styleLbl name="asst4">
+    <dgm:fillClrLst meth="repeat">
+      <a:schemeClr val="accent1"/>
+    </dgm:fillClrLst>
+    <dgm:linClrLst meth="repeat">
+      <a:schemeClr val="lt1"/>
+    </dgm:linClrLst>
+    <dgm:effectClrLst/>
+    <dgm:txLinClrLst/>
+    <dgm:txFillClrLst/>
+    <dgm:txEffectClrLst/>
+  </dgm:styleLbl>
+  <dgm:styleLbl name="parChTrans2D1">
+    <dgm:fillClrLst meth="repeat">
+      <a:schemeClr val="accent1">
+        <a:tint val="60000"/>
+      </a:schemeClr>
+    </dgm:fillClrLst>
+    <dgm:linClrLst meth="repeat">
+      <a:schemeClr val="accent1">
+        <a:tint val="60000"/>
+      </a:schemeClr>
+    </dgm:linClrLst>
+    <dgm:effectClrLst/>
+    <dgm:txLinClrLst/>
+    <dgm:txFillClrLst meth="repeat">
+      <a:schemeClr val="lt1"/>
+    </dgm:txFillClrLst>
+    <dgm:txEffectClrLst/>
+  </dgm:styleLbl>
+  <dgm:styleLbl name="parChTrans2D2">
+    <dgm:fillClrLst meth="repeat">
+      <a:schemeClr val="accent1"/>
+    </dgm:fillClrLst>
+    <dgm:linClrLst meth="repeat">
+      <a:schemeClr val="accent1"/>
+    </dgm:linClrLst>
+    <dgm:effectClrLst/>
+    <dgm:txLinClrLst/>
+    <dgm:txFillClrLst meth="repeat">
+      <a:schemeClr val="lt1"/>
+    </dgm:txFillClrLst>
+    <dgm:txEffectClrLst/>
+  </dgm:styleLbl>
+  <dgm:styleLbl name="parChTrans2D3">
+    <dgm:fillClrLst meth="repeat">
+      <a:schemeClr val="accent1"/>
+    </dgm:fillClrLst>
+    <dgm:linClrLst meth="repeat">
+      <a:schemeClr val="accent1"/>
+    </dgm:linClrLst>
+    <dgm:effectClrLst/>
+    <dgm:txLinClrLst/>
+    <dgm:txFillClrLst meth="repeat">
+      <a:schemeClr val="lt1"/>
+    </dgm:txFillClrLst>
+    <dgm:txEffectClrLst/>
+  </dgm:styleLbl>
+  <dgm:styleLbl name="parChTrans2D4">
+    <dgm:fillClrLst meth="repeat">
+      <a:schemeClr val="accent1"/>
+    </dgm:fillClrLst>
+    <dgm:linClrLst meth="repeat">
+      <a:schemeClr val="accent1"/>
+    </dgm:linClrLst>
+    <dgm:effectClrLst/>
+    <dgm:txLinClrLst/>
+    <dgm:txFillClrLst meth="repeat">
+      <a:schemeClr val="lt1"/>
+    </dgm:txFillClrLst>
+    <dgm:txEffectClrLst/>
+  </dgm:styleLbl>
+  <dgm:styleLbl name="parChTrans1D1">
+    <dgm:fillClrLst meth="repeat">
+      <a:schemeClr val="accent1"/>
+    </dgm:fillClrLst>
+    <dgm:linClrLst meth="repeat">
+      <a:schemeClr val="accent1">
+        <a:shade val="60000"/>
+      </a:schemeClr>
+    </dgm:linClrLst>
+    <dgm:effectClrLst/>
+    <dgm:txLinClrLst/>
+    <dgm:txFillClrLst meth="repeat">
+      <a:schemeClr val="tx1"/>
+    </dgm:txFillClrLst>
+    <dgm:txEffectClrLst/>
+  </dgm:styleLbl>
+  <dgm:styleLbl name="parChTrans1D2">
+    <dgm:fillClrLst meth="repeat">
+      <a:schemeClr val="accent1"/>
+    </dgm:fillClrLst>
+    <dgm:linClrLst meth="repeat">
+      <a:schemeClr val="accent1">
+        <a:shade val="60000"/>
+      </a:schemeClr>
+    </dgm:linClrLst>
+    <dgm:effectClrLst/>
+    <dgm:txLinClrLst/>
+    <dgm:txFillClrLst meth="repeat">
+      <a:schemeClr val="tx1"/>
+    </dgm:txFillClrLst>
+    <dgm:txEffectClrLst/>
+  </dgm:styleLbl>
+  <dgm:styleLbl name="parChTrans1D3">
+    <dgm:fillClrLst meth="repeat">
+      <a:schemeClr val="accent1"/>
+    </dgm:fillClrLst>
+    <dgm:linClrLst meth="repeat">
+      <a:schemeClr val="accent1">
+        <a:shade val="80000"/>
+      </a:schemeClr>
+    </dgm:linClrLst>
+    <dgm:effectClrLst/>
+    <dgm:txLinClrLst/>
+    <dgm:txFillClrLst meth="repeat">
+      <a:schemeClr val="tx1"/>
+    </dgm:txFillClrLst>
+    <dgm:txEffectClrLst/>
+  </dgm:styleLbl>
+  <dgm:styleLbl name="parChTrans1D4">
+    <dgm:fillClrLst meth="repeat">
+      <a:schemeClr val="accent1"/>
+    </dgm:fillClrLst>
+    <dgm:linClrLst meth="repeat">
+      <a:schemeClr val="accent1">
+        <a:shade val="80000"/>
+      </a:schemeClr>
+    </dgm:linClrLst>
+    <dgm:effectClrLst/>
+    <dgm:txLinClrLst/>
+    <dgm:txFillClrLst meth="repeat">
+      <a:schemeClr val="tx1"/>
+    </dgm:txFillClrLst>
+    <dgm:txEffectClrLst/>
+  </dgm:styleLbl>
+  <dgm:styleLbl name="fgAcc1">
+    <dgm:fillClrLst meth="repeat">
+      <a:schemeClr val="lt1">
+        <a:alpha val="90000"/>
+      </a:schemeClr>
+    </dgm:fillClrLst>
+    <dgm:linClrLst meth="repeat">
+      <a:schemeClr val="accent1"/>
+    </dgm:linClrLst>
+    <dgm:effectClrLst/>
+    <dgm:txLinClrLst/>
+    <dgm:txFillClrLst meth="repeat">
+      <a:schemeClr val="dk1"/>
+    </dgm:txFillClrLst>
+    <dgm:txEffectClrLst/>
+  </dgm:styleLbl>
+  <dgm:styleLbl name="conFgAcc1">
+    <dgm:fillClrLst meth="repeat">
+      <a:schemeClr val="lt1">
+        <a:alpha val="90000"/>
+      </a:schemeClr>
+    </dgm:fillClrLst>
+    <dgm:linClrLst meth="repeat">
+      <a:schemeClr val="accent1"/>
+    </dgm:linClrLst>
+    <dgm:effectClrLst/>
+    <dgm:txLinClrLst/>
+    <dgm:txFillClrLst meth="repeat">
+      <a:schemeClr val="dk1"/>
+    </dgm:txFillClrLst>
+    <dgm:txEffectClrLst/>
+  </dgm:styleLbl>
+  <dgm:styleLbl name="alignAcc1">
+    <dgm:fillClrLst meth="repeat">
+      <a:schemeClr val="lt1">
+        <a:alpha val="90000"/>
+      </a:schemeClr>
+    </dgm:fillClrLst>
+    <dgm:linClrLst meth="repeat">
+      <a:schemeClr val="accent1"/>
+    </dgm:linClrLst>
+    <dgm:effectClrLst/>
+    <dgm:txLinClrLst/>
+    <dgm:txFillClrLst meth="repeat">
+      <a:schemeClr val="dk1"/>
+    </dgm:txFillClrLst>
+    <dgm:txEffectClrLst/>
+  </dgm:styleLbl>
+  <dgm:styleLbl name="trAlignAcc1">
+    <dgm:fillClrLst meth="repeat">
+      <a:schemeClr val="lt1">
+        <a:alpha val="40000"/>
+      </a:schemeClr>
+    </dgm:fillClrLst>
+    <dgm:linClrLst meth="repeat">
+      <a:schemeClr val="accent1"/>
+    </dgm:linClrLst>
+    <dgm:effectClrLst/>
+    <dgm:txLinClrLst/>
+    <dgm:txFillClrLst meth="repeat">
+      <a:schemeClr val="dk1"/>
+    </dgm:txFillClrLst>
+    <dgm:txEffectClrLst/>
+  </dgm:styleLbl>
+  <dgm:styleLbl name="bgAcc1">
+    <dgm:fillClrLst meth="repeat">
+      <a:schemeClr val="lt1">
+        <a:alpha val="90000"/>
+      </a:schemeClr>
+    </dgm:fillClrLst>
+    <dgm:linClrLst meth="repeat">
+      <a:schemeClr val="accent1"/>
+    </dgm:linClrLst>
+    <dgm:effectClrLst/>
+    <dgm:txLinClrLst/>
+    <dgm:txFillClrLst meth="repeat">
+      <a:schemeClr val="dk1"/>
+    </dgm:txFillClrLst>
+    <dgm:txEffectClrLst/>
+  </dgm:styleLbl>
+  <dgm:styleLbl name="solidFgAcc1">
+    <dgm:fillClrLst meth="repeat">
+      <a:schemeClr val="lt1"/>
+    </dgm:fillClrLst>
+    <dgm:linClrLst meth="repeat">
+      <a:schemeClr val="accent1"/>
+    </dgm:linClrLst>
+    <dgm:effectClrLst/>
+    <dgm:txLinClrLst/>
+    <dgm:txFillClrLst meth="repeat">
+      <a:schemeClr val="dk1"/>
+    </dgm:txFillClrLst>
+    <dgm:txEffectClrLst/>
+  </dgm:styleLbl>
+  <dgm:styleLbl name="solidAlignAcc1">
+    <dgm:fillClrLst meth="repeat">
+      <a:schemeClr val="lt1"/>
+    </dgm:fillClrLst>
+    <dgm:linClrLst meth="repeat">
+      <a:schemeClr val="accent1"/>
+    </dgm:linClrLst>
+    <dgm:effectClrLst/>
+    <dgm:txLinClrLst/>
+    <dgm:txFillClrLst meth="repeat">
+      <a:schemeClr val="dk1"/>
+    </dgm:txFillClrLst>
+    <dgm:txEffectClrLst/>
+  </dgm:styleLbl>
+  <dgm:styleLbl name="solidBgAcc1">
+    <dgm:fillClrLst meth="repeat">
+      <a:schemeClr val="lt1"/>
+    </dgm:fillClrLst>
+    <dgm:linClrLst meth="repeat">
+      <a:schemeClr val="accent1"/>
+    </dgm:linClrLst>
+    <dgm:effectClrLst/>
+    <dgm:txLinClrLst/>
+    <dgm:txFillClrLst meth="repeat">
+      <a:schemeClr val="dk1"/>
+    </dgm:txFillClrLst>
+    <dgm:txEffectClrLst/>
+  </dgm:styleLbl>
+  <dgm:styleLbl name="fgAccFollowNode1">
+    <dgm:fillClrLst meth="repeat">
+      <a:schemeClr val="accent1">
+        <a:alpha val="90000"/>
+        <a:tint val="40000"/>
+      </a:schemeClr>
+    </dgm:fillClrLst>
+    <dgm:linClrLst meth="repeat">
+      <a:schemeClr val="accent1">
+        <a:alpha val="90000"/>
+        <a:tint val="40000"/>
+      </a:schemeClr>
+    </dgm:linClrLst>
+    <dgm:effectClrLst/>
+    <dgm:txLinClrLst/>
+    <dgm:txFillClrLst meth="repeat">
+      <a:schemeClr val="dk1"/>
+    </dgm:txFillClrLst>
+    <dgm:txEffectClrLst/>
+  </dgm:styleLbl>
+  <dgm:styleLbl name="alignAccFollowNode1">
+    <dgm:fillClrLst meth="repeat">
+      <a:schemeClr val="accent1">
+        <a:alpha val="90000"/>
+        <a:tint val="40000"/>
+      </a:schemeClr>
+    </dgm:fillClrLst>
+    <dgm:linClrLst meth="repeat">
+      <a:schemeClr val="accent1">
+        <a:alpha val="90000"/>
+        <a:tint val="40000"/>
+      </a:schemeClr>
+    </dgm:linClrLst>
+    <dgm:effectClrLst/>
+    <dgm:txLinClrLst/>
+    <dgm:txFillClrLst meth="repeat">
+      <a:schemeClr val="dk1"/>
+    </dgm:txFillClrLst>
+    <dgm:txEffectClrLst/>
+  </dgm:styleLbl>
+  <dgm:styleLbl name="bgAccFollowNode1">
+    <dgm:fillClrLst meth="repeat">
+      <a:schemeClr val="accent1">
+        <a:alpha val="90000"/>
+        <a:tint val="40000"/>
+      </a:schemeClr>
+    </dgm:fillClrLst>
+    <dgm:linClrLst meth="repeat">
+      <a:schemeClr val="accent1">
+        <a:alpha val="90000"/>
+        <a:tint val="40000"/>
+      </a:schemeClr>
+    </dgm:linClrLst>
+    <dgm:effectClrLst/>
+    <dgm:txLinClrLst/>
+    <dgm:txFillClrLst meth="repeat">
+      <a:schemeClr val="dk1"/>
+    </dgm:txFillClrLst>
+    <dgm:txEffectClrLst/>
+  </dgm:styleLbl>
+  <dgm:styleLbl name="fgAcc0">
+    <dgm:fillClrLst meth="repeat">
+      <a:schemeClr val="lt1">
+        <a:alpha val="90000"/>
+      </a:schemeClr>
+    </dgm:fillClrLst>
+    <dgm:linClrLst meth="repeat">
+      <a:schemeClr val="accent1"/>
+    </dgm:linClrLst>
+    <dgm:effectClrLst/>
+    <dgm:txLinClrLst/>
+    <dgm:txFillClrLst meth="repeat">
+      <a:schemeClr val="dk1"/>
+    </dgm:txFillClrLst>
+    <dgm:txEffectClrLst/>
+  </dgm:styleLbl>
+  <dgm:styleLbl name="fgAcc2">
+    <dgm:fillClrLst meth="repeat">
+      <a:schemeClr val="lt1">
+        <a:alpha val="90000"/>
+      </a:schemeClr>
+    </dgm:fillClrLst>
+    <dgm:linClrLst meth="repeat">
+      <a:schemeClr val="accent1"/>
+    </dgm:linClrLst>
+    <dgm:effectClrLst/>
+    <dgm:txLinClrLst/>
+    <dgm:txFillClrLst meth="repeat">
+      <a:schemeClr val="dk1"/>
+    </dgm:txFillClrLst>
+    <dgm:txEffectClrLst/>
+  </dgm:styleLbl>
+  <dgm:styleLbl name="fgAcc3">
+    <dgm:fillClrLst meth="repeat">
+      <a:schemeClr val="lt1">
+        <a:alpha val="90000"/>
+      </a:schemeClr>
+    </dgm:fillClrLst>
+    <dgm:linClrLst meth="repeat">
+      <a:schemeClr val="accent1"/>
+    </dgm:linClrLst>
+    <dgm:effectClrLst/>
+    <dgm:txLinClrLst/>
+    <dgm:txFillClrLst meth="repeat">
+      <a:schemeClr val="dk1"/>
+    </dgm:txFillClrLst>
+    <dgm:txEffectClrLst/>
+  </dgm:styleLbl>
+  <dgm:styleLbl name="fgAcc4">
+    <dgm:fillClrLst meth="repeat">
+      <a:schemeClr val="lt1">
+        <a:alpha val="90000"/>
+      </a:schemeClr>
+    </dgm:fillClrLst>
+    <dgm:linClrLst meth="repeat">
+      <a:schemeClr val="accent1"/>
+    </dgm:linClrLst>
+    <dgm:effectClrLst/>
+    <dgm:txLinClrLst/>
+    <dgm:txFillClrLst meth="repeat">
+      <a:schemeClr val="dk1"/>
+    </dgm:txFillClrLst>
+    <dgm:txEffectClrLst/>
+  </dgm:styleLbl>
+  <dgm:styleLbl name="bgShp">
+    <dgm:fillClrLst meth="repeat">
+      <a:schemeClr val="accent1">
+        <a:tint val="40000"/>
+      </a:schemeClr>
+    </dgm:fillClrLst>
+    <dgm:linClrLst meth="repeat">
+      <a:schemeClr val="accent1"/>
+    </dgm:linClrLst>
+    <dgm:effectClrLst/>
+    <dgm:txLinClrLst/>
+    <dgm:txFillClrLst meth="repeat">
+      <a:schemeClr val="dk1"/>
+    </dgm:txFillClrLst>
+    <dgm:txEffectClrLst/>
+  </dgm:styleLbl>
+  <dgm:styleLbl name="dkBgShp">
+    <dgm:fillClrLst meth="repeat">
+      <a:schemeClr val="accent1">
+        <a:shade val="80000"/>
+      </a:schemeClr>
+    </dgm:fillClrLst>
+    <dgm:linClrLst meth="repeat">
+      <a:schemeClr val="accent1"/>
+    </dgm:linClrLst>
+    <dgm:effectClrLst/>
+    <dgm:txLinClrLst/>
+    <dgm:txFillClrLst meth="repeat">
+      <a:schemeClr val="lt1"/>
+    </dgm:txFillClrLst>
+    <dgm:txEffectClrLst/>
+  </dgm:styleLbl>
+  <dgm:styleLbl name="trBgShp">
+    <dgm:fillClrLst meth="repeat">
+      <a:schemeClr val="accent1">
+        <a:tint val="50000"/>
+        <a:alpha val="40000"/>
+      </a:schemeClr>
+    </dgm:fillClrLst>
+    <dgm:linClrLst meth="repeat">
+      <a:schemeClr val="accent1"/>
+    </dgm:linClrLst>
+    <dgm:effectClrLst/>
+    <dgm:txLinClrLst/>
+    <dgm:txFillClrLst meth="repeat">
+      <a:schemeClr val="lt1"/>
+    </dgm:txFillClrLst>
+    <dgm:txEffectClrLst/>
+  </dgm:styleLbl>
+  <dgm:styleLbl name="fgShp">
+    <dgm:fillClrLst meth="repeat">
+      <a:schemeClr val="accent1">
+        <a:tint val="60000"/>
+      </a:schemeClr>
+    </dgm:fillClrLst>
+    <dgm:linClrLst meth="repeat">
+      <a:schemeClr val="lt1"/>
+    </dgm:linClrLst>
+    <dgm:effectClrLst/>
+    <dgm:txLinClrLst/>
+    <dgm:txFillClrLst meth="repeat">
+      <a:schemeClr val="dk1"/>
+    </dgm:txFillClrLst>
+    <dgm:txEffectClrLst/>
+  </dgm:styleLbl>
+  <dgm:styleLbl name="revTx">
+    <dgm:fillClrLst meth="repeat">
+      <a:schemeClr val="lt1">
+        <a:alpha val="0"/>
+      </a:schemeClr>
+    </dgm:fillClrLst>
+    <dgm:linClrLst meth="repeat">
+      <a:schemeClr val="dk1">
+        <a:alpha val="0"/>
+      </a:schemeClr>
+    </dgm:linClrLst>
+    <dgm:effectClrLst/>
+    <dgm:txLinClrLst/>
+    <dgm:txFillClrLst meth="repeat">
+      <a:schemeClr val="tx1"/>
+    </dgm:txFillClrLst>
+    <dgm:txEffectClrLst/>
+  </dgm:styleLbl>
+</dgm:colorsDef>
+</file>
+
 <file path=ppt/diagrams/data1.xml><?xml version="1.0" encoding="utf-8"?>
 <dgm:dataModel xmlns:dgm="http://schemas.openxmlformats.org/drawingml/2006/diagram" xmlns:a="http://schemas.openxmlformats.org/drawingml/2006/main">
   <dgm:ptLst>
@@ -926,11 +1676,11 @@
         <a:p>
           <a:r>
             <a:rPr lang="en-US" altLang="zh-CN" dirty="0" smtClean="0"/>
-            <a:t>Enter Vendor for get </a:t>
+            <a:t>Get data </a:t>
           </a:r>
           <a:r>
             <a:rPr lang="en-US" altLang="zh-CN" dirty="0" smtClean="0"/>
-            <a:t>data from MFG/Pro</a:t>
+            <a:t>from MFG/Pro</a:t>
           </a:r>
           <a:endParaRPr lang="zh-CN" altLang="en-US" dirty="0"/>
         </a:p>
@@ -967,11 +1717,11 @@
         <a:p>
           <a:r>
             <a:rPr lang="en-US" altLang="zh-CN" dirty="0" smtClean="0"/>
-            <a:t>Enter PI No for get</a:t>
+            <a:t>Get data </a:t>
           </a:r>
           <a:r>
             <a:rPr lang="en-US" altLang="zh-CN" dirty="0" smtClean="0"/>
-            <a:t> Data from pi system[HK]</a:t>
+            <a:t>from pi system[HK]</a:t>
           </a:r>
           <a:endParaRPr lang="zh-CN" altLang="en-US" dirty="0"/>
         </a:p>
@@ -1156,6 +1906,13 @@
         </dgm:presLayoutVars>
       </dgm:prSet>
       <dgm:spPr/>
+      <dgm:t>
+        <a:bodyPr/>
+        <a:lstStyle/>
+        <a:p>
+          <a:endParaRPr lang="zh-CN" altLang="en-US"/>
+        </a:p>
+      </dgm:t>
     </dgm:pt>
     <dgm:pt modelId="{B95E0CCC-5915-4A71-A111-783ABD17B603}" type="pres">
       <dgm:prSet presAssocID="{C09EFE1D-7128-42FD-8D0F-8EE545994F20}" presName="composite" presStyleCnt="0"/>
@@ -1208,6 +1965,13 @@
         </dgm:presLayoutVars>
       </dgm:prSet>
       <dgm:spPr/>
+      <dgm:t>
+        <a:bodyPr/>
+        <a:lstStyle/>
+        <a:p>
+          <a:endParaRPr lang="zh-CN" altLang="en-US"/>
+        </a:p>
+      </dgm:t>
     </dgm:pt>
     <dgm:pt modelId="{6CF315D5-D168-45BF-9E82-326AFABF3767}" type="pres">
       <dgm:prSet presAssocID="{F557A717-02E7-4E9B-998F-3733F6B767CF}" presName="descendantText" presStyleLbl="alignAcc1" presStyleIdx="1" presStyleCnt="3">
@@ -1240,6 +2004,13 @@
         </dgm:presLayoutVars>
       </dgm:prSet>
       <dgm:spPr/>
+      <dgm:t>
+        <a:bodyPr/>
+        <a:lstStyle/>
+        <a:p>
+          <a:endParaRPr lang="zh-CN" altLang="en-US"/>
+        </a:p>
+      </dgm:t>
     </dgm:pt>
     <dgm:pt modelId="{F36C59C2-5F1C-4438-BAC7-89D81951489A}" type="pres">
       <dgm:prSet presAssocID="{28BEF1B8-5184-4B71-B820-5ECC2E450B44}" presName="descendantText" presStyleLbl="alignAcc1" presStyleIdx="2" presStyleCnt="3">
@@ -1258,21 +2029,21 @@
     </dgm:pt>
   </dgm:ptLst>
   <dgm:cxnLst>
-    <dgm:cxn modelId="{E5FE0FE0-5F9E-4916-A506-72E42CDBB062}" srcId="{F557A717-02E7-4E9B-998F-3733F6B767CF}" destId="{D45D020D-3BD7-4D65-88C3-43003A4171F9}" srcOrd="0" destOrd="0" parTransId="{45A2C554-9A59-4541-8C7C-60C9526A0A1F}" sibTransId="{1EB66066-CBEB-4103-BDE2-BE2F5CD797CF}"/>
+    <dgm:cxn modelId="{63889BAC-DAED-4EAE-8F42-0CD653AD9B49}" type="presOf" srcId="{8CA884DE-89CD-42A3-8894-11C1E284B243}" destId="{3DC551D1-22FA-47F4-8746-5E4608DAD129}" srcOrd="0" destOrd="0" presId="urn:microsoft.com/office/officeart/2005/8/layout/chevron2"/>
+    <dgm:cxn modelId="{062FD9AD-1CD7-4EB8-A9E0-4A224ABFBAEC}" type="presOf" srcId="{30221757-F5E6-4BFF-BBC2-5EFD252FECAB}" destId="{04FAE3CD-9ED3-4DD4-94BD-4C76C1236AC1}" srcOrd="0" destOrd="0" presId="urn:microsoft.com/office/officeart/2005/8/layout/chevron2"/>
+    <dgm:cxn modelId="{AABB00F3-2D42-40DC-BF94-347320F0DF63}" type="presOf" srcId="{C09EFE1D-7128-42FD-8D0F-8EE545994F20}" destId="{A42F5A36-30A5-483A-81F5-8148DBCAC624}" srcOrd="0" destOrd="0" presId="urn:microsoft.com/office/officeart/2005/8/layout/chevron2"/>
+    <dgm:cxn modelId="{A32E714C-72DD-47F2-BFC3-7CC35AA20659}" srcId="{C09EFE1D-7128-42FD-8D0F-8EE545994F20}" destId="{7C39FDA6-8947-4CC8-8F32-3ACDB7542616}" srcOrd="1" destOrd="0" parTransId="{8541F0A6-F6D5-4C7F-AF4F-484C551A4175}" sibTransId="{68FE6A20-8292-4370-830E-8E63F6C5E373}"/>
+    <dgm:cxn modelId="{EA0524E8-11F0-42CA-8524-6C5AB9E211AF}" srcId="{28BEF1B8-5184-4B71-B820-5ECC2E450B44}" destId="{E24836CD-DAF3-4FFA-B783-D6511389CE73}" srcOrd="0" destOrd="0" parTransId="{8C42E737-E3C5-447C-BC02-9DE1D72DF06F}" sibTransId="{E656E44D-276E-4BEB-9689-34E4CDDA60D1}"/>
     <dgm:cxn modelId="{879F7453-EAA2-4E6F-82EA-953F66B19105}" srcId="{C09EFE1D-7128-42FD-8D0F-8EE545994F20}" destId="{8CA884DE-89CD-42A3-8894-11C1E284B243}" srcOrd="0" destOrd="0" parTransId="{4653A89D-8415-40FF-8801-EEA77BC1EC60}" sibTransId="{E2AC69D0-53EA-4942-BCCD-C8FF00D130ED}"/>
-    <dgm:cxn modelId="{062FD9AD-1CD7-4EB8-A9E0-4A224ABFBAEC}" type="presOf" srcId="{30221757-F5E6-4BFF-BBC2-5EFD252FECAB}" destId="{04FAE3CD-9ED3-4DD4-94BD-4C76C1236AC1}" srcOrd="0" destOrd="0" presId="urn:microsoft.com/office/officeart/2005/8/layout/chevron2"/>
+    <dgm:cxn modelId="{2A8F39CA-07EA-448B-8451-FE3EC8F9093B}" type="presOf" srcId="{D45D020D-3BD7-4D65-88C3-43003A4171F9}" destId="{6CF315D5-D168-45BF-9E82-326AFABF3767}" srcOrd="0" destOrd="0" presId="urn:microsoft.com/office/officeart/2005/8/layout/chevron2"/>
     <dgm:cxn modelId="{362DA447-CF97-4CDF-9590-8A805081AC27}" type="presOf" srcId="{7C39FDA6-8947-4CC8-8F32-3ACDB7542616}" destId="{3DC551D1-22FA-47F4-8746-5E4608DAD129}" srcOrd="0" destOrd="1" presId="urn:microsoft.com/office/officeart/2005/8/layout/chevron2"/>
-    <dgm:cxn modelId="{A32E714C-72DD-47F2-BFC3-7CC35AA20659}" srcId="{C09EFE1D-7128-42FD-8D0F-8EE545994F20}" destId="{7C39FDA6-8947-4CC8-8F32-3ACDB7542616}" srcOrd="1" destOrd="0" parTransId="{8541F0A6-F6D5-4C7F-AF4F-484C551A4175}" sibTransId="{68FE6A20-8292-4370-830E-8E63F6C5E373}"/>
-    <dgm:cxn modelId="{2A8F39CA-07EA-448B-8451-FE3EC8F9093B}" type="presOf" srcId="{D45D020D-3BD7-4D65-88C3-43003A4171F9}" destId="{6CF315D5-D168-45BF-9E82-326AFABF3767}" srcOrd="0" destOrd="0" presId="urn:microsoft.com/office/officeart/2005/8/layout/chevron2"/>
-    <dgm:cxn modelId="{EA0524E8-11F0-42CA-8524-6C5AB9E211AF}" srcId="{28BEF1B8-5184-4B71-B820-5ECC2E450B44}" destId="{E24836CD-DAF3-4FFA-B783-D6511389CE73}" srcOrd="0" destOrd="0" parTransId="{8C42E737-E3C5-447C-BC02-9DE1D72DF06F}" sibTransId="{E656E44D-276E-4BEB-9689-34E4CDDA60D1}"/>
-    <dgm:cxn modelId="{330C69B1-9E70-4EBC-B290-B4524FB5C379}" srcId="{30221757-F5E6-4BFF-BBC2-5EFD252FECAB}" destId="{28BEF1B8-5184-4B71-B820-5ECC2E450B44}" srcOrd="2" destOrd="0" parTransId="{015E082B-A1FA-4D00-8645-B80B715EBE9F}" sibTransId="{45176FA1-F38B-400E-8EB7-40FE26A2B86D}"/>
+    <dgm:cxn modelId="{7BCB17C8-BBDD-4315-B112-235237C23336}" srcId="{30221757-F5E6-4BFF-BBC2-5EFD252FECAB}" destId="{C09EFE1D-7128-42FD-8D0F-8EE545994F20}" srcOrd="0" destOrd="0" parTransId="{E640616E-9567-44AE-9EAC-ED4C22AF6F32}" sibTransId="{523C26E3-4C50-4F73-9AB4-552A4F0BAD5A}"/>
     <dgm:cxn modelId="{75F49730-1737-4093-8599-190C1B1376C7}" type="presOf" srcId="{E24836CD-DAF3-4FFA-B783-D6511389CE73}" destId="{F36C59C2-5F1C-4438-BAC7-89D81951489A}" srcOrd="0" destOrd="0" presId="urn:microsoft.com/office/officeart/2005/8/layout/chevron2"/>
     <dgm:cxn modelId="{1A96E9A3-8248-43A7-A401-C8937EC1B924}" type="presOf" srcId="{F557A717-02E7-4E9B-998F-3733F6B767CF}" destId="{CBA778B9-FCB8-43CB-98AD-5DB8DAE02957}" srcOrd="0" destOrd="0" presId="urn:microsoft.com/office/officeart/2005/8/layout/chevron2"/>
-    <dgm:cxn modelId="{63889BAC-DAED-4EAE-8F42-0CD653AD9B49}" type="presOf" srcId="{8CA884DE-89CD-42A3-8894-11C1E284B243}" destId="{3DC551D1-22FA-47F4-8746-5E4608DAD129}" srcOrd="0" destOrd="0" presId="urn:microsoft.com/office/officeart/2005/8/layout/chevron2"/>
-    <dgm:cxn modelId="{7BCB17C8-BBDD-4315-B112-235237C23336}" srcId="{30221757-F5E6-4BFF-BBC2-5EFD252FECAB}" destId="{C09EFE1D-7128-42FD-8D0F-8EE545994F20}" srcOrd="0" destOrd="0" parTransId="{E640616E-9567-44AE-9EAC-ED4C22AF6F32}" sibTransId="{523C26E3-4C50-4F73-9AB4-552A4F0BAD5A}"/>
-    <dgm:cxn modelId="{AABB00F3-2D42-40DC-BF94-347320F0DF63}" type="presOf" srcId="{C09EFE1D-7128-42FD-8D0F-8EE545994F20}" destId="{A42F5A36-30A5-483A-81F5-8148DBCAC624}" srcOrd="0" destOrd="0" presId="urn:microsoft.com/office/officeart/2005/8/layout/chevron2"/>
+    <dgm:cxn modelId="{FE6154DE-4C98-4D3A-A399-5442878ED272}" type="presOf" srcId="{28BEF1B8-5184-4B71-B820-5ECC2E450B44}" destId="{769E9C10-87E9-41EE-90E6-481BEDCA8123}" srcOrd="0" destOrd="0" presId="urn:microsoft.com/office/officeart/2005/8/layout/chevron2"/>
     <dgm:cxn modelId="{B3B08FBB-5E52-4545-BD2A-EF6BB0E474EA}" srcId="{30221757-F5E6-4BFF-BBC2-5EFD252FECAB}" destId="{F557A717-02E7-4E9B-998F-3733F6B767CF}" srcOrd="1" destOrd="0" parTransId="{EA2DCC8E-336E-42ED-B8C6-5ABC5659ACF9}" sibTransId="{92976F91-E33D-412C-9AEE-9B770EA97732}"/>
-    <dgm:cxn modelId="{FE6154DE-4C98-4D3A-A399-5442878ED272}" type="presOf" srcId="{28BEF1B8-5184-4B71-B820-5ECC2E450B44}" destId="{769E9C10-87E9-41EE-90E6-481BEDCA8123}" srcOrd="0" destOrd="0" presId="urn:microsoft.com/office/officeart/2005/8/layout/chevron2"/>
+    <dgm:cxn modelId="{E5FE0FE0-5F9E-4916-A506-72E42CDBB062}" srcId="{F557A717-02E7-4E9B-998F-3733F6B767CF}" destId="{D45D020D-3BD7-4D65-88C3-43003A4171F9}" srcOrd="0" destOrd="0" parTransId="{45A2C554-9A59-4541-8C7C-60C9526A0A1F}" sibTransId="{1EB66066-CBEB-4103-BDE2-BE2F5CD797CF}"/>
+    <dgm:cxn modelId="{330C69B1-9E70-4EBC-B290-B4524FB5C379}" srcId="{30221757-F5E6-4BFF-BBC2-5EFD252FECAB}" destId="{28BEF1B8-5184-4B71-B820-5ECC2E450B44}" srcOrd="2" destOrd="0" parTransId="{015E082B-A1FA-4D00-8645-B80B715EBE9F}" sibTransId="{45176FA1-F38B-400E-8EB7-40FE26A2B86D}"/>
     <dgm:cxn modelId="{D0FD0169-F776-4404-B123-D337EBB0B0CE}" type="presParOf" srcId="{04FAE3CD-9ED3-4DD4-94BD-4C76C1236AC1}" destId="{B95E0CCC-5915-4A71-A111-783ABD17B603}" srcOrd="0" destOrd="0" presId="urn:microsoft.com/office/officeart/2005/8/layout/chevron2"/>
     <dgm:cxn modelId="{1091950F-B3D3-4D80-A4D7-0E829A9FAE22}" type="presParOf" srcId="{B95E0CCC-5915-4A71-A111-783ABD17B603}" destId="{A42F5A36-30A5-483A-81F5-8148DBCAC624}" srcOrd="0" destOrd="0" presId="urn:microsoft.com/office/officeart/2005/8/layout/chevron2"/>
     <dgm:cxn modelId="{4635C75C-29EA-4D56-8885-1BF00F7C6176}" type="presParOf" srcId="{B95E0CCC-5915-4A71-A111-783ABD17B603}" destId="{3DC551D1-22FA-47F4-8746-5E4608DAD129}" srcOrd="1" destOrd="0" presId="urn:microsoft.com/office/officeart/2005/8/layout/chevron2"/>
@@ -1284,6 +2055,552 @@
     <dgm:cxn modelId="{3AFCF584-1FCE-4124-A85E-5521D7B66A4B}" type="presParOf" srcId="{04FAE3CD-9ED3-4DD4-94BD-4C76C1236AC1}" destId="{F1595FAA-70C2-4EC3-94AD-63D13FD19936}" srcOrd="4" destOrd="0" presId="urn:microsoft.com/office/officeart/2005/8/layout/chevron2"/>
     <dgm:cxn modelId="{2131F008-27B7-4471-ACA7-46A58B1CF7C2}" type="presParOf" srcId="{F1595FAA-70C2-4EC3-94AD-63D13FD19936}" destId="{769E9C10-87E9-41EE-90E6-481BEDCA8123}" srcOrd="0" destOrd="0" presId="urn:microsoft.com/office/officeart/2005/8/layout/chevron2"/>
     <dgm:cxn modelId="{DCA57D5A-BF8E-4AA4-BD1F-B6FF82E5D22A}" type="presParOf" srcId="{F1595FAA-70C2-4EC3-94AD-63D13FD19936}" destId="{F36C59C2-5F1C-4438-BAC7-89D81951489A}" srcOrd="1" destOrd="0" presId="urn:microsoft.com/office/officeart/2005/8/layout/chevron2"/>
+  </dgm:cxnLst>
+  <dgm:bg/>
+  <dgm:whole/>
+  <dgm:extLst>
+    <a:ext uri="http://schemas.microsoft.com/office/drawing/2008/diagram">
+      <dsp:dataModelExt xmlns:dsp="http://schemas.microsoft.com/office/drawing/2008/diagram" xmlns="" relId="rId6" minVer="http://schemas.openxmlformats.org/drawingml/2006/diagram"/>
+    </a:ext>
+  </dgm:extLst>
+</dgm:dataModel>
+</file>
+
+<file path=ppt/diagrams/data2.xml><?xml version="1.0" encoding="utf-8"?>
+<dgm:dataModel xmlns:dgm="http://schemas.openxmlformats.org/drawingml/2006/diagram" xmlns:a="http://schemas.openxmlformats.org/drawingml/2006/main">
+  <dgm:ptLst>
+    <dgm:pt modelId="{ED4811D5-2561-4DF5-BAB7-B6FFA290EA5D}" type="doc">
+      <dgm:prSet loTypeId="urn:microsoft.com/office/officeart/2005/8/layout/orgChart1" loCatId="hierarchy" qsTypeId="urn:microsoft.com/office/officeart/2005/8/quickstyle/simple1" qsCatId="simple" csTypeId="urn:microsoft.com/office/officeart/2005/8/colors/accent1_2" csCatId="accent1" phldr="1"/>
+      <dgm:spPr/>
+      <dgm:t>
+        <a:bodyPr/>
+        <a:lstStyle/>
+        <a:p>
+          <a:endParaRPr lang="zh-CN" altLang="en-US"/>
+        </a:p>
+      </dgm:t>
+    </dgm:pt>
+    <dgm:pt modelId="{78B2F3C2-3055-4173-9321-AA65E23F86A4}">
+      <dgm:prSet phldrT="[文本]"/>
+      <dgm:spPr/>
+      <dgm:t>
+        <a:bodyPr/>
+        <a:lstStyle/>
+        <a:p>
+          <a:r>
+            <a:rPr lang="en-US" altLang="zh-CN" dirty="0" smtClean="0"/>
+            <a:t>Main</a:t>
+          </a:r>
+          <a:endParaRPr lang="zh-CN" altLang="en-US" dirty="0"/>
+        </a:p>
+      </dgm:t>
+    </dgm:pt>
+    <dgm:pt modelId="{60EA8F2C-3B7A-456C-9BD6-A5C5C19F7BB5}" type="parTrans" cxnId="{04D147B8-23FE-414E-8FA4-AE890763B85F}">
+      <dgm:prSet/>
+      <dgm:spPr/>
+      <dgm:t>
+        <a:bodyPr/>
+        <a:lstStyle/>
+        <a:p>
+          <a:endParaRPr lang="zh-CN" altLang="en-US"/>
+        </a:p>
+      </dgm:t>
+    </dgm:pt>
+    <dgm:pt modelId="{D69A77CA-AA79-45BD-93D5-3535EA53BF93}" type="sibTrans" cxnId="{04D147B8-23FE-414E-8FA4-AE890763B85F}">
+      <dgm:prSet/>
+      <dgm:spPr/>
+      <dgm:t>
+        <a:bodyPr/>
+        <a:lstStyle/>
+        <a:p>
+          <a:endParaRPr lang="zh-CN" altLang="en-US"/>
+        </a:p>
+      </dgm:t>
+    </dgm:pt>
+    <dgm:pt modelId="{2D8500F4-DE6C-47B7-84E2-7A997750491B}">
+      <dgm:prSet phldrT="[文本]"/>
+      <dgm:spPr/>
+      <dgm:t>
+        <a:bodyPr/>
+        <a:lstStyle/>
+        <a:p>
+          <a:r>
+            <a:rPr lang="en-US" altLang="zh-CN" dirty="0" smtClean="0"/>
+            <a:t>By DN</a:t>
+          </a:r>
+          <a:endParaRPr lang="zh-CN" altLang="en-US" dirty="0"/>
+        </a:p>
+      </dgm:t>
+    </dgm:pt>
+    <dgm:pt modelId="{798FFFFA-12D5-4D65-BF4E-D58AEE1C18A0}" type="parTrans" cxnId="{929DADE3-8002-4F26-B0DA-EA152D6CC0F2}">
+      <dgm:prSet/>
+      <dgm:spPr/>
+      <dgm:t>
+        <a:bodyPr/>
+        <a:lstStyle/>
+        <a:p>
+          <a:endParaRPr lang="zh-CN" altLang="en-US"/>
+        </a:p>
+      </dgm:t>
+    </dgm:pt>
+    <dgm:pt modelId="{D26C03ED-4DC6-4939-92EE-EFC0D36CCA3A}" type="sibTrans" cxnId="{929DADE3-8002-4F26-B0DA-EA152D6CC0F2}">
+      <dgm:prSet/>
+      <dgm:spPr/>
+      <dgm:t>
+        <a:bodyPr/>
+        <a:lstStyle/>
+        <a:p>
+          <a:endParaRPr lang="zh-CN" altLang="en-US"/>
+        </a:p>
+      </dgm:t>
+    </dgm:pt>
+    <dgm:pt modelId="{6C198646-8659-41D1-B1EA-0FBCC028B9F8}">
+      <dgm:prSet phldrT="[文本]"/>
+      <dgm:spPr/>
+      <dgm:t>
+        <a:bodyPr/>
+        <a:lstStyle/>
+        <a:p>
+          <a:r>
+            <a:rPr lang="en-US" altLang="zh-CN" dirty="0" smtClean="0"/>
+            <a:t>By Vendor</a:t>
+          </a:r>
+          <a:endParaRPr lang="zh-CN" altLang="en-US" dirty="0"/>
+        </a:p>
+      </dgm:t>
+    </dgm:pt>
+    <dgm:pt modelId="{345ACCA6-CAD6-4F4A-AE10-2AB268DE03D3}" type="parTrans" cxnId="{D2B1FD99-CC63-4109-9214-56E14F836F82}">
+      <dgm:prSet/>
+      <dgm:spPr/>
+      <dgm:t>
+        <a:bodyPr/>
+        <a:lstStyle/>
+        <a:p>
+          <a:endParaRPr lang="zh-CN" altLang="en-US"/>
+        </a:p>
+      </dgm:t>
+    </dgm:pt>
+    <dgm:pt modelId="{6D66A6B1-FE62-48BC-8C96-1B8CE06E7A60}" type="sibTrans" cxnId="{D2B1FD99-CC63-4109-9214-56E14F836F82}">
+      <dgm:prSet/>
+      <dgm:spPr/>
+      <dgm:t>
+        <a:bodyPr/>
+        <a:lstStyle/>
+        <a:p>
+          <a:endParaRPr lang="zh-CN" altLang="en-US"/>
+        </a:p>
+      </dgm:t>
+    </dgm:pt>
+    <dgm:pt modelId="{F4AB8BB8-90B8-4849-A847-D75A1F90E4E1}">
+      <dgm:prSet phldrT="[文本]"/>
+      <dgm:spPr/>
+      <dgm:t>
+        <a:bodyPr/>
+        <a:lstStyle/>
+        <a:p>
+          <a:r>
+            <a:rPr lang="en-US" altLang="zh-CN" dirty="0" smtClean="0"/>
+            <a:t>By PI</a:t>
+          </a:r>
+          <a:endParaRPr lang="zh-CN" altLang="en-US" dirty="0"/>
+        </a:p>
+      </dgm:t>
+    </dgm:pt>
+    <dgm:pt modelId="{2C37ADF9-6134-4ACE-A9DA-F20151BEF79F}" type="parTrans" cxnId="{2BAF7486-CABE-402C-B03E-DDB195061C53}">
+      <dgm:prSet/>
+      <dgm:spPr/>
+      <dgm:t>
+        <a:bodyPr/>
+        <a:lstStyle/>
+        <a:p>
+          <a:endParaRPr lang="zh-CN" altLang="en-US"/>
+        </a:p>
+      </dgm:t>
+    </dgm:pt>
+    <dgm:pt modelId="{21AC09FA-D735-4CE5-A79E-779244E9D4DD}" type="sibTrans" cxnId="{2BAF7486-CABE-402C-B03E-DDB195061C53}">
+      <dgm:prSet/>
+      <dgm:spPr/>
+      <dgm:t>
+        <a:bodyPr/>
+        <a:lstStyle/>
+        <a:p>
+          <a:endParaRPr lang="zh-CN" altLang="en-US"/>
+        </a:p>
+      </dgm:t>
+    </dgm:pt>
+    <dgm:pt modelId="{91CF9DC2-679B-4819-B051-D95F7ABB3282}">
+      <dgm:prSet phldrT="[文本]"/>
+      <dgm:spPr/>
+      <dgm:t>
+        <a:bodyPr/>
+        <a:lstStyle/>
+        <a:p>
+          <a:r>
+            <a:rPr lang="en-US" altLang="zh-CN" dirty="0" smtClean="0"/>
+            <a:t>By PI/Pallet</a:t>
+          </a:r>
+          <a:endParaRPr lang="zh-CN" altLang="en-US" dirty="0"/>
+        </a:p>
+      </dgm:t>
+    </dgm:pt>
+    <dgm:pt modelId="{7A2D90F0-20A5-489E-AD0B-89201B25DBB2}" type="parTrans" cxnId="{E98F0378-530E-432F-9770-69A9302C0D38}">
+      <dgm:prSet/>
+      <dgm:spPr/>
+      <dgm:t>
+        <a:bodyPr/>
+        <a:lstStyle/>
+        <a:p>
+          <a:endParaRPr lang="zh-CN" altLang="en-US"/>
+        </a:p>
+      </dgm:t>
+    </dgm:pt>
+    <dgm:pt modelId="{8FE8AC2E-9648-405B-ABA3-374E68C80D08}" type="sibTrans" cxnId="{E98F0378-530E-432F-9770-69A9302C0D38}">
+      <dgm:prSet/>
+      <dgm:spPr/>
+      <dgm:t>
+        <a:bodyPr/>
+        <a:lstStyle/>
+        <a:p>
+          <a:endParaRPr lang="zh-CN" altLang="en-US"/>
+        </a:p>
+      </dgm:t>
+    </dgm:pt>
+    <dgm:pt modelId="{2ADB8FCE-F734-498B-B756-CCE0C6E745E0}">
+      <dgm:prSet phldrT="[文本]" custT="1"/>
+      <dgm:spPr/>
+      <dgm:t>
+        <a:bodyPr/>
+        <a:lstStyle/>
+        <a:p>
+          <a:r>
+            <a:rPr lang="en-US" altLang="zh-CN" sz="2000" dirty="0" smtClean="0"/>
+            <a:t>By PI/Box No.</a:t>
+          </a:r>
+          <a:endParaRPr lang="zh-CN" altLang="en-US" sz="2000" dirty="0"/>
+        </a:p>
+      </dgm:t>
+    </dgm:pt>
+    <dgm:pt modelId="{92BBD628-E858-40C9-8713-467F28CFFFC3}" type="parTrans" cxnId="{B7E72432-7BD5-4832-8F01-4711B612AD27}">
+      <dgm:prSet/>
+      <dgm:spPr/>
+      <dgm:t>
+        <a:bodyPr/>
+        <a:lstStyle/>
+        <a:p>
+          <a:endParaRPr lang="zh-CN" altLang="en-US"/>
+        </a:p>
+      </dgm:t>
+    </dgm:pt>
+    <dgm:pt modelId="{CF55B441-CD65-4AAB-8152-BC371C04B300}" type="sibTrans" cxnId="{B7E72432-7BD5-4832-8F01-4711B612AD27}">
+      <dgm:prSet/>
+      <dgm:spPr/>
+      <dgm:t>
+        <a:bodyPr/>
+        <a:lstStyle/>
+        <a:p>
+          <a:endParaRPr lang="zh-CN" altLang="en-US"/>
+        </a:p>
+      </dgm:t>
+    </dgm:pt>
+    <dgm:pt modelId="{EBADE933-5C70-49CF-B96D-B984E82DAB03}" type="pres">
+      <dgm:prSet presAssocID="{ED4811D5-2561-4DF5-BAB7-B6FFA290EA5D}" presName="hierChild1" presStyleCnt="0">
+        <dgm:presLayoutVars>
+          <dgm:orgChart val="1"/>
+          <dgm:chPref val="1"/>
+          <dgm:dir/>
+          <dgm:animOne val="branch"/>
+          <dgm:animLvl val="lvl"/>
+          <dgm:resizeHandles/>
+        </dgm:presLayoutVars>
+      </dgm:prSet>
+      <dgm:spPr/>
+    </dgm:pt>
+    <dgm:pt modelId="{AB6B188B-2477-47EC-BC8E-F324DAE8642E}" type="pres">
+      <dgm:prSet presAssocID="{78B2F3C2-3055-4173-9321-AA65E23F86A4}" presName="hierRoot1" presStyleCnt="0">
+        <dgm:presLayoutVars>
+          <dgm:hierBranch val="init"/>
+        </dgm:presLayoutVars>
+      </dgm:prSet>
+      <dgm:spPr/>
+    </dgm:pt>
+    <dgm:pt modelId="{7454B2BA-A0BC-40F7-A503-7CDC59043C1B}" type="pres">
+      <dgm:prSet presAssocID="{78B2F3C2-3055-4173-9321-AA65E23F86A4}" presName="rootComposite1" presStyleCnt="0"/>
+      <dgm:spPr/>
+    </dgm:pt>
+    <dgm:pt modelId="{442B6F99-B5DF-4DDA-8891-95C6CBB5EE4A}" type="pres">
+      <dgm:prSet presAssocID="{78B2F3C2-3055-4173-9321-AA65E23F86A4}" presName="rootText1" presStyleLbl="node0" presStyleIdx="0" presStyleCnt="1">
+        <dgm:presLayoutVars>
+          <dgm:chPref val="3"/>
+        </dgm:presLayoutVars>
+      </dgm:prSet>
+      <dgm:spPr/>
+    </dgm:pt>
+    <dgm:pt modelId="{36DE47A3-54DA-4183-A0E4-916913C7D908}" type="pres">
+      <dgm:prSet presAssocID="{78B2F3C2-3055-4173-9321-AA65E23F86A4}" presName="rootConnector1" presStyleLbl="node1" presStyleIdx="0" presStyleCnt="0"/>
+      <dgm:spPr/>
+    </dgm:pt>
+    <dgm:pt modelId="{E65FAF13-EAE5-40BE-BEFA-715CCC345489}" type="pres">
+      <dgm:prSet presAssocID="{78B2F3C2-3055-4173-9321-AA65E23F86A4}" presName="hierChild2" presStyleCnt="0"/>
+      <dgm:spPr/>
+    </dgm:pt>
+    <dgm:pt modelId="{A6D172A6-AF17-4F6C-9729-F0D79987C551}" type="pres">
+      <dgm:prSet presAssocID="{798FFFFA-12D5-4D65-BF4E-D58AEE1C18A0}" presName="Name37" presStyleLbl="parChTrans1D2" presStyleIdx="0" presStyleCnt="5"/>
+      <dgm:spPr/>
+    </dgm:pt>
+    <dgm:pt modelId="{6C7D6135-EE83-4FA0-9816-F484CCA467B4}" type="pres">
+      <dgm:prSet presAssocID="{2D8500F4-DE6C-47B7-84E2-7A997750491B}" presName="hierRoot2" presStyleCnt="0">
+        <dgm:presLayoutVars>
+          <dgm:hierBranch val="init"/>
+        </dgm:presLayoutVars>
+      </dgm:prSet>
+      <dgm:spPr/>
+    </dgm:pt>
+    <dgm:pt modelId="{3FAF6AF9-D747-44A1-A078-7BB030236AF9}" type="pres">
+      <dgm:prSet presAssocID="{2D8500F4-DE6C-47B7-84E2-7A997750491B}" presName="rootComposite" presStyleCnt="0"/>
+      <dgm:spPr/>
+    </dgm:pt>
+    <dgm:pt modelId="{8C39C8BA-AAFE-4A15-B750-DC5A21F68296}" type="pres">
+      <dgm:prSet presAssocID="{2D8500F4-DE6C-47B7-84E2-7A997750491B}" presName="rootText" presStyleLbl="node2" presStyleIdx="0" presStyleCnt="5">
+        <dgm:presLayoutVars>
+          <dgm:chPref val="3"/>
+        </dgm:presLayoutVars>
+      </dgm:prSet>
+      <dgm:spPr/>
+    </dgm:pt>
+    <dgm:pt modelId="{897E28A7-31F5-476E-937B-C29FA54FD566}" type="pres">
+      <dgm:prSet presAssocID="{2D8500F4-DE6C-47B7-84E2-7A997750491B}" presName="rootConnector" presStyleLbl="node2" presStyleIdx="0" presStyleCnt="5"/>
+      <dgm:spPr/>
+    </dgm:pt>
+    <dgm:pt modelId="{60E0ECC6-C82D-4DA7-8D10-C2DF20A37987}" type="pres">
+      <dgm:prSet presAssocID="{2D8500F4-DE6C-47B7-84E2-7A997750491B}" presName="hierChild4" presStyleCnt="0"/>
+      <dgm:spPr/>
+    </dgm:pt>
+    <dgm:pt modelId="{79BCC257-B257-4242-B9A3-6EB32FFB5954}" type="pres">
+      <dgm:prSet presAssocID="{2D8500F4-DE6C-47B7-84E2-7A997750491B}" presName="hierChild5" presStyleCnt="0"/>
+      <dgm:spPr/>
+    </dgm:pt>
+    <dgm:pt modelId="{36F24692-DFB0-4479-A2D0-52DA6F5AC65B}" type="pres">
+      <dgm:prSet presAssocID="{345ACCA6-CAD6-4F4A-AE10-2AB268DE03D3}" presName="Name37" presStyleLbl="parChTrans1D2" presStyleIdx="1" presStyleCnt="5"/>
+      <dgm:spPr/>
+    </dgm:pt>
+    <dgm:pt modelId="{2BBE39FD-59DF-4E7C-8E59-A180CF7B1872}" type="pres">
+      <dgm:prSet presAssocID="{6C198646-8659-41D1-B1EA-0FBCC028B9F8}" presName="hierRoot2" presStyleCnt="0">
+        <dgm:presLayoutVars>
+          <dgm:hierBranch val="init"/>
+        </dgm:presLayoutVars>
+      </dgm:prSet>
+      <dgm:spPr/>
+    </dgm:pt>
+    <dgm:pt modelId="{EC79DF8D-7177-493D-A266-7B4BEA6B6F07}" type="pres">
+      <dgm:prSet presAssocID="{6C198646-8659-41D1-B1EA-0FBCC028B9F8}" presName="rootComposite" presStyleCnt="0"/>
+      <dgm:spPr/>
+    </dgm:pt>
+    <dgm:pt modelId="{17A18EF7-2A7C-496B-B4AC-E2FB0956E5EE}" type="pres">
+      <dgm:prSet presAssocID="{6C198646-8659-41D1-B1EA-0FBCC028B9F8}" presName="rootText" presStyleLbl="node2" presStyleIdx="1" presStyleCnt="5">
+        <dgm:presLayoutVars>
+          <dgm:chPref val="3"/>
+        </dgm:presLayoutVars>
+      </dgm:prSet>
+      <dgm:spPr/>
+    </dgm:pt>
+    <dgm:pt modelId="{77FCB9BE-6CB1-400E-AC13-B0AC67DD114D}" type="pres">
+      <dgm:prSet presAssocID="{6C198646-8659-41D1-B1EA-0FBCC028B9F8}" presName="rootConnector" presStyleLbl="node2" presStyleIdx="1" presStyleCnt="5"/>
+      <dgm:spPr/>
+    </dgm:pt>
+    <dgm:pt modelId="{DC228145-0E36-4BA4-9EB6-8CD6317E1261}" type="pres">
+      <dgm:prSet presAssocID="{6C198646-8659-41D1-B1EA-0FBCC028B9F8}" presName="hierChild4" presStyleCnt="0"/>
+      <dgm:spPr/>
+    </dgm:pt>
+    <dgm:pt modelId="{6E5892A5-B930-4A88-ACDB-1DBA5E8D9CE8}" type="pres">
+      <dgm:prSet presAssocID="{6C198646-8659-41D1-B1EA-0FBCC028B9F8}" presName="hierChild5" presStyleCnt="0"/>
+      <dgm:spPr/>
+    </dgm:pt>
+    <dgm:pt modelId="{B761777A-F71B-4204-ADBA-835B30AD2DB0}" type="pres">
+      <dgm:prSet presAssocID="{2C37ADF9-6134-4ACE-A9DA-F20151BEF79F}" presName="Name37" presStyleLbl="parChTrans1D2" presStyleIdx="2" presStyleCnt="5"/>
+      <dgm:spPr/>
+    </dgm:pt>
+    <dgm:pt modelId="{68C89992-BD95-4003-A583-D6A67B93AB24}" type="pres">
+      <dgm:prSet presAssocID="{F4AB8BB8-90B8-4849-A847-D75A1F90E4E1}" presName="hierRoot2" presStyleCnt="0">
+        <dgm:presLayoutVars>
+          <dgm:hierBranch val="init"/>
+        </dgm:presLayoutVars>
+      </dgm:prSet>
+      <dgm:spPr/>
+    </dgm:pt>
+    <dgm:pt modelId="{6125F947-D8DC-42AD-9281-478F4F6335FF}" type="pres">
+      <dgm:prSet presAssocID="{F4AB8BB8-90B8-4849-A847-D75A1F90E4E1}" presName="rootComposite" presStyleCnt="0"/>
+      <dgm:spPr/>
+    </dgm:pt>
+    <dgm:pt modelId="{22E192E9-3FDB-4BEE-9360-3DC1B28476CF}" type="pres">
+      <dgm:prSet presAssocID="{F4AB8BB8-90B8-4849-A847-D75A1F90E4E1}" presName="rootText" presStyleLbl="node2" presStyleIdx="2" presStyleCnt="5">
+        <dgm:presLayoutVars>
+          <dgm:chPref val="3"/>
+        </dgm:presLayoutVars>
+      </dgm:prSet>
+      <dgm:spPr/>
+    </dgm:pt>
+    <dgm:pt modelId="{4FD2891F-F59E-4015-A6AB-DDCCDBF905AD}" type="pres">
+      <dgm:prSet presAssocID="{F4AB8BB8-90B8-4849-A847-D75A1F90E4E1}" presName="rootConnector" presStyleLbl="node2" presStyleIdx="2" presStyleCnt="5"/>
+      <dgm:spPr/>
+    </dgm:pt>
+    <dgm:pt modelId="{8A3B281E-30E6-4708-B8E4-BCD144BBD9C9}" type="pres">
+      <dgm:prSet presAssocID="{F4AB8BB8-90B8-4849-A847-D75A1F90E4E1}" presName="hierChild4" presStyleCnt="0"/>
+      <dgm:spPr/>
+    </dgm:pt>
+    <dgm:pt modelId="{7CC85014-407E-4433-B0F0-06D87F584B84}" type="pres">
+      <dgm:prSet presAssocID="{F4AB8BB8-90B8-4849-A847-D75A1F90E4E1}" presName="hierChild5" presStyleCnt="0"/>
+      <dgm:spPr/>
+    </dgm:pt>
+    <dgm:pt modelId="{84448777-ED28-4875-9224-2B41E125D203}" type="pres">
+      <dgm:prSet presAssocID="{7A2D90F0-20A5-489E-AD0B-89201B25DBB2}" presName="Name37" presStyleLbl="parChTrans1D2" presStyleIdx="3" presStyleCnt="5"/>
+      <dgm:spPr/>
+    </dgm:pt>
+    <dgm:pt modelId="{7C922DC0-53E1-4459-ADDD-846B1D9DFEF2}" type="pres">
+      <dgm:prSet presAssocID="{91CF9DC2-679B-4819-B051-D95F7ABB3282}" presName="hierRoot2" presStyleCnt="0">
+        <dgm:presLayoutVars>
+          <dgm:hierBranch val="init"/>
+        </dgm:presLayoutVars>
+      </dgm:prSet>
+      <dgm:spPr/>
+    </dgm:pt>
+    <dgm:pt modelId="{A7E7BDE7-68B2-4592-B536-2908C56CDBFA}" type="pres">
+      <dgm:prSet presAssocID="{91CF9DC2-679B-4819-B051-D95F7ABB3282}" presName="rootComposite" presStyleCnt="0"/>
+      <dgm:spPr/>
+    </dgm:pt>
+    <dgm:pt modelId="{E438CC6F-9470-4417-B44F-F68DBA4674E4}" type="pres">
+      <dgm:prSet presAssocID="{91CF9DC2-679B-4819-B051-D95F7ABB3282}" presName="rootText" presStyleLbl="node2" presStyleIdx="3" presStyleCnt="5">
+        <dgm:presLayoutVars>
+          <dgm:chPref val="3"/>
+        </dgm:presLayoutVars>
+      </dgm:prSet>
+      <dgm:spPr/>
+    </dgm:pt>
+    <dgm:pt modelId="{6D37800F-B0C5-4CDE-B9AC-029E1974EF0C}" type="pres">
+      <dgm:prSet presAssocID="{91CF9DC2-679B-4819-B051-D95F7ABB3282}" presName="rootConnector" presStyleLbl="node2" presStyleIdx="3" presStyleCnt="5"/>
+      <dgm:spPr/>
+    </dgm:pt>
+    <dgm:pt modelId="{B0B5BE1F-05D8-4A39-B85D-6FAC7B3D8758}" type="pres">
+      <dgm:prSet presAssocID="{91CF9DC2-679B-4819-B051-D95F7ABB3282}" presName="hierChild4" presStyleCnt="0"/>
+      <dgm:spPr/>
+    </dgm:pt>
+    <dgm:pt modelId="{5F0C6183-9E2F-4D95-8794-CD77420876C8}" type="pres">
+      <dgm:prSet presAssocID="{91CF9DC2-679B-4819-B051-D95F7ABB3282}" presName="hierChild5" presStyleCnt="0"/>
+      <dgm:spPr/>
+    </dgm:pt>
+    <dgm:pt modelId="{1981F97C-B2FF-40F3-9ABE-E4C713ADA6FD}" type="pres">
+      <dgm:prSet presAssocID="{92BBD628-E858-40C9-8713-467F28CFFFC3}" presName="Name37" presStyleLbl="parChTrans1D2" presStyleIdx="4" presStyleCnt="5"/>
+      <dgm:spPr/>
+    </dgm:pt>
+    <dgm:pt modelId="{A13F2C49-B437-45DE-8E00-EFCDFCCF20EB}" type="pres">
+      <dgm:prSet presAssocID="{2ADB8FCE-F734-498B-B756-CCE0C6E745E0}" presName="hierRoot2" presStyleCnt="0">
+        <dgm:presLayoutVars>
+          <dgm:hierBranch val="init"/>
+        </dgm:presLayoutVars>
+      </dgm:prSet>
+      <dgm:spPr/>
+    </dgm:pt>
+    <dgm:pt modelId="{F8967F71-8F16-48F2-92E7-7D903F0B98BF}" type="pres">
+      <dgm:prSet presAssocID="{2ADB8FCE-F734-498B-B756-CCE0C6E745E0}" presName="rootComposite" presStyleCnt="0"/>
+      <dgm:spPr/>
+    </dgm:pt>
+    <dgm:pt modelId="{D1CEE3B8-629C-4C8E-BBD0-90F29E6F30A2}" type="pres">
+      <dgm:prSet presAssocID="{2ADB8FCE-F734-498B-B756-CCE0C6E745E0}" presName="rootText" presStyleLbl="node2" presStyleIdx="4" presStyleCnt="5" custScaleX="115724">
+        <dgm:presLayoutVars>
+          <dgm:chPref val="3"/>
+        </dgm:presLayoutVars>
+      </dgm:prSet>
+      <dgm:spPr/>
+      <dgm:t>
+        <a:bodyPr/>
+        <a:lstStyle/>
+        <a:p>
+          <a:endParaRPr lang="zh-CN" altLang="en-US"/>
+        </a:p>
+      </dgm:t>
+    </dgm:pt>
+    <dgm:pt modelId="{F1508622-5C13-40AC-9BDE-41D93A2EEF67}" type="pres">
+      <dgm:prSet presAssocID="{2ADB8FCE-F734-498B-B756-CCE0C6E745E0}" presName="rootConnector" presStyleLbl="node2" presStyleIdx="4" presStyleCnt="5"/>
+      <dgm:spPr/>
+    </dgm:pt>
+    <dgm:pt modelId="{69F58F66-8DBC-4639-9558-3393E6F3460A}" type="pres">
+      <dgm:prSet presAssocID="{2ADB8FCE-F734-498B-B756-CCE0C6E745E0}" presName="hierChild4" presStyleCnt="0"/>
+      <dgm:spPr/>
+    </dgm:pt>
+    <dgm:pt modelId="{622A94EA-91EB-47EC-A7FA-90CEE6CF071A}" type="pres">
+      <dgm:prSet presAssocID="{2ADB8FCE-F734-498B-B756-CCE0C6E745E0}" presName="hierChild5" presStyleCnt="0"/>
+      <dgm:spPr/>
+    </dgm:pt>
+    <dgm:pt modelId="{1662806D-51A5-4A6D-8C41-17458E9D4500}" type="pres">
+      <dgm:prSet presAssocID="{78B2F3C2-3055-4173-9321-AA65E23F86A4}" presName="hierChild3" presStyleCnt="0"/>
+      <dgm:spPr/>
+    </dgm:pt>
+  </dgm:ptLst>
+  <dgm:cxnLst>
+    <dgm:cxn modelId="{03890518-FB90-4C2A-AEA2-C61E1EBF6044}" type="presOf" srcId="{ED4811D5-2561-4DF5-BAB7-B6FFA290EA5D}" destId="{EBADE933-5C70-49CF-B96D-B984E82DAB03}" srcOrd="0" destOrd="0" presId="urn:microsoft.com/office/officeart/2005/8/layout/orgChart1"/>
+    <dgm:cxn modelId="{C124C07A-050B-4643-9C65-441EAC3B0BC0}" type="presOf" srcId="{2ADB8FCE-F734-498B-B756-CCE0C6E745E0}" destId="{F1508622-5C13-40AC-9BDE-41D93A2EEF67}" srcOrd="1" destOrd="0" presId="urn:microsoft.com/office/officeart/2005/8/layout/orgChart1"/>
+    <dgm:cxn modelId="{929DADE3-8002-4F26-B0DA-EA152D6CC0F2}" srcId="{78B2F3C2-3055-4173-9321-AA65E23F86A4}" destId="{2D8500F4-DE6C-47B7-84E2-7A997750491B}" srcOrd="0" destOrd="0" parTransId="{798FFFFA-12D5-4D65-BF4E-D58AEE1C18A0}" sibTransId="{D26C03ED-4DC6-4939-92EE-EFC0D36CCA3A}"/>
+    <dgm:cxn modelId="{3BECE953-1A13-4E91-AFF9-830B201AC4CA}" type="presOf" srcId="{2D8500F4-DE6C-47B7-84E2-7A997750491B}" destId="{897E28A7-31F5-476E-937B-C29FA54FD566}" srcOrd="1" destOrd="0" presId="urn:microsoft.com/office/officeart/2005/8/layout/orgChart1"/>
+    <dgm:cxn modelId="{6447B3BD-5940-469B-8BAC-70582CF5AFEF}" type="presOf" srcId="{91CF9DC2-679B-4819-B051-D95F7ABB3282}" destId="{E438CC6F-9470-4417-B44F-F68DBA4674E4}" srcOrd="0" destOrd="0" presId="urn:microsoft.com/office/officeart/2005/8/layout/orgChart1"/>
+    <dgm:cxn modelId="{2249472A-068A-4077-84E2-012529243040}" type="presOf" srcId="{345ACCA6-CAD6-4F4A-AE10-2AB268DE03D3}" destId="{36F24692-DFB0-4479-A2D0-52DA6F5AC65B}" srcOrd="0" destOrd="0" presId="urn:microsoft.com/office/officeart/2005/8/layout/orgChart1"/>
+    <dgm:cxn modelId="{E9B242FD-4629-45F6-9CE3-E74B6DFE9C50}" type="presOf" srcId="{2D8500F4-DE6C-47B7-84E2-7A997750491B}" destId="{8C39C8BA-AAFE-4A15-B750-DC5A21F68296}" srcOrd="0" destOrd="0" presId="urn:microsoft.com/office/officeart/2005/8/layout/orgChart1"/>
+    <dgm:cxn modelId="{1F51E3EE-1C71-4267-867C-772A98EC27F5}" type="presOf" srcId="{92BBD628-E858-40C9-8713-467F28CFFFC3}" destId="{1981F97C-B2FF-40F3-9ABE-E4C713ADA6FD}" srcOrd="0" destOrd="0" presId="urn:microsoft.com/office/officeart/2005/8/layout/orgChart1"/>
+    <dgm:cxn modelId="{2E66493C-81F0-4A2B-BE06-964479740DFB}" type="presOf" srcId="{2C37ADF9-6134-4ACE-A9DA-F20151BEF79F}" destId="{B761777A-F71B-4204-ADBA-835B30AD2DB0}" srcOrd="0" destOrd="0" presId="urn:microsoft.com/office/officeart/2005/8/layout/orgChart1"/>
+    <dgm:cxn modelId="{D4CDAA0F-FDC2-4877-A957-AAD85E6C7EDF}" type="presOf" srcId="{6C198646-8659-41D1-B1EA-0FBCC028B9F8}" destId="{17A18EF7-2A7C-496B-B4AC-E2FB0956E5EE}" srcOrd="0" destOrd="0" presId="urn:microsoft.com/office/officeart/2005/8/layout/orgChart1"/>
+    <dgm:cxn modelId="{ECD358DE-5EF0-435A-AA07-0A0FCE6CD202}" type="presOf" srcId="{6C198646-8659-41D1-B1EA-0FBCC028B9F8}" destId="{77FCB9BE-6CB1-400E-AC13-B0AC67DD114D}" srcOrd="1" destOrd="0" presId="urn:microsoft.com/office/officeart/2005/8/layout/orgChart1"/>
+    <dgm:cxn modelId="{1110EEA2-C579-4BA2-9321-F883BF9B0430}" type="presOf" srcId="{2ADB8FCE-F734-498B-B756-CCE0C6E745E0}" destId="{D1CEE3B8-629C-4C8E-BBD0-90F29E6F30A2}" srcOrd="0" destOrd="0" presId="urn:microsoft.com/office/officeart/2005/8/layout/orgChart1"/>
+    <dgm:cxn modelId="{D2B1FD99-CC63-4109-9214-56E14F836F82}" srcId="{78B2F3C2-3055-4173-9321-AA65E23F86A4}" destId="{6C198646-8659-41D1-B1EA-0FBCC028B9F8}" srcOrd="1" destOrd="0" parTransId="{345ACCA6-CAD6-4F4A-AE10-2AB268DE03D3}" sibTransId="{6D66A6B1-FE62-48BC-8C96-1B8CE06E7A60}"/>
+    <dgm:cxn modelId="{E98F0378-530E-432F-9770-69A9302C0D38}" srcId="{78B2F3C2-3055-4173-9321-AA65E23F86A4}" destId="{91CF9DC2-679B-4819-B051-D95F7ABB3282}" srcOrd="3" destOrd="0" parTransId="{7A2D90F0-20A5-489E-AD0B-89201B25DBB2}" sibTransId="{8FE8AC2E-9648-405B-ABA3-374E68C80D08}"/>
+    <dgm:cxn modelId="{B7E72432-7BD5-4832-8F01-4711B612AD27}" srcId="{78B2F3C2-3055-4173-9321-AA65E23F86A4}" destId="{2ADB8FCE-F734-498B-B756-CCE0C6E745E0}" srcOrd="4" destOrd="0" parTransId="{92BBD628-E858-40C9-8713-467F28CFFFC3}" sibTransId="{CF55B441-CD65-4AAB-8152-BC371C04B300}"/>
+    <dgm:cxn modelId="{FF1D0CB2-11AE-49E1-BFB8-77FC52F7E483}" type="presOf" srcId="{F4AB8BB8-90B8-4849-A847-D75A1F90E4E1}" destId="{22E192E9-3FDB-4BEE-9360-3DC1B28476CF}" srcOrd="0" destOrd="0" presId="urn:microsoft.com/office/officeart/2005/8/layout/orgChart1"/>
+    <dgm:cxn modelId="{2BAF7486-CABE-402C-B03E-DDB195061C53}" srcId="{78B2F3C2-3055-4173-9321-AA65E23F86A4}" destId="{F4AB8BB8-90B8-4849-A847-D75A1F90E4E1}" srcOrd="2" destOrd="0" parTransId="{2C37ADF9-6134-4ACE-A9DA-F20151BEF79F}" sibTransId="{21AC09FA-D735-4CE5-A79E-779244E9D4DD}"/>
+    <dgm:cxn modelId="{AEDED4A4-79E1-48B3-BB3B-78524580B6F6}" type="presOf" srcId="{78B2F3C2-3055-4173-9321-AA65E23F86A4}" destId="{442B6F99-B5DF-4DDA-8891-95C6CBB5EE4A}" srcOrd="0" destOrd="0" presId="urn:microsoft.com/office/officeart/2005/8/layout/orgChart1"/>
+    <dgm:cxn modelId="{04D147B8-23FE-414E-8FA4-AE890763B85F}" srcId="{ED4811D5-2561-4DF5-BAB7-B6FFA290EA5D}" destId="{78B2F3C2-3055-4173-9321-AA65E23F86A4}" srcOrd="0" destOrd="0" parTransId="{60EA8F2C-3B7A-456C-9BD6-A5C5C19F7BB5}" sibTransId="{D69A77CA-AA79-45BD-93D5-3535EA53BF93}"/>
+    <dgm:cxn modelId="{2D3A15D0-D30E-4A41-A5AE-CB00B8F487B7}" type="presOf" srcId="{91CF9DC2-679B-4819-B051-D95F7ABB3282}" destId="{6D37800F-B0C5-4CDE-B9AC-029E1974EF0C}" srcOrd="1" destOrd="0" presId="urn:microsoft.com/office/officeart/2005/8/layout/orgChart1"/>
+    <dgm:cxn modelId="{F0A15824-F8C1-47EA-A2C6-AD599126C26B}" type="presOf" srcId="{F4AB8BB8-90B8-4849-A847-D75A1F90E4E1}" destId="{4FD2891F-F59E-4015-A6AB-DDCCDBF905AD}" srcOrd="1" destOrd="0" presId="urn:microsoft.com/office/officeart/2005/8/layout/orgChart1"/>
+    <dgm:cxn modelId="{3285CF0C-8CEC-48FF-A888-8B8FD91F553A}" type="presOf" srcId="{798FFFFA-12D5-4D65-BF4E-D58AEE1C18A0}" destId="{A6D172A6-AF17-4F6C-9729-F0D79987C551}" srcOrd="0" destOrd="0" presId="urn:microsoft.com/office/officeart/2005/8/layout/orgChart1"/>
+    <dgm:cxn modelId="{A4A2B2E1-DFC2-48C0-ABF2-EED4F63A36BE}" type="presOf" srcId="{7A2D90F0-20A5-489E-AD0B-89201B25DBB2}" destId="{84448777-ED28-4875-9224-2B41E125D203}" srcOrd="0" destOrd="0" presId="urn:microsoft.com/office/officeart/2005/8/layout/orgChart1"/>
+    <dgm:cxn modelId="{997B4FF0-3D6E-4029-A6B0-41A5E559D186}" type="presOf" srcId="{78B2F3C2-3055-4173-9321-AA65E23F86A4}" destId="{36DE47A3-54DA-4183-A0E4-916913C7D908}" srcOrd="1" destOrd="0" presId="urn:microsoft.com/office/officeart/2005/8/layout/orgChart1"/>
+    <dgm:cxn modelId="{40948DD7-07C6-47F0-B15D-9F3E6982FB3C}" type="presParOf" srcId="{EBADE933-5C70-49CF-B96D-B984E82DAB03}" destId="{AB6B188B-2477-47EC-BC8E-F324DAE8642E}" srcOrd="0" destOrd="0" presId="urn:microsoft.com/office/officeart/2005/8/layout/orgChart1"/>
+    <dgm:cxn modelId="{0400C10E-7BF0-4392-93F6-43A44D643AAB}" type="presParOf" srcId="{AB6B188B-2477-47EC-BC8E-F324DAE8642E}" destId="{7454B2BA-A0BC-40F7-A503-7CDC59043C1B}" srcOrd="0" destOrd="0" presId="urn:microsoft.com/office/officeart/2005/8/layout/orgChart1"/>
+    <dgm:cxn modelId="{2A440BA3-F30D-40D8-AA7C-DB5796A9F8A5}" type="presParOf" srcId="{7454B2BA-A0BC-40F7-A503-7CDC59043C1B}" destId="{442B6F99-B5DF-4DDA-8891-95C6CBB5EE4A}" srcOrd="0" destOrd="0" presId="urn:microsoft.com/office/officeart/2005/8/layout/orgChart1"/>
+    <dgm:cxn modelId="{25008201-D4B5-478F-8B8B-E768A0EB974E}" type="presParOf" srcId="{7454B2BA-A0BC-40F7-A503-7CDC59043C1B}" destId="{36DE47A3-54DA-4183-A0E4-916913C7D908}" srcOrd="1" destOrd="0" presId="urn:microsoft.com/office/officeart/2005/8/layout/orgChart1"/>
+    <dgm:cxn modelId="{5715356C-1F88-4547-9AC7-29CBB93E5966}" type="presParOf" srcId="{AB6B188B-2477-47EC-BC8E-F324DAE8642E}" destId="{E65FAF13-EAE5-40BE-BEFA-715CCC345489}" srcOrd="1" destOrd="0" presId="urn:microsoft.com/office/officeart/2005/8/layout/orgChart1"/>
+    <dgm:cxn modelId="{91C99D7A-514C-47F2-9D21-029774D9C21D}" type="presParOf" srcId="{E65FAF13-EAE5-40BE-BEFA-715CCC345489}" destId="{A6D172A6-AF17-4F6C-9729-F0D79987C551}" srcOrd="0" destOrd="0" presId="urn:microsoft.com/office/officeart/2005/8/layout/orgChart1"/>
+    <dgm:cxn modelId="{6FAC742C-6926-48FD-86DA-E6A39560990B}" type="presParOf" srcId="{E65FAF13-EAE5-40BE-BEFA-715CCC345489}" destId="{6C7D6135-EE83-4FA0-9816-F484CCA467B4}" srcOrd="1" destOrd="0" presId="urn:microsoft.com/office/officeart/2005/8/layout/orgChart1"/>
+    <dgm:cxn modelId="{E878BB05-AF1A-4D29-8821-378738A0AE24}" type="presParOf" srcId="{6C7D6135-EE83-4FA0-9816-F484CCA467B4}" destId="{3FAF6AF9-D747-44A1-A078-7BB030236AF9}" srcOrd="0" destOrd="0" presId="urn:microsoft.com/office/officeart/2005/8/layout/orgChart1"/>
+    <dgm:cxn modelId="{7389F359-8E95-4B3D-9020-395169448F58}" type="presParOf" srcId="{3FAF6AF9-D747-44A1-A078-7BB030236AF9}" destId="{8C39C8BA-AAFE-4A15-B750-DC5A21F68296}" srcOrd="0" destOrd="0" presId="urn:microsoft.com/office/officeart/2005/8/layout/orgChart1"/>
+    <dgm:cxn modelId="{D737781F-1EFF-4A15-8646-4AC9606CDC48}" type="presParOf" srcId="{3FAF6AF9-D747-44A1-A078-7BB030236AF9}" destId="{897E28A7-31F5-476E-937B-C29FA54FD566}" srcOrd="1" destOrd="0" presId="urn:microsoft.com/office/officeart/2005/8/layout/orgChart1"/>
+    <dgm:cxn modelId="{DE5A5486-47A4-43EE-95E4-6C2627BB61BB}" type="presParOf" srcId="{6C7D6135-EE83-4FA0-9816-F484CCA467B4}" destId="{60E0ECC6-C82D-4DA7-8D10-C2DF20A37987}" srcOrd="1" destOrd="0" presId="urn:microsoft.com/office/officeart/2005/8/layout/orgChart1"/>
+    <dgm:cxn modelId="{DE149B48-2CAA-4B63-897A-3A490DCCB717}" type="presParOf" srcId="{6C7D6135-EE83-4FA0-9816-F484CCA467B4}" destId="{79BCC257-B257-4242-B9A3-6EB32FFB5954}" srcOrd="2" destOrd="0" presId="urn:microsoft.com/office/officeart/2005/8/layout/orgChart1"/>
+    <dgm:cxn modelId="{20B1079D-C065-4FEF-A690-29FF412A3432}" type="presParOf" srcId="{E65FAF13-EAE5-40BE-BEFA-715CCC345489}" destId="{36F24692-DFB0-4479-A2D0-52DA6F5AC65B}" srcOrd="2" destOrd="0" presId="urn:microsoft.com/office/officeart/2005/8/layout/orgChart1"/>
+    <dgm:cxn modelId="{5CAA7C10-7B7B-488F-9292-3E1946DCDDA7}" type="presParOf" srcId="{E65FAF13-EAE5-40BE-BEFA-715CCC345489}" destId="{2BBE39FD-59DF-4E7C-8E59-A180CF7B1872}" srcOrd="3" destOrd="0" presId="urn:microsoft.com/office/officeart/2005/8/layout/orgChart1"/>
+    <dgm:cxn modelId="{F04D0113-BABB-413E-A3F3-2960D16383F1}" type="presParOf" srcId="{2BBE39FD-59DF-4E7C-8E59-A180CF7B1872}" destId="{EC79DF8D-7177-493D-A266-7B4BEA6B6F07}" srcOrd="0" destOrd="0" presId="urn:microsoft.com/office/officeart/2005/8/layout/orgChart1"/>
+    <dgm:cxn modelId="{DCF775A6-782E-41FB-A2C4-54FFA29E9760}" type="presParOf" srcId="{EC79DF8D-7177-493D-A266-7B4BEA6B6F07}" destId="{17A18EF7-2A7C-496B-B4AC-E2FB0956E5EE}" srcOrd="0" destOrd="0" presId="urn:microsoft.com/office/officeart/2005/8/layout/orgChart1"/>
+    <dgm:cxn modelId="{38DE0F98-A22E-4678-9F3E-C8F7E21CBBB1}" type="presParOf" srcId="{EC79DF8D-7177-493D-A266-7B4BEA6B6F07}" destId="{77FCB9BE-6CB1-400E-AC13-B0AC67DD114D}" srcOrd="1" destOrd="0" presId="urn:microsoft.com/office/officeart/2005/8/layout/orgChart1"/>
+    <dgm:cxn modelId="{36480480-3BB6-4E6D-83B6-2641393A4546}" type="presParOf" srcId="{2BBE39FD-59DF-4E7C-8E59-A180CF7B1872}" destId="{DC228145-0E36-4BA4-9EB6-8CD6317E1261}" srcOrd="1" destOrd="0" presId="urn:microsoft.com/office/officeart/2005/8/layout/orgChart1"/>
+    <dgm:cxn modelId="{4209764E-8E48-4521-A4EB-6D3CA822C5B3}" type="presParOf" srcId="{2BBE39FD-59DF-4E7C-8E59-A180CF7B1872}" destId="{6E5892A5-B930-4A88-ACDB-1DBA5E8D9CE8}" srcOrd="2" destOrd="0" presId="urn:microsoft.com/office/officeart/2005/8/layout/orgChart1"/>
+    <dgm:cxn modelId="{60039269-9537-4016-8A9D-9E01030C4131}" type="presParOf" srcId="{E65FAF13-EAE5-40BE-BEFA-715CCC345489}" destId="{B761777A-F71B-4204-ADBA-835B30AD2DB0}" srcOrd="4" destOrd="0" presId="urn:microsoft.com/office/officeart/2005/8/layout/orgChart1"/>
+    <dgm:cxn modelId="{A780BAC2-B8E5-4CEE-B747-E91B2F42F537}" type="presParOf" srcId="{E65FAF13-EAE5-40BE-BEFA-715CCC345489}" destId="{68C89992-BD95-4003-A583-D6A67B93AB24}" srcOrd="5" destOrd="0" presId="urn:microsoft.com/office/officeart/2005/8/layout/orgChart1"/>
+    <dgm:cxn modelId="{383FA289-6DC9-4E1E-A378-E1FFC0192B96}" type="presParOf" srcId="{68C89992-BD95-4003-A583-D6A67B93AB24}" destId="{6125F947-D8DC-42AD-9281-478F4F6335FF}" srcOrd="0" destOrd="0" presId="urn:microsoft.com/office/officeart/2005/8/layout/orgChart1"/>
+    <dgm:cxn modelId="{1F7797B6-1965-47E1-A9FE-13E6D9389208}" type="presParOf" srcId="{6125F947-D8DC-42AD-9281-478F4F6335FF}" destId="{22E192E9-3FDB-4BEE-9360-3DC1B28476CF}" srcOrd="0" destOrd="0" presId="urn:microsoft.com/office/officeart/2005/8/layout/orgChart1"/>
+    <dgm:cxn modelId="{C4AF80A2-60B6-4B9D-A05A-56EB16EEE1B7}" type="presParOf" srcId="{6125F947-D8DC-42AD-9281-478F4F6335FF}" destId="{4FD2891F-F59E-4015-A6AB-DDCCDBF905AD}" srcOrd="1" destOrd="0" presId="urn:microsoft.com/office/officeart/2005/8/layout/orgChart1"/>
+    <dgm:cxn modelId="{954FFF2A-4166-4C77-BA21-4E652E90087F}" type="presParOf" srcId="{68C89992-BD95-4003-A583-D6A67B93AB24}" destId="{8A3B281E-30E6-4708-B8E4-BCD144BBD9C9}" srcOrd="1" destOrd="0" presId="urn:microsoft.com/office/officeart/2005/8/layout/orgChart1"/>
+    <dgm:cxn modelId="{3447C1A0-BC2C-41ED-8D38-B683C830FA6C}" type="presParOf" srcId="{68C89992-BD95-4003-A583-D6A67B93AB24}" destId="{7CC85014-407E-4433-B0F0-06D87F584B84}" srcOrd="2" destOrd="0" presId="urn:microsoft.com/office/officeart/2005/8/layout/orgChart1"/>
+    <dgm:cxn modelId="{72A3B5FE-35CD-47B4-A3E0-2C649673EF12}" type="presParOf" srcId="{E65FAF13-EAE5-40BE-BEFA-715CCC345489}" destId="{84448777-ED28-4875-9224-2B41E125D203}" srcOrd="6" destOrd="0" presId="urn:microsoft.com/office/officeart/2005/8/layout/orgChart1"/>
+    <dgm:cxn modelId="{8BC6AFE4-9D87-49EF-B586-6A7100B271AF}" type="presParOf" srcId="{E65FAF13-EAE5-40BE-BEFA-715CCC345489}" destId="{7C922DC0-53E1-4459-ADDD-846B1D9DFEF2}" srcOrd="7" destOrd="0" presId="urn:microsoft.com/office/officeart/2005/8/layout/orgChart1"/>
+    <dgm:cxn modelId="{38C7E55F-6B1D-4ACB-94DE-66055698CC52}" type="presParOf" srcId="{7C922DC0-53E1-4459-ADDD-846B1D9DFEF2}" destId="{A7E7BDE7-68B2-4592-B536-2908C56CDBFA}" srcOrd="0" destOrd="0" presId="urn:microsoft.com/office/officeart/2005/8/layout/orgChart1"/>
+    <dgm:cxn modelId="{7FFC7A73-DFB1-4E29-95B5-06A49221321D}" type="presParOf" srcId="{A7E7BDE7-68B2-4592-B536-2908C56CDBFA}" destId="{E438CC6F-9470-4417-B44F-F68DBA4674E4}" srcOrd="0" destOrd="0" presId="urn:microsoft.com/office/officeart/2005/8/layout/orgChart1"/>
+    <dgm:cxn modelId="{DFC38AC8-2DE0-40D5-AEA8-6D14E141FB1F}" type="presParOf" srcId="{A7E7BDE7-68B2-4592-B536-2908C56CDBFA}" destId="{6D37800F-B0C5-4CDE-B9AC-029E1974EF0C}" srcOrd="1" destOrd="0" presId="urn:microsoft.com/office/officeart/2005/8/layout/orgChart1"/>
+    <dgm:cxn modelId="{B04A6F2C-1E7E-486C-85E6-FD5F60205859}" type="presParOf" srcId="{7C922DC0-53E1-4459-ADDD-846B1D9DFEF2}" destId="{B0B5BE1F-05D8-4A39-B85D-6FAC7B3D8758}" srcOrd="1" destOrd="0" presId="urn:microsoft.com/office/officeart/2005/8/layout/orgChart1"/>
+    <dgm:cxn modelId="{0A545521-5E02-4E10-A22A-FB9D4E63BDAA}" type="presParOf" srcId="{7C922DC0-53E1-4459-ADDD-846B1D9DFEF2}" destId="{5F0C6183-9E2F-4D95-8794-CD77420876C8}" srcOrd="2" destOrd="0" presId="urn:microsoft.com/office/officeart/2005/8/layout/orgChart1"/>
+    <dgm:cxn modelId="{105BDF50-7516-4DBF-B689-7E7394EAFEF9}" type="presParOf" srcId="{E65FAF13-EAE5-40BE-BEFA-715CCC345489}" destId="{1981F97C-B2FF-40F3-9ABE-E4C713ADA6FD}" srcOrd="8" destOrd="0" presId="urn:microsoft.com/office/officeart/2005/8/layout/orgChart1"/>
+    <dgm:cxn modelId="{B5A4B764-31A0-40DE-B0E4-49E5F8E6D260}" type="presParOf" srcId="{E65FAF13-EAE5-40BE-BEFA-715CCC345489}" destId="{A13F2C49-B437-45DE-8E00-EFCDFCCF20EB}" srcOrd="9" destOrd="0" presId="urn:microsoft.com/office/officeart/2005/8/layout/orgChart1"/>
+    <dgm:cxn modelId="{8B555BFF-BEF3-4AB9-AAE1-3746170E0F54}" type="presParOf" srcId="{A13F2C49-B437-45DE-8E00-EFCDFCCF20EB}" destId="{F8967F71-8F16-48F2-92E7-7D903F0B98BF}" srcOrd="0" destOrd="0" presId="urn:microsoft.com/office/officeart/2005/8/layout/orgChart1"/>
+    <dgm:cxn modelId="{041CFC11-3254-4C06-BDBE-5089E349F4C3}" type="presParOf" srcId="{F8967F71-8F16-48F2-92E7-7D903F0B98BF}" destId="{D1CEE3B8-629C-4C8E-BBD0-90F29E6F30A2}" srcOrd="0" destOrd="0" presId="urn:microsoft.com/office/officeart/2005/8/layout/orgChart1"/>
+    <dgm:cxn modelId="{44D5278E-677C-46F0-B169-D7B22A32776E}" type="presParOf" srcId="{F8967F71-8F16-48F2-92E7-7D903F0B98BF}" destId="{F1508622-5C13-40AC-9BDE-41D93A2EEF67}" srcOrd="1" destOrd="0" presId="urn:microsoft.com/office/officeart/2005/8/layout/orgChart1"/>
+    <dgm:cxn modelId="{ACCE83AE-2288-4538-8B8A-3D2471BC7DDB}" type="presParOf" srcId="{A13F2C49-B437-45DE-8E00-EFCDFCCF20EB}" destId="{69F58F66-8DBC-4639-9558-3393E6F3460A}" srcOrd="1" destOrd="0" presId="urn:microsoft.com/office/officeart/2005/8/layout/orgChart1"/>
+    <dgm:cxn modelId="{623D89EA-4A1E-460B-86EF-A108DABB5E87}" type="presParOf" srcId="{A13F2C49-B437-45DE-8E00-EFCDFCCF20EB}" destId="{622A94EA-91EB-47EC-A7FA-90CEE6CF071A}" srcOrd="2" destOrd="0" presId="urn:microsoft.com/office/officeart/2005/8/layout/orgChart1"/>
+    <dgm:cxn modelId="{028C7584-DCF5-429A-8A43-9D89E0AB917E}" type="presParOf" srcId="{AB6B188B-2477-47EC-BC8E-F324DAE8642E}" destId="{1662806D-51A5-4A6D-8C41-17458E9D4500}" srcOrd="2" destOrd="0" presId="urn:microsoft.com/office/officeart/2005/8/layout/orgChart1"/>
   </dgm:cxnLst>
   <dgm:bg/>
   <dgm:whole/>
@@ -1428,12 +2745,12 @@
         <a:fontRef idx="minor"/>
       </dsp:style>
       <dsp:txBody>
-        <a:bodyPr spcFirstLastPara="0" vert="horz" wrap="square" lIns="199136" tIns="17780" rIns="17780" bIns="17780" numCol="1" spcCol="1270" anchor="ctr" anchorCtr="0">
+        <a:bodyPr spcFirstLastPara="0" vert="horz" wrap="square" lIns="213360" tIns="19050" rIns="19050" bIns="19050" numCol="1" spcCol="1270" anchor="ctr" anchorCtr="0">
           <a:noAutofit/>
         </a:bodyPr>
         <a:lstStyle/>
         <a:p>
-          <a:pPr marL="285750" lvl="1" indent="-285750" algn="l" defTabSz="1244600">
+          <a:pPr marL="285750" lvl="1" indent="-285750" algn="l" defTabSz="1333500">
             <a:lnSpc>
               <a:spcPct val="90000"/>
             </a:lnSpc>
@@ -1446,17 +2763,17 @@
             <a:buChar char="••"/>
           </a:pPr>
           <a:r>
-            <a:rPr lang="en-US" altLang="zh-CN" sz="2800" kern="1200" dirty="0" smtClean="0"/>
-            <a:t>Enter Vendor for get </a:t>
+            <a:rPr lang="en-US" altLang="zh-CN" sz="3000" kern="1200" dirty="0" smtClean="0"/>
+            <a:t>Get data </a:t>
           </a:r>
           <a:r>
-            <a:rPr lang="en-US" altLang="zh-CN" sz="2800" kern="1200" dirty="0" smtClean="0"/>
-            <a:t>data from MFG/Pro</a:t>
+            <a:rPr lang="en-US" altLang="zh-CN" sz="3000" kern="1200" dirty="0" smtClean="0"/>
+            <a:t>from MFG/Pro</a:t>
           </a:r>
-          <a:endParaRPr lang="zh-CN" altLang="en-US" sz="2800" kern="1200" dirty="0"/>
+          <a:endParaRPr lang="zh-CN" altLang="en-US" sz="3000" kern="1200" dirty="0"/>
         </a:p>
         <a:p>
-          <a:pPr marL="285750" lvl="1" indent="-285750" algn="l" defTabSz="1244600">
+          <a:pPr marL="285750" lvl="1" indent="-285750" algn="l" defTabSz="1333500">
             <a:lnSpc>
               <a:spcPct val="90000"/>
             </a:lnSpc>
@@ -1469,14 +2786,14 @@
             <a:buChar char="••"/>
           </a:pPr>
           <a:r>
-            <a:rPr lang="en-US" altLang="zh-CN" sz="2800" kern="1200" dirty="0" smtClean="0"/>
-            <a:t>Enter PI No for get</a:t>
+            <a:rPr lang="en-US" altLang="zh-CN" sz="3000" kern="1200" dirty="0" smtClean="0"/>
+            <a:t>Get data </a:t>
           </a:r>
           <a:r>
-            <a:rPr lang="en-US" altLang="zh-CN" sz="2800" kern="1200" dirty="0" smtClean="0"/>
-            <a:t> Data from pi system[HK]</a:t>
+            <a:rPr lang="en-US" altLang="zh-CN" sz="3000" kern="1200" dirty="0" smtClean="0"/>
+            <a:t>from pi system[HK]</a:t>
           </a:r>
-          <a:endParaRPr lang="zh-CN" altLang="en-US" sz="2800" kern="1200" dirty="0"/>
+          <a:endParaRPr lang="zh-CN" altLang="en-US" sz="3000" kern="1200" dirty="0"/>
         </a:p>
       </dsp:txBody>
       <dsp:txXfrm rot="5400000">
@@ -1609,12 +2926,12 @@
         <a:fontRef idx="minor"/>
       </dsp:style>
       <dsp:txBody>
-        <a:bodyPr spcFirstLastPara="0" vert="horz" wrap="square" lIns="199136" tIns="17780" rIns="17780" bIns="17780" numCol="1" spcCol="1270" anchor="ctr" anchorCtr="0">
+        <a:bodyPr spcFirstLastPara="0" vert="horz" wrap="square" lIns="213360" tIns="19050" rIns="19050" bIns="19050" numCol="1" spcCol="1270" anchor="ctr" anchorCtr="0">
           <a:noAutofit/>
         </a:bodyPr>
         <a:lstStyle/>
         <a:p>
-          <a:pPr marL="285750" lvl="1" indent="-285750" algn="l" defTabSz="1244600">
+          <a:pPr marL="285750" lvl="1" indent="-285750" algn="l" defTabSz="1333500">
             <a:lnSpc>
               <a:spcPct val="90000"/>
             </a:lnSpc>
@@ -1627,10 +2944,10 @@
             <a:buChar char="••"/>
           </a:pPr>
           <a:r>
-            <a:rPr lang="en-US" altLang="zh-CN" sz="2800" kern="1200" dirty="0" smtClean="0"/>
+            <a:rPr lang="en-US" altLang="zh-CN" sz="3000" kern="1200" dirty="0" smtClean="0"/>
             <a:t>Scan Barcode</a:t>
           </a:r>
-          <a:endParaRPr lang="zh-CN" altLang="en-US" sz="2800" kern="1200" dirty="0"/>
+          <a:endParaRPr lang="zh-CN" altLang="en-US" sz="3000" kern="1200" dirty="0"/>
         </a:p>
       </dsp:txBody>
       <dsp:txXfrm rot="5400000">
@@ -1763,12 +3080,12 @@
         <a:fontRef idx="minor"/>
       </dsp:style>
       <dsp:txBody>
-        <a:bodyPr spcFirstLastPara="0" vert="horz" wrap="square" lIns="199136" tIns="17780" rIns="17780" bIns="17780" numCol="1" spcCol="1270" anchor="ctr" anchorCtr="0">
+        <a:bodyPr spcFirstLastPara="0" vert="horz" wrap="square" lIns="213360" tIns="19050" rIns="19050" bIns="19050" numCol="1" spcCol="1270" anchor="ctr" anchorCtr="0">
           <a:noAutofit/>
         </a:bodyPr>
         <a:lstStyle/>
         <a:p>
-          <a:pPr marL="285750" lvl="1" indent="-285750" algn="l" defTabSz="1244600">
+          <a:pPr marL="285750" lvl="1" indent="-285750" algn="l" defTabSz="1333500">
             <a:lnSpc>
               <a:spcPct val="90000"/>
             </a:lnSpc>
@@ -1781,15 +3098,794 @@
             <a:buChar char="••"/>
           </a:pPr>
           <a:r>
-            <a:rPr lang="en-US" altLang="zh-CN" sz="2800" kern="1200" dirty="0" smtClean="0"/>
+            <a:rPr lang="en-US" altLang="zh-CN" sz="3000" kern="1200" dirty="0" smtClean="0"/>
             <a:t>Print Label</a:t>
           </a:r>
-          <a:endParaRPr lang="zh-CN" altLang="en-US" sz="2800" kern="1200" dirty="0"/>
+          <a:endParaRPr lang="zh-CN" altLang="en-US" sz="3000" kern="1200" dirty="0"/>
         </a:p>
       </dsp:txBody>
       <dsp:txXfrm rot="5400000">
         <a:off x="3970795" y="63449"/>
         <a:ext cx="1064418" cy="6713415"/>
+      </dsp:txXfrm>
+    </dsp:sp>
+  </dsp:spTree>
+</dsp:drawing>
+</file>
+
+<file path=ppt/diagrams/drawing2.xml><?xml version="1.0" encoding="utf-8"?>
+<dsp:drawing xmlns:dgm="http://schemas.openxmlformats.org/drawingml/2006/diagram" xmlns:a="http://schemas.openxmlformats.org/drawingml/2006/main" xmlns:dsp="http://schemas.microsoft.com/office/drawing/2008/diagram">
+  <dsp:spTree>
+    <dsp:nvGrpSpPr>
+      <dsp:cNvPr id="0" name=""/>
+      <dsp:cNvGrpSpPr/>
+    </dsp:nvGrpSpPr>
+    <dsp:grpSpPr/>
+    <dsp:sp modelId="{1981F97C-B2FF-40F3-9ABE-E4C713ADA6FD}">
+      <dsp:nvSpPr>
+        <dsp:cNvPr id="0" name=""/>
+        <dsp:cNvSpPr/>
+      </dsp:nvSpPr>
+      <dsp:spPr>
+        <a:xfrm>
+          <a:off x="4482244" y="1715367"/>
+          <a:ext cx="3614794" cy="313680"/>
+        </a:xfrm>
+        <a:custGeom>
+          <a:avLst/>
+          <a:gdLst/>
+          <a:ahLst/>
+          <a:cxnLst/>
+          <a:rect l="0" t="0" r="0" b="0"/>
+          <a:pathLst>
+            <a:path>
+              <a:moveTo>
+                <a:pt x="0" y="0"/>
+              </a:moveTo>
+              <a:lnTo>
+                <a:pt x="0" y="156840"/>
+              </a:lnTo>
+              <a:lnTo>
+                <a:pt x="3614794" y="156840"/>
+              </a:lnTo>
+              <a:lnTo>
+                <a:pt x="3614794" y="313680"/>
+              </a:lnTo>
+            </a:path>
+          </a:pathLst>
+        </a:custGeom>
+        <a:noFill/>
+        <a:ln w="25400" cap="flat" cmpd="sng" algn="ctr">
+          <a:solidFill>
+            <a:schemeClr val="accent1">
+              <a:shade val="60000"/>
+              <a:hueOff val="0"/>
+              <a:satOff val="0"/>
+              <a:lumOff val="0"/>
+              <a:alphaOff val="0"/>
+            </a:schemeClr>
+          </a:solidFill>
+          <a:prstDash val="solid"/>
+        </a:ln>
+        <a:effectLst/>
+      </dsp:spPr>
+      <dsp:style>
+        <a:lnRef idx="2">
+          <a:scrgbClr r="0" g="0" b="0"/>
+        </a:lnRef>
+        <a:fillRef idx="0">
+          <a:scrgbClr r="0" g="0" b="0"/>
+        </a:fillRef>
+        <a:effectRef idx="0">
+          <a:scrgbClr r="0" g="0" b="0"/>
+        </a:effectRef>
+        <a:fontRef idx="minor"/>
+      </dsp:style>
+    </dsp:sp>
+    <dsp:sp modelId="{84448777-ED28-4875-9224-2B41E125D203}">
+      <dsp:nvSpPr>
+        <dsp:cNvPr id="0" name=""/>
+        <dsp:cNvSpPr/>
+      </dsp:nvSpPr>
+      <dsp:spPr>
+        <a:xfrm>
+          <a:off x="4482244" y="1715367"/>
+          <a:ext cx="1689961" cy="313680"/>
+        </a:xfrm>
+        <a:custGeom>
+          <a:avLst/>
+          <a:gdLst/>
+          <a:ahLst/>
+          <a:cxnLst/>
+          <a:rect l="0" t="0" r="0" b="0"/>
+          <a:pathLst>
+            <a:path>
+              <a:moveTo>
+                <a:pt x="0" y="0"/>
+              </a:moveTo>
+              <a:lnTo>
+                <a:pt x="0" y="156840"/>
+              </a:lnTo>
+              <a:lnTo>
+                <a:pt x="1689961" y="156840"/>
+              </a:lnTo>
+              <a:lnTo>
+                <a:pt x="1689961" y="313680"/>
+              </a:lnTo>
+            </a:path>
+          </a:pathLst>
+        </a:custGeom>
+        <a:noFill/>
+        <a:ln w="25400" cap="flat" cmpd="sng" algn="ctr">
+          <a:solidFill>
+            <a:schemeClr val="accent1">
+              <a:shade val="60000"/>
+              <a:hueOff val="0"/>
+              <a:satOff val="0"/>
+              <a:lumOff val="0"/>
+              <a:alphaOff val="0"/>
+            </a:schemeClr>
+          </a:solidFill>
+          <a:prstDash val="solid"/>
+        </a:ln>
+        <a:effectLst/>
+      </dsp:spPr>
+      <dsp:style>
+        <a:lnRef idx="2">
+          <a:scrgbClr r="0" g="0" b="0"/>
+        </a:lnRef>
+        <a:fillRef idx="0">
+          <a:scrgbClr r="0" g="0" b="0"/>
+        </a:fillRef>
+        <a:effectRef idx="0">
+          <a:scrgbClr r="0" g="0" b="0"/>
+        </a:effectRef>
+        <a:fontRef idx="minor"/>
+      </dsp:style>
+    </dsp:sp>
+    <dsp:sp modelId="{B761777A-F71B-4204-ADBA-835B30AD2DB0}">
+      <dsp:nvSpPr>
+        <dsp:cNvPr id="0" name=""/>
+        <dsp:cNvSpPr/>
+      </dsp:nvSpPr>
+      <dsp:spPr>
+        <a:xfrm>
+          <a:off x="4364808" y="1715367"/>
+          <a:ext cx="117435" cy="313680"/>
+        </a:xfrm>
+        <a:custGeom>
+          <a:avLst/>
+          <a:gdLst/>
+          <a:ahLst/>
+          <a:cxnLst/>
+          <a:rect l="0" t="0" r="0" b="0"/>
+          <a:pathLst>
+            <a:path>
+              <a:moveTo>
+                <a:pt x="117435" y="0"/>
+              </a:moveTo>
+              <a:lnTo>
+                <a:pt x="117435" y="156840"/>
+              </a:lnTo>
+              <a:lnTo>
+                <a:pt x="0" y="156840"/>
+              </a:lnTo>
+              <a:lnTo>
+                <a:pt x="0" y="313680"/>
+              </a:lnTo>
+            </a:path>
+          </a:pathLst>
+        </a:custGeom>
+        <a:noFill/>
+        <a:ln w="25400" cap="flat" cmpd="sng" algn="ctr">
+          <a:solidFill>
+            <a:schemeClr val="accent1">
+              <a:shade val="60000"/>
+              <a:hueOff val="0"/>
+              <a:satOff val="0"/>
+              <a:lumOff val="0"/>
+              <a:alphaOff val="0"/>
+            </a:schemeClr>
+          </a:solidFill>
+          <a:prstDash val="solid"/>
+        </a:ln>
+        <a:effectLst/>
+      </dsp:spPr>
+      <dsp:style>
+        <a:lnRef idx="2">
+          <a:scrgbClr r="0" g="0" b="0"/>
+        </a:lnRef>
+        <a:fillRef idx="0">
+          <a:scrgbClr r="0" g="0" b="0"/>
+        </a:fillRef>
+        <a:effectRef idx="0">
+          <a:scrgbClr r="0" g="0" b="0"/>
+        </a:effectRef>
+        <a:fontRef idx="minor"/>
+      </dsp:style>
+    </dsp:sp>
+    <dsp:sp modelId="{36F24692-DFB0-4479-A2D0-52DA6F5AC65B}">
+      <dsp:nvSpPr>
+        <dsp:cNvPr id="0" name=""/>
+        <dsp:cNvSpPr/>
+      </dsp:nvSpPr>
+      <dsp:spPr>
+        <a:xfrm>
+          <a:off x="2557410" y="1715367"/>
+          <a:ext cx="1924833" cy="313680"/>
+        </a:xfrm>
+        <a:custGeom>
+          <a:avLst/>
+          <a:gdLst/>
+          <a:ahLst/>
+          <a:cxnLst/>
+          <a:rect l="0" t="0" r="0" b="0"/>
+          <a:pathLst>
+            <a:path>
+              <a:moveTo>
+                <a:pt x="1924833" y="0"/>
+              </a:moveTo>
+              <a:lnTo>
+                <a:pt x="1924833" y="156840"/>
+              </a:lnTo>
+              <a:lnTo>
+                <a:pt x="0" y="156840"/>
+              </a:lnTo>
+              <a:lnTo>
+                <a:pt x="0" y="313680"/>
+              </a:lnTo>
+            </a:path>
+          </a:pathLst>
+        </a:custGeom>
+        <a:noFill/>
+        <a:ln w="25400" cap="flat" cmpd="sng" algn="ctr">
+          <a:solidFill>
+            <a:schemeClr val="accent1">
+              <a:shade val="60000"/>
+              <a:hueOff val="0"/>
+              <a:satOff val="0"/>
+              <a:lumOff val="0"/>
+              <a:alphaOff val="0"/>
+            </a:schemeClr>
+          </a:solidFill>
+          <a:prstDash val="solid"/>
+        </a:ln>
+        <a:effectLst/>
+      </dsp:spPr>
+      <dsp:style>
+        <a:lnRef idx="2">
+          <a:scrgbClr r="0" g="0" b="0"/>
+        </a:lnRef>
+        <a:fillRef idx="0">
+          <a:scrgbClr r="0" g="0" b="0"/>
+        </a:fillRef>
+        <a:effectRef idx="0">
+          <a:scrgbClr r="0" g="0" b="0"/>
+        </a:effectRef>
+        <a:fontRef idx="minor"/>
+      </dsp:style>
+    </dsp:sp>
+    <dsp:sp modelId="{A6D172A6-AF17-4F6C-9729-F0D79987C551}">
+      <dsp:nvSpPr>
+        <dsp:cNvPr id="0" name=""/>
+        <dsp:cNvSpPr/>
+      </dsp:nvSpPr>
+      <dsp:spPr>
+        <a:xfrm>
+          <a:off x="750013" y="1715367"/>
+          <a:ext cx="3732230" cy="313680"/>
+        </a:xfrm>
+        <a:custGeom>
+          <a:avLst/>
+          <a:gdLst/>
+          <a:ahLst/>
+          <a:cxnLst/>
+          <a:rect l="0" t="0" r="0" b="0"/>
+          <a:pathLst>
+            <a:path>
+              <a:moveTo>
+                <a:pt x="3732230" y="0"/>
+              </a:moveTo>
+              <a:lnTo>
+                <a:pt x="3732230" y="156840"/>
+              </a:lnTo>
+              <a:lnTo>
+                <a:pt x="0" y="156840"/>
+              </a:lnTo>
+              <a:lnTo>
+                <a:pt x="0" y="313680"/>
+              </a:lnTo>
+            </a:path>
+          </a:pathLst>
+        </a:custGeom>
+        <a:noFill/>
+        <a:ln w="25400" cap="flat" cmpd="sng" algn="ctr">
+          <a:solidFill>
+            <a:schemeClr val="accent1">
+              <a:shade val="60000"/>
+              <a:hueOff val="0"/>
+              <a:satOff val="0"/>
+              <a:lumOff val="0"/>
+              <a:alphaOff val="0"/>
+            </a:schemeClr>
+          </a:solidFill>
+          <a:prstDash val="solid"/>
+        </a:ln>
+        <a:effectLst/>
+      </dsp:spPr>
+      <dsp:style>
+        <a:lnRef idx="2">
+          <a:scrgbClr r="0" g="0" b="0"/>
+        </a:lnRef>
+        <a:fillRef idx="0">
+          <a:scrgbClr r="0" g="0" b="0"/>
+        </a:fillRef>
+        <a:effectRef idx="0">
+          <a:scrgbClr r="0" g="0" b="0"/>
+        </a:effectRef>
+        <a:fontRef idx="minor"/>
+      </dsp:style>
+    </dsp:sp>
+    <dsp:sp modelId="{442B6F99-B5DF-4DDA-8891-95C6CBB5EE4A}">
+      <dsp:nvSpPr>
+        <dsp:cNvPr id="0" name=""/>
+        <dsp:cNvSpPr/>
+      </dsp:nvSpPr>
+      <dsp:spPr>
+        <a:xfrm>
+          <a:off x="3735385" y="968508"/>
+          <a:ext cx="1493716" cy="746858"/>
+        </a:xfrm>
+        <a:prstGeom prst="rect">
+          <a:avLst/>
+        </a:prstGeom>
+        <a:solidFill>
+          <a:schemeClr val="accent1">
+            <a:hueOff val="0"/>
+            <a:satOff val="0"/>
+            <a:lumOff val="0"/>
+            <a:alphaOff val="0"/>
+          </a:schemeClr>
+        </a:solidFill>
+        <a:ln w="25400" cap="flat" cmpd="sng" algn="ctr">
+          <a:solidFill>
+            <a:schemeClr val="lt1">
+              <a:hueOff val="0"/>
+              <a:satOff val="0"/>
+              <a:lumOff val="0"/>
+              <a:alphaOff val="0"/>
+            </a:schemeClr>
+          </a:solidFill>
+          <a:prstDash val="solid"/>
+        </a:ln>
+        <a:effectLst/>
+      </dsp:spPr>
+      <dsp:style>
+        <a:lnRef idx="2">
+          <a:scrgbClr r="0" g="0" b="0"/>
+        </a:lnRef>
+        <a:fillRef idx="1">
+          <a:scrgbClr r="0" g="0" b="0"/>
+        </a:fillRef>
+        <a:effectRef idx="0">
+          <a:scrgbClr r="0" g="0" b="0"/>
+        </a:effectRef>
+        <a:fontRef idx="minor">
+          <a:schemeClr val="lt1"/>
+        </a:fontRef>
+      </dsp:style>
+      <dsp:txBody>
+        <a:bodyPr spcFirstLastPara="0" vert="horz" wrap="square" lIns="15875" tIns="15875" rIns="15875" bIns="15875" numCol="1" spcCol="1270" anchor="ctr" anchorCtr="0">
+          <a:noAutofit/>
+        </a:bodyPr>
+        <a:lstStyle/>
+        <a:p>
+          <a:pPr lvl="0" algn="ctr" defTabSz="1111250">
+            <a:lnSpc>
+              <a:spcPct val="90000"/>
+            </a:lnSpc>
+            <a:spcBef>
+              <a:spcPct val="0"/>
+            </a:spcBef>
+            <a:spcAft>
+              <a:spcPct val="35000"/>
+            </a:spcAft>
+          </a:pPr>
+          <a:r>
+            <a:rPr lang="en-US" altLang="zh-CN" sz="2500" kern="1200" dirty="0" smtClean="0"/>
+            <a:t>Main</a:t>
+          </a:r>
+          <a:endParaRPr lang="zh-CN" altLang="en-US" sz="2500" kern="1200" dirty="0"/>
+        </a:p>
+      </dsp:txBody>
+      <dsp:txXfrm>
+        <a:off x="3735385" y="968508"/>
+        <a:ext cx="1493716" cy="746858"/>
+      </dsp:txXfrm>
+    </dsp:sp>
+    <dsp:sp modelId="{8C39C8BA-AAFE-4A15-B750-DC5A21F68296}">
+      <dsp:nvSpPr>
+        <dsp:cNvPr id="0" name=""/>
+        <dsp:cNvSpPr/>
+      </dsp:nvSpPr>
+      <dsp:spPr>
+        <a:xfrm>
+          <a:off x="3155" y="2029047"/>
+          <a:ext cx="1493716" cy="746858"/>
+        </a:xfrm>
+        <a:prstGeom prst="rect">
+          <a:avLst/>
+        </a:prstGeom>
+        <a:solidFill>
+          <a:schemeClr val="accent1">
+            <a:hueOff val="0"/>
+            <a:satOff val="0"/>
+            <a:lumOff val="0"/>
+            <a:alphaOff val="0"/>
+          </a:schemeClr>
+        </a:solidFill>
+        <a:ln w="25400" cap="flat" cmpd="sng" algn="ctr">
+          <a:solidFill>
+            <a:schemeClr val="lt1">
+              <a:hueOff val="0"/>
+              <a:satOff val="0"/>
+              <a:lumOff val="0"/>
+              <a:alphaOff val="0"/>
+            </a:schemeClr>
+          </a:solidFill>
+          <a:prstDash val="solid"/>
+        </a:ln>
+        <a:effectLst/>
+      </dsp:spPr>
+      <dsp:style>
+        <a:lnRef idx="2">
+          <a:scrgbClr r="0" g="0" b="0"/>
+        </a:lnRef>
+        <a:fillRef idx="1">
+          <a:scrgbClr r="0" g="0" b="0"/>
+        </a:fillRef>
+        <a:effectRef idx="0">
+          <a:scrgbClr r="0" g="0" b="0"/>
+        </a:effectRef>
+        <a:fontRef idx="minor">
+          <a:schemeClr val="lt1"/>
+        </a:fontRef>
+      </dsp:style>
+      <dsp:txBody>
+        <a:bodyPr spcFirstLastPara="0" vert="horz" wrap="square" lIns="15875" tIns="15875" rIns="15875" bIns="15875" numCol="1" spcCol="1270" anchor="ctr" anchorCtr="0">
+          <a:noAutofit/>
+        </a:bodyPr>
+        <a:lstStyle/>
+        <a:p>
+          <a:pPr lvl="0" algn="ctr" defTabSz="1111250">
+            <a:lnSpc>
+              <a:spcPct val="90000"/>
+            </a:lnSpc>
+            <a:spcBef>
+              <a:spcPct val="0"/>
+            </a:spcBef>
+            <a:spcAft>
+              <a:spcPct val="35000"/>
+            </a:spcAft>
+          </a:pPr>
+          <a:r>
+            <a:rPr lang="en-US" altLang="zh-CN" sz="2500" kern="1200" dirty="0" smtClean="0"/>
+            <a:t>By DN</a:t>
+          </a:r>
+          <a:endParaRPr lang="zh-CN" altLang="en-US" sz="2500" kern="1200" dirty="0"/>
+        </a:p>
+      </dsp:txBody>
+      <dsp:txXfrm>
+        <a:off x="3155" y="2029047"/>
+        <a:ext cx="1493716" cy="746858"/>
+      </dsp:txXfrm>
+    </dsp:sp>
+    <dsp:sp modelId="{17A18EF7-2A7C-496B-B4AC-E2FB0956E5EE}">
+      <dsp:nvSpPr>
+        <dsp:cNvPr id="0" name=""/>
+        <dsp:cNvSpPr/>
+      </dsp:nvSpPr>
+      <dsp:spPr>
+        <a:xfrm>
+          <a:off x="1810552" y="2029047"/>
+          <a:ext cx="1493716" cy="746858"/>
+        </a:xfrm>
+        <a:prstGeom prst="rect">
+          <a:avLst/>
+        </a:prstGeom>
+        <a:solidFill>
+          <a:schemeClr val="accent1">
+            <a:hueOff val="0"/>
+            <a:satOff val="0"/>
+            <a:lumOff val="0"/>
+            <a:alphaOff val="0"/>
+          </a:schemeClr>
+        </a:solidFill>
+        <a:ln w="25400" cap="flat" cmpd="sng" algn="ctr">
+          <a:solidFill>
+            <a:schemeClr val="lt1">
+              <a:hueOff val="0"/>
+              <a:satOff val="0"/>
+              <a:lumOff val="0"/>
+              <a:alphaOff val="0"/>
+            </a:schemeClr>
+          </a:solidFill>
+          <a:prstDash val="solid"/>
+        </a:ln>
+        <a:effectLst/>
+      </dsp:spPr>
+      <dsp:style>
+        <a:lnRef idx="2">
+          <a:scrgbClr r="0" g="0" b="0"/>
+        </a:lnRef>
+        <a:fillRef idx="1">
+          <a:scrgbClr r="0" g="0" b="0"/>
+        </a:fillRef>
+        <a:effectRef idx="0">
+          <a:scrgbClr r="0" g="0" b="0"/>
+        </a:effectRef>
+        <a:fontRef idx="minor">
+          <a:schemeClr val="lt1"/>
+        </a:fontRef>
+      </dsp:style>
+      <dsp:txBody>
+        <a:bodyPr spcFirstLastPara="0" vert="horz" wrap="square" lIns="15875" tIns="15875" rIns="15875" bIns="15875" numCol="1" spcCol="1270" anchor="ctr" anchorCtr="0">
+          <a:noAutofit/>
+        </a:bodyPr>
+        <a:lstStyle/>
+        <a:p>
+          <a:pPr lvl="0" algn="ctr" defTabSz="1111250">
+            <a:lnSpc>
+              <a:spcPct val="90000"/>
+            </a:lnSpc>
+            <a:spcBef>
+              <a:spcPct val="0"/>
+            </a:spcBef>
+            <a:spcAft>
+              <a:spcPct val="35000"/>
+            </a:spcAft>
+          </a:pPr>
+          <a:r>
+            <a:rPr lang="en-US" altLang="zh-CN" sz="2500" kern="1200" dirty="0" smtClean="0"/>
+            <a:t>By Vendor</a:t>
+          </a:r>
+          <a:endParaRPr lang="zh-CN" altLang="en-US" sz="2500" kern="1200" dirty="0"/>
+        </a:p>
+      </dsp:txBody>
+      <dsp:txXfrm>
+        <a:off x="1810552" y="2029047"/>
+        <a:ext cx="1493716" cy="746858"/>
+      </dsp:txXfrm>
+    </dsp:sp>
+    <dsp:sp modelId="{22E192E9-3FDB-4BEE-9360-3DC1B28476CF}">
+      <dsp:nvSpPr>
+        <dsp:cNvPr id="0" name=""/>
+        <dsp:cNvSpPr/>
+      </dsp:nvSpPr>
+      <dsp:spPr>
+        <a:xfrm>
+          <a:off x="3617949" y="2029047"/>
+          <a:ext cx="1493716" cy="746858"/>
+        </a:xfrm>
+        <a:prstGeom prst="rect">
+          <a:avLst/>
+        </a:prstGeom>
+        <a:solidFill>
+          <a:schemeClr val="accent1">
+            <a:hueOff val="0"/>
+            <a:satOff val="0"/>
+            <a:lumOff val="0"/>
+            <a:alphaOff val="0"/>
+          </a:schemeClr>
+        </a:solidFill>
+        <a:ln w="25400" cap="flat" cmpd="sng" algn="ctr">
+          <a:solidFill>
+            <a:schemeClr val="lt1">
+              <a:hueOff val="0"/>
+              <a:satOff val="0"/>
+              <a:lumOff val="0"/>
+              <a:alphaOff val="0"/>
+            </a:schemeClr>
+          </a:solidFill>
+          <a:prstDash val="solid"/>
+        </a:ln>
+        <a:effectLst/>
+      </dsp:spPr>
+      <dsp:style>
+        <a:lnRef idx="2">
+          <a:scrgbClr r="0" g="0" b="0"/>
+        </a:lnRef>
+        <a:fillRef idx="1">
+          <a:scrgbClr r="0" g="0" b="0"/>
+        </a:fillRef>
+        <a:effectRef idx="0">
+          <a:scrgbClr r="0" g="0" b="0"/>
+        </a:effectRef>
+        <a:fontRef idx="minor">
+          <a:schemeClr val="lt1"/>
+        </a:fontRef>
+      </dsp:style>
+      <dsp:txBody>
+        <a:bodyPr spcFirstLastPara="0" vert="horz" wrap="square" lIns="15875" tIns="15875" rIns="15875" bIns="15875" numCol="1" spcCol="1270" anchor="ctr" anchorCtr="0">
+          <a:noAutofit/>
+        </a:bodyPr>
+        <a:lstStyle/>
+        <a:p>
+          <a:pPr lvl="0" algn="ctr" defTabSz="1111250">
+            <a:lnSpc>
+              <a:spcPct val="90000"/>
+            </a:lnSpc>
+            <a:spcBef>
+              <a:spcPct val="0"/>
+            </a:spcBef>
+            <a:spcAft>
+              <a:spcPct val="35000"/>
+            </a:spcAft>
+          </a:pPr>
+          <a:r>
+            <a:rPr lang="en-US" altLang="zh-CN" sz="2500" kern="1200" dirty="0" smtClean="0"/>
+            <a:t>By PI</a:t>
+          </a:r>
+          <a:endParaRPr lang="zh-CN" altLang="en-US" sz="2500" kern="1200" dirty="0"/>
+        </a:p>
+      </dsp:txBody>
+      <dsp:txXfrm>
+        <a:off x="3617949" y="2029047"/>
+        <a:ext cx="1493716" cy="746858"/>
+      </dsp:txXfrm>
+    </dsp:sp>
+    <dsp:sp modelId="{E438CC6F-9470-4417-B44F-F68DBA4674E4}">
+      <dsp:nvSpPr>
+        <dsp:cNvPr id="0" name=""/>
+        <dsp:cNvSpPr/>
+      </dsp:nvSpPr>
+      <dsp:spPr>
+        <a:xfrm>
+          <a:off x="5425346" y="2029047"/>
+          <a:ext cx="1493716" cy="746858"/>
+        </a:xfrm>
+        <a:prstGeom prst="rect">
+          <a:avLst/>
+        </a:prstGeom>
+        <a:solidFill>
+          <a:schemeClr val="accent1">
+            <a:hueOff val="0"/>
+            <a:satOff val="0"/>
+            <a:lumOff val="0"/>
+            <a:alphaOff val="0"/>
+          </a:schemeClr>
+        </a:solidFill>
+        <a:ln w="25400" cap="flat" cmpd="sng" algn="ctr">
+          <a:solidFill>
+            <a:schemeClr val="lt1">
+              <a:hueOff val="0"/>
+              <a:satOff val="0"/>
+              <a:lumOff val="0"/>
+              <a:alphaOff val="0"/>
+            </a:schemeClr>
+          </a:solidFill>
+          <a:prstDash val="solid"/>
+        </a:ln>
+        <a:effectLst/>
+      </dsp:spPr>
+      <dsp:style>
+        <a:lnRef idx="2">
+          <a:scrgbClr r="0" g="0" b="0"/>
+        </a:lnRef>
+        <a:fillRef idx="1">
+          <a:scrgbClr r="0" g="0" b="0"/>
+        </a:fillRef>
+        <a:effectRef idx="0">
+          <a:scrgbClr r="0" g="0" b="0"/>
+        </a:effectRef>
+        <a:fontRef idx="minor">
+          <a:schemeClr val="lt1"/>
+        </a:fontRef>
+      </dsp:style>
+      <dsp:txBody>
+        <a:bodyPr spcFirstLastPara="0" vert="horz" wrap="square" lIns="15875" tIns="15875" rIns="15875" bIns="15875" numCol="1" spcCol="1270" anchor="ctr" anchorCtr="0">
+          <a:noAutofit/>
+        </a:bodyPr>
+        <a:lstStyle/>
+        <a:p>
+          <a:pPr lvl="0" algn="ctr" defTabSz="1111250">
+            <a:lnSpc>
+              <a:spcPct val="90000"/>
+            </a:lnSpc>
+            <a:spcBef>
+              <a:spcPct val="0"/>
+            </a:spcBef>
+            <a:spcAft>
+              <a:spcPct val="35000"/>
+            </a:spcAft>
+          </a:pPr>
+          <a:r>
+            <a:rPr lang="en-US" altLang="zh-CN" sz="2500" kern="1200" dirty="0" smtClean="0"/>
+            <a:t>By PI/Pallet</a:t>
+          </a:r>
+          <a:endParaRPr lang="zh-CN" altLang="en-US" sz="2500" kern="1200" dirty="0"/>
+        </a:p>
+      </dsp:txBody>
+      <dsp:txXfrm>
+        <a:off x="5425346" y="2029047"/>
+        <a:ext cx="1493716" cy="746858"/>
+      </dsp:txXfrm>
+    </dsp:sp>
+    <dsp:sp modelId="{D1CEE3B8-629C-4C8E-BBD0-90F29E6F30A2}">
+      <dsp:nvSpPr>
+        <dsp:cNvPr id="0" name=""/>
+        <dsp:cNvSpPr/>
+      </dsp:nvSpPr>
+      <dsp:spPr>
+        <a:xfrm>
+          <a:off x="7232743" y="2029047"/>
+          <a:ext cx="1728588" cy="746858"/>
+        </a:xfrm>
+        <a:prstGeom prst="rect">
+          <a:avLst/>
+        </a:prstGeom>
+        <a:solidFill>
+          <a:schemeClr val="accent1">
+            <a:hueOff val="0"/>
+            <a:satOff val="0"/>
+            <a:lumOff val="0"/>
+            <a:alphaOff val="0"/>
+          </a:schemeClr>
+        </a:solidFill>
+        <a:ln w="25400" cap="flat" cmpd="sng" algn="ctr">
+          <a:solidFill>
+            <a:schemeClr val="lt1">
+              <a:hueOff val="0"/>
+              <a:satOff val="0"/>
+              <a:lumOff val="0"/>
+              <a:alphaOff val="0"/>
+            </a:schemeClr>
+          </a:solidFill>
+          <a:prstDash val="solid"/>
+        </a:ln>
+        <a:effectLst/>
+      </dsp:spPr>
+      <dsp:style>
+        <a:lnRef idx="2">
+          <a:scrgbClr r="0" g="0" b="0"/>
+        </a:lnRef>
+        <a:fillRef idx="1">
+          <a:scrgbClr r="0" g="0" b="0"/>
+        </a:fillRef>
+        <a:effectRef idx="0">
+          <a:scrgbClr r="0" g="0" b="0"/>
+        </a:effectRef>
+        <a:fontRef idx="minor">
+          <a:schemeClr val="lt1"/>
+        </a:fontRef>
+      </dsp:style>
+      <dsp:txBody>
+        <a:bodyPr spcFirstLastPara="0" vert="horz" wrap="square" lIns="12700" tIns="12700" rIns="12700" bIns="12700" numCol="1" spcCol="1270" anchor="ctr" anchorCtr="0">
+          <a:noAutofit/>
+        </a:bodyPr>
+        <a:lstStyle/>
+        <a:p>
+          <a:pPr lvl="0" algn="ctr" defTabSz="889000">
+            <a:lnSpc>
+              <a:spcPct val="90000"/>
+            </a:lnSpc>
+            <a:spcBef>
+              <a:spcPct val="0"/>
+            </a:spcBef>
+            <a:spcAft>
+              <a:spcPct val="35000"/>
+            </a:spcAft>
+          </a:pPr>
+          <a:r>
+            <a:rPr lang="en-US" altLang="zh-CN" sz="2000" kern="1200" dirty="0" smtClean="0"/>
+            <a:t>By PI/Box No.</a:t>
+          </a:r>
+          <a:endParaRPr lang="zh-CN" altLang="en-US" sz="2000" kern="1200" dirty="0"/>
+        </a:p>
+      </dsp:txBody>
+      <dsp:txXfrm>
+        <a:off x="7232743" y="2029047"/>
+        <a:ext cx="1728588" cy="746858"/>
       </dsp:txXfrm>
     </dsp:sp>
   </dsp:spTree>
@@ -2052,7 +4148,2187 @@
 </dgm:layoutDef>
 </file>
 
+<file path=ppt/diagrams/layout2.xml><?xml version="1.0" encoding="utf-8"?>
+<dgm:layoutDef xmlns:dgm="http://schemas.openxmlformats.org/drawingml/2006/diagram" xmlns:a="http://schemas.openxmlformats.org/drawingml/2006/main" uniqueId="urn:microsoft.com/office/officeart/2005/8/layout/orgChart1">
+  <dgm:title val=""/>
+  <dgm:desc val=""/>
+  <dgm:catLst>
+    <dgm:cat type="hierarchy" pri="1000"/>
+    <dgm:cat type="convert" pri="6000"/>
+  </dgm:catLst>
+  <dgm:sampData>
+    <dgm:dataModel>
+      <dgm:ptLst>
+        <dgm:pt modelId="0" type="doc"/>
+        <dgm:pt modelId="1">
+          <dgm:prSet phldr="1"/>
+        </dgm:pt>
+        <dgm:pt modelId="2" type="asst">
+          <dgm:prSet phldr="1"/>
+        </dgm:pt>
+        <dgm:pt modelId="3">
+          <dgm:prSet phldr="1"/>
+        </dgm:pt>
+        <dgm:pt modelId="4">
+          <dgm:prSet phldr="1"/>
+        </dgm:pt>
+        <dgm:pt modelId="5">
+          <dgm:prSet phldr="1"/>
+        </dgm:pt>
+      </dgm:ptLst>
+      <dgm:cxnLst>
+        <dgm:cxn modelId="5" srcId="0" destId="1" srcOrd="0" destOrd="0"/>
+        <dgm:cxn modelId="6" srcId="1" destId="2" srcOrd="0" destOrd="0"/>
+        <dgm:cxn modelId="7" srcId="1" destId="3" srcOrd="1" destOrd="0"/>
+        <dgm:cxn modelId="8" srcId="1" destId="4" srcOrd="2" destOrd="0"/>
+        <dgm:cxn modelId="9" srcId="1" destId="5" srcOrd="3" destOrd="0"/>
+      </dgm:cxnLst>
+      <dgm:bg/>
+      <dgm:whole/>
+    </dgm:dataModel>
+  </dgm:sampData>
+  <dgm:styleData>
+    <dgm:dataModel>
+      <dgm:ptLst>
+        <dgm:pt modelId="0" type="doc"/>
+        <dgm:pt modelId="1"/>
+        <dgm:pt modelId="12"/>
+        <dgm:pt modelId="13"/>
+      </dgm:ptLst>
+      <dgm:cxnLst>
+        <dgm:cxn modelId="2" srcId="0" destId="1" srcOrd="0" destOrd="0"/>
+        <dgm:cxn modelId="16" srcId="1" destId="12" srcOrd="1" destOrd="0"/>
+        <dgm:cxn modelId="17" srcId="1" destId="13" srcOrd="2" destOrd="0"/>
+      </dgm:cxnLst>
+      <dgm:bg/>
+      <dgm:whole/>
+    </dgm:dataModel>
+  </dgm:styleData>
+  <dgm:clrData>
+    <dgm:dataModel>
+      <dgm:ptLst>
+        <dgm:pt modelId="0" type="doc"/>
+        <dgm:pt modelId="1"/>
+        <dgm:pt modelId="11" type="asst"/>
+        <dgm:pt modelId="12"/>
+        <dgm:pt modelId="13"/>
+        <dgm:pt modelId="14"/>
+      </dgm:ptLst>
+      <dgm:cxnLst>
+        <dgm:cxn modelId="2" srcId="0" destId="1" srcOrd="0" destOrd="0"/>
+        <dgm:cxn modelId="15" srcId="1" destId="11" srcOrd="0" destOrd="0"/>
+        <dgm:cxn modelId="16" srcId="1" destId="12" srcOrd="1" destOrd="0"/>
+        <dgm:cxn modelId="17" srcId="1" destId="13" srcOrd="2" destOrd="0"/>
+        <dgm:cxn modelId="18" srcId="1" destId="14" srcOrd="2" destOrd="0"/>
+      </dgm:cxnLst>
+      <dgm:bg/>
+      <dgm:whole/>
+    </dgm:dataModel>
+  </dgm:clrData>
+  <dgm:layoutNode name="hierChild1">
+    <dgm:varLst>
+      <dgm:orgChart val="1"/>
+      <dgm:chPref val="1"/>
+      <dgm:dir/>
+      <dgm:animOne val="branch"/>
+      <dgm:animLvl val="lvl"/>
+      <dgm:resizeHandles/>
+    </dgm:varLst>
+    <dgm:choose name="Name0">
+      <dgm:if name="Name1" func="var" arg="dir" op="equ" val="norm">
+        <dgm:alg type="hierChild">
+          <dgm:param type="linDir" val="fromL"/>
+        </dgm:alg>
+      </dgm:if>
+      <dgm:else name="Name2">
+        <dgm:alg type="hierChild">
+          <dgm:param type="linDir" val="fromR"/>
+        </dgm:alg>
+      </dgm:else>
+    </dgm:choose>
+    <dgm:shape xmlns:r="http://schemas.openxmlformats.org/officeDocument/2006/relationships" r:blip="">
+      <dgm:adjLst/>
+    </dgm:shape>
+    <dgm:presOf/>
+    <dgm:constrLst>
+      <dgm:constr type="w" for="des" forName="rootComposite1" refType="w" fact="10"/>
+      <dgm:constr type="h" for="des" forName="rootComposite1" refType="w" refFor="des" refForName="rootComposite1" fact="0.5"/>
+      <dgm:constr type="w" for="des" forName="rootComposite" refType="w" fact="10"/>
+      <dgm:constr type="h" for="des" forName="rootComposite" refType="w" refFor="des" refForName="rootComposite1" fact="0.5"/>
+      <dgm:constr type="w" for="des" forName="rootComposite3" refType="w" fact="10"/>
+      <dgm:constr type="h" for="des" forName="rootComposite3" refType="w" refFor="des" refForName="rootComposite1" fact="0.5"/>
+      <dgm:constr type="primFontSz" for="des" ptType="node" op="equ"/>
+      <dgm:constr type="sp" for="des" op="equ"/>
+      <dgm:constr type="sp" for="des" forName="hierRoot1" refType="w" refFor="des" refForName="rootComposite1" fact="0.21"/>
+      <dgm:constr type="sp" for="des" forName="hierRoot2" refType="sp" refFor="des" refForName="hierRoot1"/>
+      <dgm:constr type="sp" for="des" forName="hierRoot3" refType="sp" refFor="des" refForName="hierRoot1"/>
+      <dgm:constr type="sibSp" refType="w" refFor="des" refForName="rootComposite1" fact="0.21"/>
+      <dgm:constr type="sibSp" for="des" forName="hierChild2" refType="sibSp"/>
+      <dgm:constr type="sibSp" for="des" forName="hierChild3" refType="sibSp"/>
+      <dgm:constr type="sibSp" for="des" forName="hierChild4" refType="sibSp"/>
+      <dgm:constr type="sibSp" for="des" forName="hierChild5" refType="sibSp"/>
+      <dgm:constr type="sibSp" for="des" forName="hierChild6" refType="sibSp"/>
+      <dgm:constr type="sibSp" for="des" forName="hierChild7" refType="sibSp"/>
+      <dgm:constr type="secSibSp" refType="w" refFor="des" refForName="rootComposite1" fact="0.21"/>
+      <dgm:constr type="secSibSp" for="des" forName="hierChild2" refType="secSibSp"/>
+      <dgm:constr type="secSibSp" for="des" forName="hierChild3" refType="secSibSp"/>
+      <dgm:constr type="secSibSp" for="des" forName="hierChild4" refType="secSibSp"/>
+      <dgm:constr type="secSibSp" for="des" forName="hierChild5" refType="secSibSp"/>
+      <dgm:constr type="secSibSp" for="des" forName="hierChild6" refType="secSibSp"/>
+      <dgm:constr type="secSibSp" for="des" forName="hierChild7" refType="secSibSp"/>
+    </dgm:constrLst>
+    <dgm:ruleLst/>
+    <dgm:forEach name="Name3" axis="ch">
+      <dgm:forEach name="Name4" axis="self" ptType="node">
+        <dgm:layoutNode name="hierRoot1">
+          <dgm:varLst>
+            <dgm:hierBranch val="init"/>
+          </dgm:varLst>
+          <dgm:choose name="Name5">
+            <dgm:if name="Name6" func="var" arg="hierBranch" op="equ" val="l">
+              <dgm:choose name="Name7">
+                <dgm:if name="Name8" axis="ch" ptType="asst" func="cnt" op="gte" val="1">
+                  <dgm:alg type="hierRoot">
+                    <dgm:param type="hierAlign" val="tR"/>
+                  </dgm:alg>
+                  <dgm:constrLst>
+                    <dgm:constr type="alignOff" val="0.65"/>
+                  </dgm:constrLst>
+                </dgm:if>
+                <dgm:else name="Name9">
+                  <dgm:alg type="hierRoot">
+                    <dgm:param type="hierAlign" val="tR"/>
+                  </dgm:alg>
+                  <dgm:constrLst>
+                    <dgm:constr type="alignOff" val="0.25"/>
+                  </dgm:constrLst>
+                </dgm:else>
+              </dgm:choose>
+            </dgm:if>
+            <dgm:if name="Name10" func="var" arg="hierBranch" op="equ" val="r">
+              <dgm:choose name="Name11">
+                <dgm:if name="Name12" axis="ch" ptType="asst" func="cnt" op="gte" val="1">
+                  <dgm:alg type="hierRoot">
+                    <dgm:param type="hierAlign" val="tL"/>
+                  </dgm:alg>
+                  <dgm:constrLst>
+                    <dgm:constr type="alignOff" val="0.65"/>
+                  </dgm:constrLst>
+                </dgm:if>
+                <dgm:else name="Name13">
+                  <dgm:alg type="hierRoot">
+                    <dgm:param type="hierAlign" val="tL"/>
+                  </dgm:alg>
+                  <dgm:constrLst>
+                    <dgm:constr type="alignOff" val="0.25"/>
+                  </dgm:constrLst>
+                </dgm:else>
+              </dgm:choose>
+            </dgm:if>
+            <dgm:if name="Name14" func="var" arg="hierBranch" op="equ" val="hang">
+              <dgm:alg type="hierRoot"/>
+              <dgm:constrLst>
+                <dgm:constr type="alignOff" val="0.65"/>
+              </dgm:constrLst>
+            </dgm:if>
+            <dgm:else name="Name15">
+              <dgm:alg type="hierRoot"/>
+              <dgm:constrLst>
+                <dgm:constr type="alignOff"/>
+                <dgm:constr type="bendDist" for="des" ptType="parTrans" refType="sp" fact="0.5"/>
+              </dgm:constrLst>
+            </dgm:else>
+          </dgm:choose>
+          <dgm:shape xmlns:r="http://schemas.openxmlformats.org/officeDocument/2006/relationships" r:blip="">
+            <dgm:adjLst/>
+          </dgm:shape>
+          <dgm:presOf/>
+          <dgm:ruleLst/>
+          <dgm:layoutNode name="rootComposite1">
+            <dgm:alg type="composite"/>
+            <dgm:shape xmlns:r="http://schemas.openxmlformats.org/officeDocument/2006/relationships" r:blip="">
+              <dgm:adjLst/>
+            </dgm:shape>
+            <dgm:presOf axis="self" ptType="node" cnt="1"/>
+            <dgm:choose name="Name16">
+              <dgm:if name="Name17" func="var" arg="hierBranch" op="equ" val="init">
+                <dgm:constrLst>
+                  <dgm:constr type="l" for="ch" forName="rootText1"/>
+                  <dgm:constr type="t" for="ch" forName="rootText1"/>
+                  <dgm:constr type="w" for="ch" forName="rootText1" refType="w"/>
+                  <dgm:constr type="h" for="ch" forName="rootText1" refType="h"/>
+                  <dgm:constr type="l" for="ch" forName="rootConnector1"/>
+                  <dgm:constr type="t" for="ch" forName="rootConnector1"/>
+                  <dgm:constr type="w" for="ch" forName="rootConnector1" refType="w" refFor="ch" refForName="rootText1" fact="0.2"/>
+                  <dgm:constr type="h" for="ch" forName="rootConnector1" refType="h" refFor="ch" refForName="rootText1"/>
+                </dgm:constrLst>
+              </dgm:if>
+              <dgm:if name="Name18" func="var" arg="hierBranch" op="equ" val="l">
+                <dgm:constrLst>
+                  <dgm:constr type="l" for="ch" forName="rootText1"/>
+                  <dgm:constr type="t" for="ch" forName="rootText1"/>
+                  <dgm:constr type="w" for="ch" forName="rootText1" refType="w"/>
+                  <dgm:constr type="h" for="ch" forName="rootText1" refType="h"/>
+                  <dgm:constr type="r" for="ch" forName="rootConnector1" refType="w"/>
+                  <dgm:constr type="t" for="ch" forName="rootConnector1"/>
+                  <dgm:constr type="w" for="ch" forName="rootConnector1" refType="w" refFor="ch" refForName="rootText1" fact="0.2"/>
+                  <dgm:constr type="h" for="ch" forName="rootConnector1" refType="h" refFor="ch" refForName="rootText1"/>
+                </dgm:constrLst>
+              </dgm:if>
+              <dgm:if name="Name19" func="var" arg="hierBranch" op="equ" val="r">
+                <dgm:constrLst>
+                  <dgm:constr type="l" for="ch" forName="rootText1"/>
+                  <dgm:constr type="t" for="ch" forName="rootText1"/>
+                  <dgm:constr type="w" for="ch" forName="rootText1" refType="w"/>
+                  <dgm:constr type="h" for="ch" forName="rootText1" refType="h"/>
+                  <dgm:constr type="l" for="ch" forName="rootConnector1"/>
+                  <dgm:constr type="t" for="ch" forName="rootConnector1"/>
+                  <dgm:constr type="w" for="ch" forName="rootConnector1" refType="w" refFor="ch" refForName="rootText1" fact="0.2"/>
+                  <dgm:constr type="h" for="ch" forName="rootConnector1" refType="h" refFor="ch" refForName="rootText1"/>
+                </dgm:constrLst>
+              </dgm:if>
+              <dgm:else name="Name20">
+                <dgm:constrLst>
+                  <dgm:constr type="l" for="ch" forName="rootText1"/>
+                  <dgm:constr type="t" for="ch" forName="rootText1"/>
+                  <dgm:constr type="w" for="ch" forName="rootText1" refType="w"/>
+                  <dgm:constr type="h" for="ch" forName="rootText1" refType="h"/>
+                  <dgm:constr type="r" for="ch" forName="rootConnector1" refType="w"/>
+                  <dgm:constr type="t" for="ch" forName="rootConnector1"/>
+                  <dgm:constr type="w" for="ch" forName="rootConnector1" refType="w" refFor="ch" refForName="rootText1" fact="0.2"/>
+                  <dgm:constr type="h" for="ch" forName="rootConnector1" refType="h" refFor="ch" refForName="rootText1"/>
+                </dgm:constrLst>
+              </dgm:else>
+            </dgm:choose>
+            <dgm:ruleLst/>
+            <dgm:layoutNode name="rootText1" styleLbl="node0">
+              <dgm:varLst>
+                <dgm:chPref val="3"/>
+              </dgm:varLst>
+              <dgm:alg type="tx"/>
+              <dgm:shape xmlns:r="http://schemas.openxmlformats.org/officeDocument/2006/relationships" type="rect" r:blip="">
+                <dgm:adjLst/>
+              </dgm:shape>
+              <dgm:presOf axis="self" ptType="node" cnt="1"/>
+              <dgm:constrLst>
+                <dgm:constr type="primFontSz" val="65"/>
+                <dgm:constr type="lMarg" refType="primFontSz" fact="0.05"/>
+                <dgm:constr type="rMarg" refType="primFontSz" fact="0.05"/>
+                <dgm:constr type="tMarg" refType="primFontSz" fact="0.05"/>
+                <dgm:constr type="bMarg" refType="primFontSz" fact="0.05"/>
+              </dgm:constrLst>
+              <dgm:ruleLst>
+                <dgm:rule type="primFontSz" val="5" fact="NaN" max="NaN"/>
+              </dgm:ruleLst>
+            </dgm:layoutNode>
+            <dgm:layoutNode name="rootConnector1" moveWith="rootText1">
+              <dgm:alg type="sp"/>
+              <dgm:shape xmlns:r="http://schemas.openxmlformats.org/officeDocument/2006/relationships" type="rect" r:blip="" hideGeom="1">
+                <dgm:adjLst/>
+              </dgm:shape>
+              <dgm:presOf axis="self" ptType="node" cnt="1"/>
+              <dgm:constrLst/>
+              <dgm:ruleLst/>
+            </dgm:layoutNode>
+          </dgm:layoutNode>
+          <dgm:layoutNode name="hierChild2">
+            <dgm:choose name="Name21">
+              <dgm:if name="Name22" func="var" arg="hierBranch" op="equ" val="l">
+                <dgm:alg type="hierChild">
+                  <dgm:param type="chAlign" val="r"/>
+                  <dgm:param type="linDir" val="fromT"/>
+                </dgm:alg>
+              </dgm:if>
+              <dgm:if name="Name23" func="var" arg="hierBranch" op="equ" val="r">
+                <dgm:alg type="hierChild">
+                  <dgm:param type="chAlign" val="l"/>
+                  <dgm:param type="linDir" val="fromT"/>
+                </dgm:alg>
+              </dgm:if>
+              <dgm:if name="Name24" func="var" arg="hierBranch" op="equ" val="hang">
+                <dgm:choose name="Name25">
+                  <dgm:if name="Name26" func="var" arg="dir" op="equ" val="norm">
+                    <dgm:alg type="hierChild">
+                      <dgm:param type="chAlign" val="l"/>
+                      <dgm:param type="linDir" val="fromL"/>
+                      <dgm:param type="secChAlign" val="t"/>
+                      <dgm:param type="secLinDir" val="fromT"/>
+                    </dgm:alg>
+                  </dgm:if>
+                  <dgm:else name="Name27">
+                    <dgm:alg type="hierChild">
+                      <dgm:param type="chAlign" val="l"/>
+                      <dgm:param type="linDir" val="fromR"/>
+                      <dgm:param type="secChAlign" val="t"/>
+                      <dgm:param type="secLinDir" val="fromT"/>
+                    </dgm:alg>
+                  </dgm:else>
+                </dgm:choose>
+              </dgm:if>
+              <dgm:else name="Name28">
+                <dgm:choose name="Name29">
+                  <dgm:if name="Name30" func="var" arg="dir" op="equ" val="norm">
+                    <dgm:alg type="hierChild"/>
+                  </dgm:if>
+                  <dgm:else name="Name31">
+                    <dgm:alg type="hierChild">
+                      <dgm:param type="linDir" val="fromR"/>
+                    </dgm:alg>
+                  </dgm:else>
+                </dgm:choose>
+              </dgm:else>
+            </dgm:choose>
+            <dgm:shape xmlns:r="http://schemas.openxmlformats.org/officeDocument/2006/relationships" r:blip="">
+              <dgm:adjLst/>
+            </dgm:shape>
+            <dgm:presOf/>
+            <dgm:constrLst/>
+            <dgm:ruleLst/>
+            <dgm:forEach name="rep2a" axis="ch" ptType="nonAsst">
+              <dgm:forEach name="Name32" axis="precedSib" ptType="parTrans" st="-1" cnt="1">
+                <dgm:choose name="Name33">
+                  <dgm:if name="Name34" func="var" arg="hierBranch" op="equ" val="std">
+                    <dgm:layoutNode name="Name35">
+                      <dgm:alg type="conn">
+                        <dgm:param type="connRout" val="bend"/>
+                        <dgm:param type="dim" val="1D"/>
+                        <dgm:param type="endSty" val="noArr"/>
+                        <dgm:param type="begPts" val="bCtr"/>
+                        <dgm:param type="endPts" val="tCtr"/>
+                        <dgm:param type="bendPt" val="end"/>
+                      </dgm:alg>
+                      <dgm:shape xmlns:r="http://schemas.openxmlformats.org/officeDocument/2006/relationships" type="conn" r:blip="" zOrderOff="-99999">
+                        <dgm:adjLst/>
+                      </dgm:shape>
+                      <dgm:presOf axis="self"/>
+                      <dgm:constrLst>
+                        <dgm:constr type="begPad"/>
+                        <dgm:constr type="endPad"/>
+                      </dgm:constrLst>
+                      <dgm:ruleLst/>
+                    </dgm:layoutNode>
+                  </dgm:if>
+                  <dgm:if name="Name36" func="var" arg="hierBranch" op="equ" val="init">
+                    <dgm:layoutNode name="Name37">
+                      <dgm:choose name="Name38">
+                        <dgm:if name="Name39" axis="self" func="depth" op="lte" val="2">
+                          <dgm:alg type="conn">
+                            <dgm:param type="connRout" val="bend"/>
+                            <dgm:param type="dim" val="1D"/>
+                            <dgm:param type="endSty" val="noArr"/>
+                            <dgm:param type="begPts" val="bCtr"/>
+                            <dgm:param type="endPts" val="tCtr"/>
+                            <dgm:param type="bendPt" val="end"/>
+                          </dgm:alg>
+                        </dgm:if>
+                        <dgm:else name="Name40">
+                          <dgm:choose name="Name41">
+                            <dgm:if name="Name42" axis="par des" func="maxDepth" op="lte" val="1">
+                              <dgm:choose name="Name43">
+                                <dgm:if name="Name44" axis="par ch" ptType="node asst" func="cnt" op="gte" val="1">
+                                  <dgm:alg type="conn">
+                                    <dgm:param type="connRout" val="bend"/>
+                                    <dgm:param type="dim" val="1D"/>
+                                    <dgm:param type="endSty" val="noArr"/>
+                                    <dgm:param type="begPts" val="bCtr"/>
+                                    <dgm:param type="endPts" val="midL midR"/>
+                                  </dgm:alg>
+                                </dgm:if>
+                                <dgm:else name="Name45">
+                                  <dgm:alg type="conn">
+                                    <dgm:param type="connRout" val="bend"/>
+                                    <dgm:param type="dim" val="1D"/>
+                                    <dgm:param type="endSty" val="noArr"/>
+                                    <dgm:param type="begPts" val="bCtr"/>
+                                    <dgm:param type="endPts" val="midL midR"/>
+                                    <dgm:param type="srcNode" val="rootConnector"/>
+                                  </dgm:alg>
+                                </dgm:else>
+                              </dgm:choose>
+                            </dgm:if>
+                            <dgm:else name="Name46">
+                              <dgm:alg type="conn">
+                                <dgm:param type="connRout" val="bend"/>
+                                <dgm:param type="dim" val="1D"/>
+                                <dgm:param type="endSty" val="noArr"/>
+                                <dgm:param type="begPts" val="bCtr"/>
+                                <dgm:param type="endPts" val="tCtr"/>
+                                <dgm:param type="bendPt" val="end"/>
+                              </dgm:alg>
+                            </dgm:else>
+                          </dgm:choose>
+                        </dgm:else>
+                      </dgm:choose>
+                      <dgm:shape xmlns:r="http://schemas.openxmlformats.org/officeDocument/2006/relationships" type="conn" r:blip="" zOrderOff="-99999">
+                        <dgm:adjLst/>
+                      </dgm:shape>
+                      <dgm:presOf axis="self"/>
+                      <dgm:constrLst>
+                        <dgm:constr type="begPad"/>
+                        <dgm:constr type="endPad"/>
+                      </dgm:constrLst>
+                      <dgm:ruleLst/>
+                    </dgm:layoutNode>
+                  </dgm:if>
+                  <dgm:if name="Name47" func="var" arg="hierBranch" op="equ" val="hang">
+                    <dgm:layoutNode name="Name48">
+                      <dgm:alg type="conn">
+                        <dgm:param type="connRout" val="bend"/>
+                        <dgm:param type="dim" val="1D"/>
+                        <dgm:param type="endSty" val="noArr"/>
+                        <dgm:param type="begPts" val="bCtr"/>
+                        <dgm:param type="endPts" val="midL midR"/>
+                      </dgm:alg>
+                      <dgm:shape xmlns:r="http://schemas.openxmlformats.org/officeDocument/2006/relationships" type="conn" r:blip="" zOrderOff="-99999">
+                        <dgm:adjLst/>
+                      </dgm:shape>
+                      <dgm:presOf axis="self"/>
+                      <dgm:constrLst>
+                        <dgm:constr type="begPad"/>
+                        <dgm:constr type="endPad"/>
+                      </dgm:constrLst>
+                      <dgm:ruleLst/>
+                    </dgm:layoutNode>
+                  </dgm:if>
+                  <dgm:else name="Name49">
+                    <dgm:layoutNode name="Name50">
+                      <dgm:choose name="Name51">
+                        <dgm:if name="Name52" axis="self" func="depth" op="lte" val="2">
+                          <dgm:choose name="Name53">
+                            <dgm:if name="Name54" axis="par ch" ptType="node asst" func="cnt" op="gte" val="1">
+                              <dgm:alg type="conn">
+                                <dgm:param type="connRout" val="bend"/>
+                                <dgm:param type="dim" val="1D"/>
+                                <dgm:param type="endSty" val="noArr"/>
+                                <dgm:param type="begPts" val="bCtr"/>
+                                <dgm:param type="endPts" val="midL midR"/>
+                              </dgm:alg>
+                            </dgm:if>
+                            <dgm:else name="Name55">
+                              <dgm:alg type="conn">
+                                <dgm:param type="connRout" val="bend"/>
+                                <dgm:param type="dim" val="1D"/>
+                                <dgm:param type="endSty" val="noArr"/>
+                                <dgm:param type="begPts" val="bCtr"/>
+                                <dgm:param type="endPts" val="midL midR"/>
+                                <dgm:param type="srcNode" val="rootConnector1"/>
+                              </dgm:alg>
+                            </dgm:else>
+                          </dgm:choose>
+                        </dgm:if>
+                        <dgm:else name="Name56">
+                          <dgm:choose name="Name57">
+                            <dgm:if name="Name58" axis="par ch" ptType="node asst" func="cnt" op="gte" val="1">
+                              <dgm:alg type="conn">
+                                <dgm:param type="connRout" val="bend"/>
+                                <dgm:param type="dim" val="1D"/>
+                                <dgm:param type="endSty" val="noArr"/>
+                                <dgm:param type="begPts" val="bCtr"/>
+                                <dgm:param type="endPts" val="midL midR"/>
+                              </dgm:alg>
+                            </dgm:if>
+                            <dgm:else name="Name59">
+                              <dgm:alg type="conn">
+                                <dgm:param type="connRout" val="bend"/>
+                                <dgm:param type="dim" val="1D"/>
+                                <dgm:param type="endSty" val="noArr"/>
+                                <dgm:param type="begPts" val="bCtr"/>
+                                <dgm:param type="endPts" val="midL midR"/>
+                                <dgm:param type="srcNode" val="rootConnector"/>
+                              </dgm:alg>
+                            </dgm:else>
+                          </dgm:choose>
+                        </dgm:else>
+                      </dgm:choose>
+                      <dgm:shape xmlns:r="http://schemas.openxmlformats.org/officeDocument/2006/relationships" type="conn" r:blip="" zOrderOff="-99999">
+                        <dgm:adjLst/>
+                      </dgm:shape>
+                      <dgm:presOf axis="self"/>
+                      <dgm:constrLst>
+                        <dgm:constr type="begPad"/>
+                        <dgm:constr type="endPad"/>
+                      </dgm:constrLst>
+                      <dgm:ruleLst/>
+                    </dgm:layoutNode>
+                  </dgm:else>
+                </dgm:choose>
+              </dgm:forEach>
+              <dgm:layoutNode name="hierRoot2">
+                <dgm:varLst>
+                  <dgm:hierBranch val="init"/>
+                </dgm:varLst>
+                <dgm:choose name="Name60">
+                  <dgm:if name="Name61" func="var" arg="hierBranch" op="equ" val="l">
+                    <dgm:choose name="Name62">
+                      <dgm:if name="Name63" axis="ch" ptType="asst" func="cnt" op="gte" val="1">
+                        <dgm:alg type="hierRoot">
+                          <dgm:param type="hierAlign" val="tR"/>
+                        </dgm:alg>
+                        <dgm:shape xmlns:r="http://schemas.openxmlformats.org/officeDocument/2006/relationships" r:blip="">
+                          <dgm:adjLst/>
+                        </dgm:shape>
+                        <dgm:presOf/>
+                        <dgm:constrLst>
+                          <dgm:constr type="alignOff" val="0.65"/>
+                        </dgm:constrLst>
+                      </dgm:if>
+                      <dgm:else name="Name64">
+                        <dgm:alg type="hierRoot">
+                          <dgm:param type="hierAlign" val="tR"/>
+                        </dgm:alg>
+                        <dgm:shape xmlns:r="http://schemas.openxmlformats.org/officeDocument/2006/relationships" r:blip="">
+                          <dgm:adjLst/>
+                        </dgm:shape>
+                        <dgm:presOf/>
+                        <dgm:constrLst>
+                          <dgm:constr type="alignOff" val="0.25"/>
+                        </dgm:constrLst>
+                      </dgm:else>
+                    </dgm:choose>
+                  </dgm:if>
+                  <dgm:if name="Name65" func="var" arg="hierBranch" op="equ" val="r">
+                    <dgm:choose name="Name66">
+                      <dgm:if name="Name67" axis="ch" ptType="asst" func="cnt" op="gte" val="1">
+                        <dgm:alg type="hierRoot">
+                          <dgm:param type="hierAlign" val="tL"/>
+                        </dgm:alg>
+                        <dgm:shape xmlns:r="http://schemas.openxmlformats.org/officeDocument/2006/relationships" r:blip="">
+                          <dgm:adjLst/>
+                        </dgm:shape>
+                        <dgm:presOf/>
+                        <dgm:constrLst>
+                          <dgm:constr type="alignOff" val="0.65"/>
+                        </dgm:constrLst>
+                      </dgm:if>
+                      <dgm:else name="Name68">
+                        <dgm:alg type="hierRoot">
+                          <dgm:param type="hierAlign" val="tL"/>
+                        </dgm:alg>
+                        <dgm:shape xmlns:r="http://schemas.openxmlformats.org/officeDocument/2006/relationships" r:blip="">
+                          <dgm:adjLst/>
+                        </dgm:shape>
+                        <dgm:presOf/>
+                        <dgm:constrLst>
+                          <dgm:constr type="alignOff" val="0.25"/>
+                        </dgm:constrLst>
+                      </dgm:else>
+                    </dgm:choose>
+                  </dgm:if>
+                  <dgm:if name="Name69" func="var" arg="hierBranch" op="equ" val="std">
+                    <dgm:alg type="hierRoot"/>
+                    <dgm:shape xmlns:r="http://schemas.openxmlformats.org/officeDocument/2006/relationships" r:blip="">
+                      <dgm:adjLst/>
+                    </dgm:shape>
+                    <dgm:presOf/>
+                    <dgm:constrLst>
+                      <dgm:constr type="alignOff"/>
+                      <dgm:constr type="bendDist" for="des" ptType="parTrans" refType="sp" fact="0.5"/>
+                    </dgm:constrLst>
+                  </dgm:if>
+                  <dgm:if name="Name70" func="var" arg="hierBranch" op="equ" val="init">
+                    <dgm:choose name="Name71">
+                      <dgm:if name="Name72" axis="des" func="maxDepth" op="lte" val="1">
+                        <dgm:choose name="Name73">
+                          <dgm:if name="Name74" axis="ch" ptType="asst" func="cnt" op="gte" val="1">
+                            <dgm:alg type="hierRoot">
+                              <dgm:param type="hierAlign" val="tL"/>
+                            </dgm:alg>
+                            <dgm:shape xmlns:r="http://schemas.openxmlformats.org/officeDocument/2006/relationships" r:blip="">
+                              <dgm:adjLst/>
+                            </dgm:shape>
+                            <dgm:presOf/>
+                            <dgm:constrLst>
+                              <dgm:constr type="alignOff" val="0.65"/>
+                            </dgm:constrLst>
+                          </dgm:if>
+                          <dgm:else name="Name75">
+                            <dgm:alg type="hierRoot">
+                              <dgm:param type="hierAlign" val="tL"/>
+                            </dgm:alg>
+                            <dgm:shape xmlns:r="http://schemas.openxmlformats.org/officeDocument/2006/relationships" r:blip="">
+                              <dgm:adjLst/>
+                            </dgm:shape>
+                            <dgm:presOf/>
+                            <dgm:constrLst>
+                              <dgm:constr type="alignOff" val="0.25"/>
+                            </dgm:constrLst>
+                          </dgm:else>
+                        </dgm:choose>
+                      </dgm:if>
+                      <dgm:else name="Name76">
+                        <dgm:alg type="hierRoot"/>
+                        <dgm:shape xmlns:r="http://schemas.openxmlformats.org/officeDocument/2006/relationships" r:blip="">
+                          <dgm:adjLst/>
+                        </dgm:shape>
+                        <dgm:presOf/>
+                        <dgm:constrLst>
+                          <dgm:constr type="alignOff"/>
+                          <dgm:constr type="bendDist" for="des" ptType="parTrans" refType="sp" fact="0.5"/>
+                        </dgm:constrLst>
+                      </dgm:else>
+                    </dgm:choose>
+                  </dgm:if>
+                  <dgm:else name="Name77">
+                    <dgm:alg type="hierRoot"/>
+                    <dgm:shape xmlns:r="http://schemas.openxmlformats.org/officeDocument/2006/relationships" r:blip="">
+                      <dgm:adjLst/>
+                    </dgm:shape>
+                    <dgm:presOf/>
+                    <dgm:constrLst>
+                      <dgm:constr type="alignOff" val="0.65"/>
+                    </dgm:constrLst>
+                  </dgm:else>
+                </dgm:choose>
+                <dgm:ruleLst/>
+                <dgm:layoutNode name="rootComposite">
+                  <dgm:alg type="composite"/>
+                  <dgm:shape xmlns:r="http://schemas.openxmlformats.org/officeDocument/2006/relationships" r:blip="">
+                    <dgm:adjLst/>
+                  </dgm:shape>
+                  <dgm:presOf axis="self" ptType="node" cnt="1"/>
+                  <dgm:choose name="Name78">
+                    <dgm:if name="Name79" func="var" arg="hierBranch" op="equ" val="init">
+                      <dgm:constrLst>
+                        <dgm:constr type="l" for="ch" forName="rootText"/>
+                        <dgm:constr type="t" for="ch" forName="rootText"/>
+                        <dgm:constr type="w" for="ch" forName="rootText" refType="w"/>
+                        <dgm:constr type="h" for="ch" forName="rootText" refType="h"/>
+                        <dgm:constr type="l" for="ch" forName="rootConnector"/>
+                        <dgm:constr type="t" for="ch" forName="rootConnector"/>
+                        <dgm:constr type="w" for="ch" forName="rootConnector" refType="w" refFor="ch" refForName="rootText" fact="0.2"/>
+                        <dgm:constr type="h" for="ch" forName="rootConnector" refType="h" refFor="ch" refForName="rootText"/>
+                      </dgm:constrLst>
+                    </dgm:if>
+                    <dgm:if name="Name80" func="var" arg="hierBranch" op="equ" val="l">
+                      <dgm:constrLst>
+                        <dgm:constr type="l" for="ch" forName="rootText"/>
+                        <dgm:constr type="t" for="ch" forName="rootText"/>
+                        <dgm:constr type="w" for="ch" forName="rootText" refType="w"/>
+                        <dgm:constr type="h" for="ch" forName="rootText" refType="h"/>
+                        <dgm:constr type="r" for="ch" forName="rootConnector" refType="w"/>
+                        <dgm:constr type="t" for="ch" forName="rootConnector"/>
+                        <dgm:constr type="w" for="ch" forName="rootConnector" refType="w" refFor="ch" refForName="rootText" fact="0.2"/>
+                        <dgm:constr type="h" for="ch" forName="rootConnector" refType="h" refFor="ch" refForName="rootText"/>
+                      </dgm:constrLst>
+                    </dgm:if>
+                    <dgm:if name="Name81" func="var" arg="hierBranch" op="equ" val="r">
+                      <dgm:constrLst>
+                        <dgm:constr type="l" for="ch" forName="rootText"/>
+                        <dgm:constr type="t" for="ch" forName="rootText"/>
+                        <dgm:constr type="w" for="ch" forName="rootText" refType="w"/>
+                        <dgm:constr type="h" for="ch" forName="rootText" refType="h"/>
+                        <dgm:constr type="l" for="ch" forName="rootConnector"/>
+                        <dgm:constr type="t" for="ch" forName="rootConnector"/>
+                        <dgm:constr type="w" for="ch" forName="rootConnector" refType="w" refFor="ch" refForName="rootText" fact="0.2"/>
+                        <dgm:constr type="h" for="ch" forName="rootConnector" refType="h" refFor="ch" refForName="rootText"/>
+                      </dgm:constrLst>
+                    </dgm:if>
+                    <dgm:else name="Name82">
+                      <dgm:constrLst>
+                        <dgm:constr type="l" for="ch" forName="rootText"/>
+                        <dgm:constr type="t" for="ch" forName="rootText"/>
+                        <dgm:constr type="w" for="ch" forName="rootText" refType="w"/>
+                        <dgm:constr type="h" for="ch" forName="rootText" refType="h"/>
+                        <dgm:constr type="r" for="ch" forName="rootConnector" refType="w"/>
+                        <dgm:constr type="t" for="ch" forName="rootConnector"/>
+                        <dgm:constr type="w" for="ch" forName="rootConnector" refType="w" refFor="ch" refForName="rootText" fact="0.2"/>
+                        <dgm:constr type="h" for="ch" forName="rootConnector" refType="h" refFor="ch" refForName="rootText"/>
+                      </dgm:constrLst>
+                    </dgm:else>
+                  </dgm:choose>
+                  <dgm:ruleLst/>
+                  <dgm:layoutNode name="rootText">
+                    <dgm:varLst>
+                      <dgm:chPref val="3"/>
+                    </dgm:varLst>
+                    <dgm:alg type="tx"/>
+                    <dgm:shape xmlns:r="http://schemas.openxmlformats.org/officeDocument/2006/relationships" type="rect" r:blip="">
+                      <dgm:adjLst/>
+                    </dgm:shape>
+                    <dgm:presOf axis="self" ptType="node" cnt="1"/>
+                    <dgm:constrLst>
+                      <dgm:constr type="primFontSz" val="65"/>
+                      <dgm:constr type="lMarg" refType="primFontSz" fact="0.05"/>
+                      <dgm:constr type="rMarg" refType="primFontSz" fact="0.05"/>
+                      <dgm:constr type="tMarg" refType="primFontSz" fact="0.05"/>
+                      <dgm:constr type="bMarg" refType="primFontSz" fact="0.05"/>
+                    </dgm:constrLst>
+                    <dgm:ruleLst>
+                      <dgm:rule type="primFontSz" val="5" fact="NaN" max="NaN"/>
+                    </dgm:ruleLst>
+                  </dgm:layoutNode>
+                  <dgm:layoutNode name="rootConnector" moveWith="rootText">
+                    <dgm:alg type="sp"/>
+                    <dgm:shape xmlns:r="http://schemas.openxmlformats.org/officeDocument/2006/relationships" type="rect" r:blip="" hideGeom="1">
+                      <dgm:adjLst/>
+                    </dgm:shape>
+                    <dgm:presOf axis="self" ptType="node" cnt="1"/>
+                    <dgm:constrLst/>
+                    <dgm:ruleLst/>
+                  </dgm:layoutNode>
+                </dgm:layoutNode>
+                <dgm:layoutNode name="hierChild4">
+                  <dgm:choose name="Name83">
+                    <dgm:if name="Name84" func="var" arg="hierBranch" op="equ" val="l">
+                      <dgm:alg type="hierChild">
+                        <dgm:param type="chAlign" val="r"/>
+                        <dgm:param type="linDir" val="fromT"/>
+                      </dgm:alg>
+                    </dgm:if>
+                    <dgm:if name="Name85" func="var" arg="hierBranch" op="equ" val="r">
+                      <dgm:alg type="hierChild">
+                        <dgm:param type="chAlign" val="l"/>
+                        <dgm:param type="linDir" val="fromT"/>
+                      </dgm:alg>
+                    </dgm:if>
+                    <dgm:if name="Name86" func="var" arg="hierBranch" op="equ" val="hang">
+                      <dgm:choose name="Name87">
+                        <dgm:if name="Name88" func="var" arg="dir" op="equ" val="norm">
+                          <dgm:alg type="hierChild">
+                            <dgm:param type="chAlign" val="l"/>
+                            <dgm:param type="linDir" val="fromL"/>
+                            <dgm:param type="secChAlign" val="t"/>
+                            <dgm:param type="secLinDir" val="fromT"/>
+                          </dgm:alg>
+                        </dgm:if>
+                        <dgm:else name="Name89">
+                          <dgm:alg type="hierChild">
+                            <dgm:param type="chAlign" val="l"/>
+                            <dgm:param type="linDir" val="fromR"/>
+                            <dgm:param type="secChAlign" val="t"/>
+                            <dgm:param type="secLinDir" val="fromT"/>
+                          </dgm:alg>
+                        </dgm:else>
+                      </dgm:choose>
+                    </dgm:if>
+                    <dgm:if name="Name90" func="var" arg="hierBranch" op="equ" val="std">
+                      <dgm:choose name="Name91">
+                        <dgm:if name="Name92" func="var" arg="dir" op="equ" val="norm">
+                          <dgm:alg type="hierChild"/>
+                        </dgm:if>
+                        <dgm:else name="Name93">
+                          <dgm:alg type="hierChild">
+                            <dgm:param type="linDir" val="fromR"/>
+                          </dgm:alg>
+                        </dgm:else>
+                      </dgm:choose>
+                    </dgm:if>
+                    <dgm:if name="Name94" func="var" arg="hierBranch" op="equ" val="init">
+                      <dgm:choose name="Name95">
+                        <dgm:if name="Name96" axis="des" func="maxDepth" op="lte" val="1">
+                          <dgm:alg type="hierChild">
+                            <dgm:param type="chAlign" val="l"/>
+                            <dgm:param type="linDir" val="fromT"/>
+                          </dgm:alg>
+                        </dgm:if>
+                        <dgm:else name="Name97">
+                          <dgm:choose name="Name98">
+                            <dgm:if name="Name99" func="var" arg="dir" op="equ" val="norm">
+                              <dgm:alg type="hierChild"/>
+                            </dgm:if>
+                            <dgm:else name="Name100">
+                              <dgm:alg type="hierChild">
+                                <dgm:param type="linDir" val="fromR"/>
+                              </dgm:alg>
+                            </dgm:else>
+                          </dgm:choose>
+                        </dgm:else>
+                      </dgm:choose>
+                    </dgm:if>
+                    <dgm:else name="Name101"/>
+                  </dgm:choose>
+                  <dgm:shape xmlns:r="http://schemas.openxmlformats.org/officeDocument/2006/relationships" r:blip="">
+                    <dgm:adjLst/>
+                  </dgm:shape>
+                  <dgm:presOf/>
+                  <dgm:constrLst/>
+                  <dgm:ruleLst/>
+                  <dgm:forEach name="Name102" ref="rep2a"/>
+                </dgm:layoutNode>
+                <dgm:layoutNode name="hierChild5">
+                  <dgm:choose name="Name103">
+                    <dgm:if name="Name104" func="var" arg="dir" op="equ" val="norm">
+                      <dgm:alg type="hierChild">
+                        <dgm:param type="chAlign" val="l"/>
+                        <dgm:param type="linDir" val="fromL"/>
+                        <dgm:param type="secChAlign" val="t"/>
+                        <dgm:param type="secLinDir" val="fromT"/>
+                      </dgm:alg>
+                    </dgm:if>
+                    <dgm:else name="Name105">
+                      <dgm:alg type="hierChild">
+                        <dgm:param type="chAlign" val="l"/>
+                        <dgm:param type="linDir" val="fromR"/>
+                        <dgm:param type="secChAlign" val="t"/>
+                        <dgm:param type="secLinDir" val="fromT"/>
+                      </dgm:alg>
+                    </dgm:else>
+                  </dgm:choose>
+                  <dgm:shape xmlns:r="http://schemas.openxmlformats.org/officeDocument/2006/relationships" r:blip="">
+                    <dgm:adjLst/>
+                  </dgm:shape>
+                  <dgm:presOf/>
+                  <dgm:constrLst/>
+                  <dgm:ruleLst/>
+                  <dgm:forEach name="Name106" ref="rep2b"/>
+                </dgm:layoutNode>
+              </dgm:layoutNode>
+            </dgm:forEach>
+          </dgm:layoutNode>
+          <dgm:layoutNode name="hierChild3">
+            <dgm:choose name="Name107">
+              <dgm:if name="Name108" func="var" arg="dir" op="equ" val="norm">
+                <dgm:alg type="hierChild">
+                  <dgm:param type="chAlign" val="l"/>
+                  <dgm:param type="linDir" val="fromL"/>
+                  <dgm:param type="secChAlign" val="t"/>
+                  <dgm:param type="secLinDir" val="fromT"/>
+                </dgm:alg>
+              </dgm:if>
+              <dgm:else name="Name109">
+                <dgm:alg type="hierChild">
+                  <dgm:param type="chAlign" val="l"/>
+                  <dgm:param type="linDir" val="fromR"/>
+                  <dgm:param type="secChAlign" val="t"/>
+                  <dgm:param type="secLinDir" val="fromT"/>
+                </dgm:alg>
+              </dgm:else>
+            </dgm:choose>
+            <dgm:shape xmlns:r="http://schemas.openxmlformats.org/officeDocument/2006/relationships" r:blip="">
+              <dgm:adjLst/>
+            </dgm:shape>
+            <dgm:presOf/>
+            <dgm:constrLst/>
+            <dgm:ruleLst/>
+            <dgm:forEach name="rep2b" axis="ch" ptType="asst">
+              <dgm:forEach name="Name110" axis="precedSib" ptType="parTrans" st="-1" cnt="1">
+                <dgm:layoutNode name="Name111">
+                  <dgm:alg type="conn">
+                    <dgm:param type="connRout" val="bend"/>
+                    <dgm:param type="dim" val="1D"/>
+                    <dgm:param type="endSty" val="noArr"/>
+                    <dgm:param type="begPts" val="bCtr"/>
+                    <dgm:param type="endPts" val="midL midR"/>
+                  </dgm:alg>
+                  <dgm:shape xmlns:r="http://schemas.openxmlformats.org/officeDocument/2006/relationships" type="conn" r:blip="" zOrderOff="-99999">
+                    <dgm:adjLst/>
+                  </dgm:shape>
+                  <dgm:presOf axis="self"/>
+                  <dgm:constrLst>
+                    <dgm:constr type="begPad"/>
+                    <dgm:constr type="endPad"/>
+                  </dgm:constrLst>
+                  <dgm:ruleLst/>
+                </dgm:layoutNode>
+              </dgm:forEach>
+              <dgm:layoutNode name="hierRoot3">
+                <dgm:varLst>
+                  <dgm:hierBranch val="init"/>
+                </dgm:varLst>
+                <dgm:choose name="Name112">
+                  <dgm:if name="Name113" func="var" arg="hierBranch" op="equ" val="l">
+                    <dgm:alg type="hierRoot">
+                      <dgm:param type="hierAlign" val="tR"/>
+                    </dgm:alg>
+                    <dgm:shape xmlns:r="http://schemas.openxmlformats.org/officeDocument/2006/relationships" r:blip="">
+                      <dgm:adjLst/>
+                    </dgm:shape>
+                    <dgm:presOf/>
+                    <dgm:constrLst>
+                      <dgm:constr type="alignOff" val="0.65"/>
+                    </dgm:constrLst>
+                  </dgm:if>
+                  <dgm:if name="Name114" func="var" arg="hierBranch" op="equ" val="r">
+                    <dgm:alg type="hierRoot">
+                      <dgm:param type="hierAlign" val="tL"/>
+                    </dgm:alg>
+                    <dgm:shape xmlns:r="http://schemas.openxmlformats.org/officeDocument/2006/relationships" r:blip="">
+                      <dgm:adjLst/>
+                    </dgm:shape>
+                    <dgm:presOf/>
+                    <dgm:constrLst>
+                      <dgm:constr type="alignOff" val="0.65"/>
+                    </dgm:constrLst>
+                  </dgm:if>
+                  <dgm:if name="Name115" func="var" arg="hierBranch" op="equ" val="hang">
+                    <dgm:alg type="hierRoot"/>
+                    <dgm:shape xmlns:r="http://schemas.openxmlformats.org/officeDocument/2006/relationships" r:blip="">
+                      <dgm:adjLst/>
+                    </dgm:shape>
+                    <dgm:presOf/>
+                    <dgm:constrLst>
+                      <dgm:constr type="alignOff" val="0.65"/>
+                    </dgm:constrLst>
+                  </dgm:if>
+                  <dgm:if name="Name116" func="var" arg="hierBranch" op="equ" val="std">
+                    <dgm:alg type="hierRoot"/>
+                    <dgm:shape xmlns:r="http://schemas.openxmlformats.org/officeDocument/2006/relationships" r:blip="">
+                      <dgm:adjLst/>
+                    </dgm:shape>
+                    <dgm:presOf/>
+                    <dgm:constrLst>
+                      <dgm:constr type="alignOff"/>
+                      <dgm:constr type="bendDist" for="des" ptType="parTrans" refType="sp" fact="0.5"/>
+                    </dgm:constrLst>
+                  </dgm:if>
+                  <dgm:if name="Name117" func="var" arg="hierBranch" op="equ" val="init">
+                    <dgm:choose name="Name118">
+                      <dgm:if name="Name119" axis="des" func="maxDepth" op="lte" val="1">
+                        <dgm:alg type="hierRoot">
+                          <dgm:param type="hierAlign" val="tL"/>
+                        </dgm:alg>
+                        <dgm:shape xmlns:r="http://schemas.openxmlformats.org/officeDocument/2006/relationships" r:blip="">
+                          <dgm:adjLst/>
+                        </dgm:shape>
+                        <dgm:presOf/>
+                        <dgm:constrLst>
+                          <dgm:constr type="alignOff" val="0.65"/>
+                        </dgm:constrLst>
+                      </dgm:if>
+                      <dgm:else name="Name120">
+                        <dgm:alg type="hierRoot"/>
+                        <dgm:shape xmlns:r="http://schemas.openxmlformats.org/officeDocument/2006/relationships" r:blip="">
+                          <dgm:adjLst/>
+                        </dgm:shape>
+                        <dgm:presOf/>
+                        <dgm:constrLst>
+                          <dgm:constr type="alignOff"/>
+                          <dgm:constr type="bendDist" for="des" ptType="parTrans" refType="sp" fact="0.5"/>
+                        </dgm:constrLst>
+                      </dgm:else>
+                    </dgm:choose>
+                  </dgm:if>
+                  <dgm:else name="Name121"/>
+                </dgm:choose>
+                <dgm:ruleLst/>
+                <dgm:layoutNode name="rootComposite3">
+                  <dgm:alg type="composite"/>
+                  <dgm:shape xmlns:r="http://schemas.openxmlformats.org/officeDocument/2006/relationships" r:blip="">
+                    <dgm:adjLst/>
+                  </dgm:shape>
+                  <dgm:presOf axis="self" ptType="node" cnt="1"/>
+                  <dgm:choose name="Name122">
+                    <dgm:if name="Name123" func="var" arg="hierBranch" op="equ" val="init">
+                      <dgm:constrLst>
+                        <dgm:constr type="l" for="ch" forName="rootText3"/>
+                        <dgm:constr type="t" for="ch" forName="rootText3"/>
+                        <dgm:constr type="w" for="ch" forName="rootText3" refType="w"/>
+                        <dgm:constr type="h" for="ch" forName="rootText3" refType="h"/>
+                        <dgm:constr type="l" for="ch" forName="rootConnector3"/>
+                        <dgm:constr type="t" for="ch" forName="rootConnector3"/>
+                        <dgm:constr type="w" for="ch" forName="rootConnector3" refType="w" refFor="ch" refForName="rootText3" fact="0.2"/>
+                        <dgm:constr type="h" for="ch" forName="rootConnector3" refType="h" refFor="ch" refForName="rootText3"/>
+                      </dgm:constrLst>
+                    </dgm:if>
+                    <dgm:if name="Name124" func="var" arg="hierBranch" op="equ" val="l">
+                      <dgm:constrLst>
+                        <dgm:constr type="l" for="ch" forName="rootText3"/>
+                        <dgm:constr type="t" for="ch" forName="rootText3"/>
+                        <dgm:constr type="w" for="ch" forName="rootText3" refType="w"/>
+                        <dgm:constr type="h" for="ch" forName="rootText3" refType="h"/>
+                        <dgm:constr type="r" for="ch" forName="rootConnector3" refType="w"/>
+                        <dgm:constr type="t" for="ch" forName="rootConnector3"/>
+                        <dgm:constr type="w" for="ch" forName="rootConnector3" refType="w" refFor="ch" refForName="rootText3" fact="0.2"/>
+                        <dgm:constr type="h" for="ch" forName="rootConnector3" refType="h" refFor="ch" refForName="rootText3"/>
+                      </dgm:constrLst>
+                    </dgm:if>
+                    <dgm:if name="Name125" func="var" arg="hierBranch" op="equ" val="r">
+                      <dgm:constrLst>
+                        <dgm:constr type="l" for="ch" forName="rootText3"/>
+                        <dgm:constr type="t" for="ch" forName="rootText3"/>
+                        <dgm:constr type="w" for="ch" forName="rootText3" refType="w"/>
+                        <dgm:constr type="h" for="ch" forName="rootText3" refType="h"/>
+                        <dgm:constr type="l" for="ch" forName="rootConnector3"/>
+                        <dgm:constr type="t" for="ch" forName="rootConnector3"/>
+                        <dgm:constr type="w" for="ch" forName="rootConnector3" refType="w" refFor="ch" refForName="rootText3" fact="0.2"/>
+                        <dgm:constr type="h" for="ch" forName="rootConnector3" refType="h" refFor="ch" refForName="rootText3"/>
+                      </dgm:constrLst>
+                    </dgm:if>
+                    <dgm:else name="Name126">
+                      <dgm:constrLst>
+                        <dgm:constr type="l" for="ch" forName="rootText3"/>
+                        <dgm:constr type="t" for="ch" forName="rootText3"/>
+                        <dgm:constr type="w" for="ch" forName="rootText3" refType="w"/>
+                        <dgm:constr type="h" for="ch" forName="rootText3" refType="h"/>
+                        <dgm:constr type="r" for="ch" forName="rootConnector3" refType="w"/>
+                        <dgm:constr type="t" for="ch" forName="rootConnector3"/>
+                        <dgm:constr type="w" for="ch" forName="rootConnector3" refType="w" refFor="ch" refForName="rootText3" fact="0.2"/>
+                        <dgm:constr type="h" for="ch" forName="rootConnector3" refType="h" refFor="ch" refForName="rootText3"/>
+                      </dgm:constrLst>
+                    </dgm:else>
+                  </dgm:choose>
+                  <dgm:ruleLst/>
+                  <dgm:layoutNode name="rootText3">
+                    <dgm:varLst>
+                      <dgm:chPref val="3"/>
+                    </dgm:varLst>
+                    <dgm:alg type="tx"/>
+                    <dgm:shape xmlns:r="http://schemas.openxmlformats.org/officeDocument/2006/relationships" type="rect" r:blip="">
+                      <dgm:adjLst/>
+                    </dgm:shape>
+                    <dgm:presOf axis="self" ptType="node" cnt="1"/>
+                    <dgm:constrLst>
+                      <dgm:constr type="primFontSz" val="65"/>
+                      <dgm:constr type="lMarg" refType="primFontSz" fact="0.05"/>
+                      <dgm:constr type="rMarg" refType="primFontSz" fact="0.05"/>
+                      <dgm:constr type="tMarg" refType="primFontSz" fact="0.05"/>
+                      <dgm:constr type="bMarg" refType="primFontSz" fact="0.05"/>
+                    </dgm:constrLst>
+                    <dgm:ruleLst>
+                      <dgm:rule type="primFontSz" val="5" fact="NaN" max="NaN"/>
+                    </dgm:ruleLst>
+                  </dgm:layoutNode>
+                  <dgm:layoutNode name="rootConnector3" moveWith="rootText1">
+                    <dgm:alg type="sp"/>
+                    <dgm:shape xmlns:r="http://schemas.openxmlformats.org/officeDocument/2006/relationships" type="rect" r:blip="" hideGeom="1">
+                      <dgm:adjLst/>
+                    </dgm:shape>
+                    <dgm:presOf axis="self" ptType="node" cnt="1"/>
+                    <dgm:constrLst/>
+                    <dgm:ruleLst/>
+                  </dgm:layoutNode>
+                </dgm:layoutNode>
+                <dgm:layoutNode name="hierChild6">
+                  <dgm:choose name="Name127">
+                    <dgm:if name="Name128" func="var" arg="hierBranch" op="equ" val="l">
+                      <dgm:alg type="hierChild">
+                        <dgm:param type="chAlign" val="r"/>
+                        <dgm:param type="linDir" val="fromT"/>
+                      </dgm:alg>
+                    </dgm:if>
+                    <dgm:if name="Name129" func="var" arg="hierBranch" op="equ" val="r">
+                      <dgm:alg type="hierChild">
+                        <dgm:param type="chAlign" val="l"/>
+                        <dgm:param type="linDir" val="fromT"/>
+                      </dgm:alg>
+                    </dgm:if>
+                    <dgm:if name="Name130" func="var" arg="hierBranch" op="equ" val="hang">
+                      <dgm:choose name="Name131">
+                        <dgm:if name="Name132" func="var" arg="dir" op="equ" val="norm">
+                          <dgm:alg type="hierChild">
+                            <dgm:param type="chAlign" val="l"/>
+                            <dgm:param type="linDir" val="fromL"/>
+                            <dgm:param type="secChAlign" val="t"/>
+                            <dgm:param type="secLinDir" val="fromT"/>
+                          </dgm:alg>
+                        </dgm:if>
+                        <dgm:else name="Name133">
+                          <dgm:alg type="hierChild">
+                            <dgm:param type="chAlign" val="l"/>
+                            <dgm:param type="linDir" val="fromR"/>
+                            <dgm:param type="secChAlign" val="t"/>
+                            <dgm:param type="secLinDir" val="fromT"/>
+                          </dgm:alg>
+                        </dgm:else>
+                      </dgm:choose>
+                    </dgm:if>
+                    <dgm:if name="Name134" func="var" arg="hierBranch" op="equ" val="std">
+                      <dgm:choose name="Name135">
+                        <dgm:if name="Name136" func="var" arg="dir" op="equ" val="norm">
+                          <dgm:alg type="hierChild"/>
+                        </dgm:if>
+                        <dgm:else name="Name137">
+                          <dgm:alg type="hierChild">
+                            <dgm:param type="linDir" val="fromR"/>
+                          </dgm:alg>
+                        </dgm:else>
+                      </dgm:choose>
+                    </dgm:if>
+                    <dgm:if name="Name138" func="var" arg="hierBranch" op="equ" val="init">
+                      <dgm:choose name="Name139">
+                        <dgm:if name="Name140" axis="des" func="maxDepth" op="lte" val="1">
+                          <dgm:alg type="hierChild">
+                            <dgm:param type="chAlign" val="l"/>
+                            <dgm:param type="linDir" val="fromT"/>
+                          </dgm:alg>
+                        </dgm:if>
+                        <dgm:else name="Name141">
+                          <dgm:alg type="hierChild"/>
+                        </dgm:else>
+                      </dgm:choose>
+                    </dgm:if>
+                    <dgm:else name="Name142"/>
+                  </dgm:choose>
+                  <dgm:shape xmlns:r="http://schemas.openxmlformats.org/officeDocument/2006/relationships" r:blip="">
+                    <dgm:adjLst/>
+                  </dgm:shape>
+                  <dgm:presOf/>
+                  <dgm:constrLst/>
+                  <dgm:ruleLst/>
+                  <dgm:forEach name="Name143" ref="rep2a"/>
+                </dgm:layoutNode>
+                <dgm:layoutNode name="hierChild7">
+                  <dgm:choose name="Name144">
+                    <dgm:if name="Name145" func="var" arg="dir" op="equ" val="norm">
+                      <dgm:alg type="hierChild">
+                        <dgm:param type="chAlign" val="l"/>
+                        <dgm:param type="linDir" val="fromL"/>
+                        <dgm:param type="secChAlign" val="t"/>
+                        <dgm:param type="secLinDir" val="fromT"/>
+                      </dgm:alg>
+                    </dgm:if>
+                    <dgm:else name="Name146">
+                      <dgm:alg type="hierChild">
+                        <dgm:param type="chAlign" val="l"/>
+                        <dgm:param type="linDir" val="fromR"/>
+                        <dgm:param type="secChAlign" val="t"/>
+                        <dgm:param type="secLinDir" val="fromT"/>
+                      </dgm:alg>
+                    </dgm:else>
+                  </dgm:choose>
+                  <dgm:shape xmlns:r="http://schemas.openxmlformats.org/officeDocument/2006/relationships" r:blip="">
+                    <dgm:adjLst/>
+                  </dgm:shape>
+                  <dgm:presOf/>
+                  <dgm:constrLst/>
+                  <dgm:ruleLst/>
+                  <dgm:forEach name="Name147" ref="rep2b"/>
+                </dgm:layoutNode>
+              </dgm:layoutNode>
+            </dgm:forEach>
+          </dgm:layoutNode>
+        </dgm:layoutNode>
+      </dgm:forEach>
+    </dgm:forEach>
+  </dgm:layoutNode>
+</dgm:layoutDef>
+</file>
+
 <file path=ppt/diagrams/quickStyle1.xml><?xml version="1.0" encoding="utf-8"?>
+<dgm:styleDef xmlns:dgm="http://schemas.openxmlformats.org/drawingml/2006/diagram" xmlns:a="http://schemas.openxmlformats.org/drawingml/2006/main" uniqueId="urn:microsoft.com/office/officeart/2005/8/quickstyle/simple1">
+  <dgm:title val=""/>
+  <dgm:desc val=""/>
+  <dgm:catLst>
+    <dgm:cat type="simple" pri="10100"/>
+  </dgm:catLst>
+  <dgm:scene3d>
+    <a:camera prst="orthographicFront"/>
+    <a:lightRig rig="threePt" dir="t"/>
+  </dgm:scene3d>
+  <dgm:styleLbl name="node0">
+    <dgm:scene3d>
+      <a:camera prst="orthographicFront"/>
+      <a:lightRig rig="threePt" dir="t"/>
+    </dgm:scene3d>
+    <dgm:sp3d/>
+    <dgm:txPr/>
+    <dgm:style>
+      <a:lnRef idx="2">
+        <a:scrgbClr r="0" g="0" b="0"/>
+      </a:lnRef>
+      <a:fillRef idx="1">
+        <a:scrgbClr r="0" g="0" b="0"/>
+      </a:fillRef>
+      <a:effectRef idx="0">
+        <a:scrgbClr r="0" g="0" b="0"/>
+      </a:effectRef>
+      <a:fontRef idx="minor">
+        <a:schemeClr val="lt1"/>
+      </a:fontRef>
+    </dgm:style>
+  </dgm:styleLbl>
+  <dgm:styleLbl name="lnNode1">
+    <dgm:scene3d>
+      <a:camera prst="orthographicFront"/>
+      <a:lightRig rig="threePt" dir="t"/>
+    </dgm:scene3d>
+    <dgm:sp3d/>
+    <dgm:txPr/>
+    <dgm:style>
+      <a:lnRef idx="2">
+        <a:scrgbClr r="0" g="0" b="0"/>
+      </a:lnRef>
+      <a:fillRef idx="1">
+        <a:scrgbClr r="0" g="0" b="0"/>
+      </a:fillRef>
+      <a:effectRef idx="0">
+        <a:scrgbClr r="0" g="0" b="0"/>
+      </a:effectRef>
+      <a:fontRef idx="minor">
+        <a:schemeClr val="lt1"/>
+      </a:fontRef>
+    </dgm:style>
+  </dgm:styleLbl>
+  <dgm:styleLbl name="vennNode1">
+    <dgm:scene3d>
+      <a:camera prst="orthographicFront"/>
+      <a:lightRig rig="threePt" dir="t"/>
+    </dgm:scene3d>
+    <dgm:sp3d/>
+    <dgm:txPr/>
+    <dgm:style>
+      <a:lnRef idx="2">
+        <a:scrgbClr r="0" g="0" b="0"/>
+      </a:lnRef>
+      <a:fillRef idx="1">
+        <a:scrgbClr r="0" g="0" b="0"/>
+      </a:fillRef>
+      <a:effectRef idx="0">
+        <a:scrgbClr r="0" g="0" b="0"/>
+      </a:effectRef>
+      <a:fontRef idx="minor">
+        <a:schemeClr val="tx1"/>
+      </a:fontRef>
+    </dgm:style>
+  </dgm:styleLbl>
+  <dgm:styleLbl name="alignNode1">
+    <dgm:scene3d>
+      <a:camera prst="orthographicFront"/>
+      <a:lightRig rig="threePt" dir="t"/>
+    </dgm:scene3d>
+    <dgm:sp3d/>
+    <dgm:txPr/>
+    <dgm:style>
+      <a:lnRef idx="2">
+        <a:scrgbClr r="0" g="0" b="0"/>
+      </a:lnRef>
+      <a:fillRef idx="1">
+        <a:scrgbClr r="0" g="0" b="0"/>
+      </a:fillRef>
+      <a:effectRef idx="0">
+        <a:scrgbClr r="0" g="0" b="0"/>
+      </a:effectRef>
+      <a:fontRef idx="minor">
+        <a:schemeClr val="lt1"/>
+      </a:fontRef>
+    </dgm:style>
+  </dgm:styleLbl>
+  <dgm:styleLbl name="node1">
+    <dgm:scene3d>
+      <a:camera prst="orthographicFront"/>
+      <a:lightRig rig="threePt" dir="t"/>
+    </dgm:scene3d>
+    <dgm:sp3d/>
+    <dgm:txPr/>
+    <dgm:style>
+      <a:lnRef idx="2">
+        <a:scrgbClr r="0" g="0" b="0"/>
+      </a:lnRef>
+      <a:fillRef idx="1">
+        <a:scrgbClr r="0" g="0" b="0"/>
+      </a:fillRef>
+      <a:effectRef idx="0">
+        <a:scrgbClr r="0" g="0" b="0"/>
+      </a:effectRef>
+      <a:fontRef idx="minor">
+        <a:schemeClr val="lt1"/>
+      </a:fontRef>
+    </dgm:style>
+  </dgm:styleLbl>
+  <dgm:styleLbl name="node2">
+    <dgm:scene3d>
+      <a:camera prst="orthographicFront"/>
+      <a:lightRig rig="threePt" dir="t"/>
+    </dgm:scene3d>
+    <dgm:sp3d/>
+    <dgm:txPr/>
+    <dgm:style>
+      <a:lnRef idx="2">
+        <a:scrgbClr r="0" g="0" b="0"/>
+      </a:lnRef>
+      <a:fillRef idx="1">
+        <a:scrgbClr r="0" g="0" b="0"/>
+      </a:fillRef>
+      <a:effectRef idx="0">
+        <a:scrgbClr r="0" g="0" b="0"/>
+      </a:effectRef>
+      <a:fontRef idx="minor">
+        <a:schemeClr val="lt1"/>
+      </a:fontRef>
+    </dgm:style>
+  </dgm:styleLbl>
+  <dgm:styleLbl name="node3">
+    <dgm:scene3d>
+      <a:camera prst="orthographicFront"/>
+      <a:lightRig rig="threePt" dir="t"/>
+    </dgm:scene3d>
+    <dgm:sp3d/>
+    <dgm:txPr/>
+    <dgm:style>
+      <a:lnRef idx="2">
+        <a:scrgbClr r="0" g="0" b="0"/>
+      </a:lnRef>
+      <a:fillRef idx="1">
+        <a:scrgbClr r="0" g="0" b="0"/>
+      </a:fillRef>
+      <a:effectRef idx="0">
+        <a:scrgbClr r="0" g="0" b="0"/>
+      </a:effectRef>
+      <a:fontRef idx="minor">
+        <a:schemeClr val="lt1"/>
+      </a:fontRef>
+    </dgm:style>
+  </dgm:styleLbl>
+  <dgm:styleLbl name="node4">
+    <dgm:scene3d>
+      <a:camera prst="orthographicFront"/>
+      <a:lightRig rig="threePt" dir="t"/>
+    </dgm:scene3d>
+    <dgm:sp3d/>
+    <dgm:txPr/>
+    <dgm:style>
+      <a:lnRef idx="2">
+        <a:scrgbClr r="0" g="0" b="0"/>
+      </a:lnRef>
+      <a:fillRef idx="1">
+        <a:scrgbClr r="0" g="0" b="0"/>
+      </a:fillRef>
+      <a:effectRef idx="0">
+        <a:scrgbClr r="0" g="0" b="0"/>
+      </a:effectRef>
+      <a:fontRef idx="minor">
+        <a:schemeClr val="lt1"/>
+      </a:fontRef>
+    </dgm:style>
+  </dgm:styleLbl>
+  <dgm:styleLbl name="fgImgPlace1">
+    <dgm:scene3d>
+      <a:camera prst="orthographicFront"/>
+      <a:lightRig rig="threePt" dir="t"/>
+    </dgm:scene3d>
+    <dgm:sp3d/>
+    <dgm:txPr/>
+    <dgm:style>
+      <a:lnRef idx="2">
+        <a:scrgbClr r="0" g="0" b="0"/>
+      </a:lnRef>
+      <a:fillRef idx="1">
+        <a:scrgbClr r="0" g="0" b="0"/>
+      </a:fillRef>
+      <a:effectRef idx="0">
+        <a:scrgbClr r="0" g="0" b="0"/>
+      </a:effectRef>
+      <a:fontRef idx="minor"/>
+    </dgm:style>
+  </dgm:styleLbl>
+  <dgm:styleLbl name="alignImgPlace1">
+    <dgm:scene3d>
+      <a:camera prst="orthographicFront"/>
+      <a:lightRig rig="threePt" dir="t"/>
+    </dgm:scene3d>
+    <dgm:sp3d/>
+    <dgm:txPr/>
+    <dgm:style>
+      <a:lnRef idx="2">
+        <a:scrgbClr r="0" g="0" b="0"/>
+      </a:lnRef>
+      <a:fillRef idx="1">
+        <a:scrgbClr r="0" g="0" b="0"/>
+      </a:fillRef>
+      <a:effectRef idx="0">
+        <a:scrgbClr r="0" g="0" b="0"/>
+      </a:effectRef>
+      <a:fontRef idx="minor"/>
+    </dgm:style>
+  </dgm:styleLbl>
+  <dgm:styleLbl name="bgImgPlace1">
+    <dgm:scene3d>
+      <a:camera prst="orthographicFront"/>
+      <a:lightRig rig="threePt" dir="t"/>
+    </dgm:scene3d>
+    <dgm:sp3d/>
+    <dgm:txPr/>
+    <dgm:style>
+      <a:lnRef idx="2">
+        <a:scrgbClr r="0" g="0" b="0"/>
+      </a:lnRef>
+      <a:fillRef idx="1">
+        <a:scrgbClr r="0" g="0" b="0"/>
+      </a:fillRef>
+      <a:effectRef idx="0">
+        <a:scrgbClr r="0" g="0" b="0"/>
+      </a:effectRef>
+      <a:fontRef idx="minor"/>
+    </dgm:style>
+  </dgm:styleLbl>
+  <dgm:styleLbl name="sibTrans2D1">
+    <dgm:scene3d>
+      <a:camera prst="orthographicFront"/>
+      <a:lightRig rig="threePt" dir="t"/>
+    </dgm:scene3d>
+    <dgm:sp3d/>
+    <dgm:txPr/>
+    <dgm:style>
+      <a:lnRef idx="0">
+        <a:scrgbClr r="0" g="0" b="0"/>
+      </a:lnRef>
+      <a:fillRef idx="1">
+        <a:scrgbClr r="0" g="0" b="0"/>
+      </a:fillRef>
+      <a:effectRef idx="0">
+        <a:scrgbClr r="0" g="0" b="0"/>
+      </a:effectRef>
+      <a:fontRef idx="minor">
+        <a:schemeClr val="lt1"/>
+      </a:fontRef>
+    </dgm:style>
+  </dgm:styleLbl>
+  <dgm:styleLbl name="fgSibTrans2D1">
+    <dgm:scene3d>
+      <a:camera prst="orthographicFront"/>
+      <a:lightRig rig="threePt" dir="t"/>
+    </dgm:scene3d>
+    <dgm:sp3d/>
+    <dgm:txPr/>
+    <dgm:style>
+      <a:lnRef idx="0">
+        <a:scrgbClr r="0" g="0" b="0"/>
+      </a:lnRef>
+      <a:fillRef idx="1">
+        <a:scrgbClr r="0" g="0" b="0"/>
+      </a:fillRef>
+      <a:effectRef idx="0">
+        <a:scrgbClr r="0" g="0" b="0"/>
+      </a:effectRef>
+      <a:fontRef idx="minor">
+        <a:schemeClr val="lt1"/>
+      </a:fontRef>
+    </dgm:style>
+  </dgm:styleLbl>
+  <dgm:styleLbl name="bgSibTrans2D1">
+    <dgm:scene3d>
+      <a:camera prst="orthographicFront"/>
+      <a:lightRig rig="threePt" dir="t"/>
+    </dgm:scene3d>
+    <dgm:sp3d/>
+    <dgm:txPr/>
+    <dgm:style>
+      <a:lnRef idx="0">
+        <a:scrgbClr r="0" g="0" b="0"/>
+      </a:lnRef>
+      <a:fillRef idx="1">
+        <a:scrgbClr r="0" g="0" b="0"/>
+      </a:fillRef>
+      <a:effectRef idx="0">
+        <a:scrgbClr r="0" g="0" b="0"/>
+      </a:effectRef>
+      <a:fontRef idx="minor">
+        <a:schemeClr val="lt1"/>
+      </a:fontRef>
+    </dgm:style>
+  </dgm:styleLbl>
+  <dgm:styleLbl name="sibTrans1D1">
+    <dgm:scene3d>
+      <a:camera prst="orthographicFront"/>
+      <a:lightRig rig="threePt" dir="t"/>
+    </dgm:scene3d>
+    <dgm:sp3d/>
+    <dgm:txPr/>
+    <dgm:style>
+      <a:lnRef idx="1">
+        <a:scrgbClr r="0" g="0" b="0"/>
+      </a:lnRef>
+      <a:fillRef idx="0">
+        <a:scrgbClr r="0" g="0" b="0"/>
+      </a:fillRef>
+      <a:effectRef idx="0">
+        <a:scrgbClr r="0" g="0" b="0"/>
+      </a:effectRef>
+      <a:fontRef idx="minor"/>
+    </dgm:style>
+  </dgm:styleLbl>
+  <dgm:styleLbl name="callout">
+    <dgm:scene3d>
+      <a:camera prst="orthographicFront"/>
+      <a:lightRig rig="threePt" dir="t"/>
+    </dgm:scene3d>
+    <dgm:sp3d/>
+    <dgm:txPr/>
+    <dgm:style>
+      <a:lnRef idx="2">
+        <a:scrgbClr r="0" g="0" b="0"/>
+      </a:lnRef>
+      <a:fillRef idx="1">
+        <a:scrgbClr r="0" g="0" b="0"/>
+      </a:fillRef>
+      <a:effectRef idx="0">
+        <a:scrgbClr r="0" g="0" b="0"/>
+      </a:effectRef>
+      <a:fontRef idx="minor"/>
+    </dgm:style>
+  </dgm:styleLbl>
+  <dgm:styleLbl name="asst0">
+    <dgm:scene3d>
+      <a:camera prst="orthographicFront"/>
+      <a:lightRig rig="threePt" dir="t"/>
+    </dgm:scene3d>
+    <dgm:sp3d/>
+    <dgm:txPr/>
+    <dgm:style>
+      <a:lnRef idx="2">
+        <a:scrgbClr r="0" g="0" b="0"/>
+      </a:lnRef>
+      <a:fillRef idx="1">
+        <a:scrgbClr r="0" g="0" b="0"/>
+      </a:fillRef>
+      <a:effectRef idx="0">
+        <a:scrgbClr r="0" g="0" b="0"/>
+      </a:effectRef>
+      <a:fontRef idx="minor">
+        <a:schemeClr val="lt1"/>
+      </a:fontRef>
+    </dgm:style>
+  </dgm:styleLbl>
+  <dgm:styleLbl name="asst1">
+    <dgm:scene3d>
+      <a:camera prst="orthographicFront"/>
+      <a:lightRig rig="threePt" dir="t"/>
+    </dgm:scene3d>
+    <dgm:sp3d/>
+    <dgm:txPr/>
+    <dgm:style>
+      <a:lnRef idx="2">
+        <a:scrgbClr r="0" g="0" b="0"/>
+      </a:lnRef>
+      <a:fillRef idx="1">
+        <a:scrgbClr r="0" g="0" b="0"/>
+      </a:fillRef>
+      <a:effectRef idx="0">
+        <a:scrgbClr r="0" g="0" b="0"/>
+      </a:effectRef>
+      <a:fontRef idx="minor">
+        <a:schemeClr val="lt1"/>
+      </a:fontRef>
+    </dgm:style>
+  </dgm:styleLbl>
+  <dgm:styleLbl name="asst2">
+    <dgm:scene3d>
+      <a:camera prst="orthographicFront"/>
+      <a:lightRig rig="threePt" dir="t"/>
+    </dgm:scene3d>
+    <dgm:sp3d/>
+    <dgm:txPr/>
+    <dgm:style>
+      <a:lnRef idx="2">
+        <a:scrgbClr r="0" g="0" b="0"/>
+      </a:lnRef>
+      <a:fillRef idx="1">
+        <a:scrgbClr r="0" g="0" b="0"/>
+      </a:fillRef>
+      <a:effectRef idx="0">
+        <a:scrgbClr r="0" g="0" b="0"/>
+      </a:effectRef>
+      <a:fontRef idx="minor">
+        <a:schemeClr val="lt1"/>
+      </a:fontRef>
+    </dgm:style>
+  </dgm:styleLbl>
+  <dgm:styleLbl name="asst3">
+    <dgm:scene3d>
+      <a:camera prst="orthographicFront"/>
+      <a:lightRig rig="threePt" dir="t"/>
+    </dgm:scene3d>
+    <dgm:sp3d/>
+    <dgm:txPr/>
+    <dgm:style>
+      <a:lnRef idx="2">
+        <a:scrgbClr r="0" g="0" b="0"/>
+      </a:lnRef>
+      <a:fillRef idx="1">
+        <a:scrgbClr r="0" g="0" b="0"/>
+      </a:fillRef>
+      <a:effectRef idx="0">
+        <a:scrgbClr r="0" g="0" b="0"/>
+      </a:effectRef>
+      <a:fontRef idx="minor">
+        <a:schemeClr val="lt1"/>
+      </a:fontRef>
+    </dgm:style>
+  </dgm:styleLbl>
+  <dgm:styleLbl name="asst4">
+    <dgm:scene3d>
+      <a:camera prst="orthographicFront"/>
+      <a:lightRig rig="threePt" dir="t"/>
+    </dgm:scene3d>
+    <dgm:sp3d/>
+    <dgm:txPr/>
+    <dgm:style>
+      <a:lnRef idx="2">
+        <a:scrgbClr r="0" g="0" b="0"/>
+      </a:lnRef>
+      <a:fillRef idx="1">
+        <a:scrgbClr r="0" g="0" b="0"/>
+      </a:fillRef>
+      <a:effectRef idx="0">
+        <a:scrgbClr r="0" g="0" b="0"/>
+      </a:effectRef>
+      <a:fontRef idx="minor">
+        <a:schemeClr val="lt1"/>
+      </a:fontRef>
+    </dgm:style>
+  </dgm:styleLbl>
+  <dgm:styleLbl name="parChTrans2D1">
+    <dgm:scene3d>
+      <a:camera prst="orthographicFront"/>
+      <a:lightRig rig="threePt" dir="t"/>
+    </dgm:scene3d>
+    <dgm:sp3d/>
+    <dgm:txPr/>
+    <dgm:style>
+      <a:lnRef idx="2">
+        <a:scrgbClr r="0" g="0" b="0"/>
+      </a:lnRef>
+      <a:fillRef idx="1">
+        <a:scrgbClr r="0" g="0" b="0"/>
+      </a:fillRef>
+      <a:effectRef idx="0">
+        <a:scrgbClr r="0" g="0" b="0"/>
+      </a:effectRef>
+      <a:fontRef idx="minor">
+        <a:schemeClr val="lt1"/>
+      </a:fontRef>
+    </dgm:style>
+  </dgm:styleLbl>
+  <dgm:styleLbl name="parChTrans2D2">
+    <dgm:scene3d>
+      <a:camera prst="orthographicFront"/>
+      <a:lightRig rig="threePt" dir="t"/>
+    </dgm:scene3d>
+    <dgm:sp3d/>
+    <dgm:txPr/>
+    <dgm:style>
+      <a:lnRef idx="2">
+        <a:scrgbClr r="0" g="0" b="0"/>
+      </a:lnRef>
+      <a:fillRef idx="1">
+        <a:scrgbClr r="0" g="0" b="0"/>
+      </a:fillRef>
+      <a:effectRef idx="0">
+        <a:scrgbClr r="0" g="0" b="0"/>
+      </a:effectRef>
+      <a:fontRef idx="minor">
+        <a:schemeClr val="lt1"/>
+      </a:fontRef>
+    </dgm:style>
+  </dgm:styleLbl>
+  <dgm:styleLbl name="parChTrans2D3">
+    <dgm:scene3d>
+      <a:camera prst="orthographicFront"/>
+      <a:lightRig rig="threePt" dir="t"/>
+    </dgm:scene3d>
+    <dgm:sp3d/>
+    <dgm:txPr/>
+    <dgm:style>
+      <a:lnRef idx="2">
+        <a:scrgbClr r="0" g="0" b="0"/>
+      </a:lnRef>
+      <a:fillRef idx="1">
+        <a:scrgbClr r="0" g="0" b="0"/>
+      </a:fillRef>
+      <a:effectRef idx="0">
+        <a:scrgbClr r="0" g="0" b="0"/>
+      </a:effectRef>
+      <a:fontRef idx="minor">
+        <a:schemeClr val="lt1"/>
+      </a:fontRef>
+    </dgm:style>
+  </dgm:styleLbl>
+  <dgm:styleLbl name="parChTrans2D4">
+    <dgm:scene3d>
+      <a:camera prst="orthographicFront"/>
+      <a:lightRig rig="threePt" dir="t"/>
+    </dgm:scene3d>
+    <dgm:sp3d/>
+    <dgm:txPr/>
+    <dgm:style>
+      <a:lnRef idx="2">
+        <a:scrgbClr r="0" g="0" b="0"/>
+      </a:lnRef>
+      <a:fillRef idx="1">
+        <a:scrgbClr r="0" g="0" b="0"/>
+      </a:fillRef>
+      <a:effectRef idx="0">
+        <a:scrgbClr r="0" g="0" b="0"/>
+      </a:effectRef>
+      <a:fontRef idx="minor">
+        <a:schemeClr val="lt1"/>
+      </a:fontRef>
+    </dgm:style>
+  </dgm:styleLbl>
+  <dgm:styleLbl name="parChTrans1D1">
+    <dgm:scene3d>
+      <a:camera prst="orthographicFront"/>
+      <a:lightRig rig="threePt" dir="t"/>
+    </dgm:scene3d>
+    <dgm:sp3d/>
+    <dgm:txPr/>
+    <dgm:style>
+      <a:lnRef idx="2">
+        <a:scrgbClr r="0" g="0" b="0"/>
+      </a:lnRef>
+      <a:fillRef idx="0">
+        <a:scrgbClr r="0" g="0" b="0"/>
+      </a:fillRef>
+      <a:effectRef idx="0">
+        <a:scrgbClr r="0" g="0" b="0"/>
+      </a:effectRef>
+      <a:fontRef idx="minor"/>
+    </dgm:style>
+  </dgm:styleLbl>
+  <dgm:styleLbl name="parChTrans1D2">
+    <dgm:scene3d>
+      <a:camera prst="orthographicFront"/>
+      <a:lightRig rig="threePt" dir="t"/>
+    </dgm:scene3d>
+    <dgm:sp3d/>
+    <dgm:txPr/>
+    <dgm:style>
+      <a:lnRef idx="2">
+        <a:scrgbClr r="0" g="0" b="0"/>
+      </a:lnRef>
+      <a:fillRef idx="0">
+        <a:scrgbClr r="0" g="0" b="0"/>
+      </a:fillRef>
+      <a:effectRef idx="0">
+        <a:scrgbClr r="0" g="0" b="0"/>
+      </a:effectRef>
+      <a:fontRef idx="minor"/>
+    </dgm:style>
+  </dgm:styleLbl>
+  <dgm:styleLbl name="parChTrans1D3">
+    <dgm:scene3d>
+      <a:camera prst="orthographicFront"/>
+      <a:lightRig rig="threePt" dir="t"/>
+    </dgm:scene3d>
+    <dgm:sp3d/>
+    <dgm:txPr/>
+    <dgm:style>
+      <a:lnRef idx="2">
+        <a:scrgbClr r="0" g="0" b="0"/>
+      </a:lnRef>
+      <a:fillRef idx="0">
+        <a:scrgbClr r="0" g="0" b="0"/>
+      </a:fillRef>
+      <a:effectRef idx="0">
+        <a:scrgbClr r="0" g="0" b="0"/>
+      </a:effectRef>
+      <a:fontRef idx="minor"/>
+    </dgm:style>
+  </dgm:styleLbl>
+  <dgm:styleLbl name="parChTrans1D4">
+    <dgm:scene3d>
+      <a:camera prst="orthographicFront"/>
+      <a:lightRig rig="threePt" dir="t"/>
+    </dgm:scene3d>
+    <dgm:sp3d/>
+    <dgm:txPr/>
+    <dgm:style>
+      <a:lnRef idx="2">
+        <a:scrgbClr r="0" g="0" b="0"/>
+      </a:lnRef>
+      <a:fillRef idx="0">
+        <a:scrgbClr r="0" g="0" b="0"/>
+      </a:fillRef>
+      <a:effectRef idx="0">
+        <a:scrgbClr r="0" g="0" b="0"/>
+      </a:effectRef>
+      <a:fontRef idx="minor"/>
+    </dgm:style>
+  </dgm:styleLbl>
+  <dgm:styleLbl name="fgAcc1">
+    <dgm:scene3d>
+      <a:camera prst="orthographicFront"/>
+      <a:lightRig rig="threePt" dir="t"/>
+    </dgm:scene3d>
+    <dgm:sp3d/>
+    <dgm:txPr/>
+    <dgm:style>
+      <a:lnRef idx="2">
+        <a:scrgbClr r="0" g="0" b="0"/>
+      </a:lnRef>
+      <a:fillRef idx="1">
+        <a:scrgbClr r="0" g="0" b="0"/>
+      </a:fillRef>
+      <a:effectRef idx="0">
+        <a:scrgbClr r="0" g="0" b="0"/>
+      </a:effectRef>
+      <a:fontRef idx="minor"/>
+    </dgm:style>
+  </dgm:styleLbl>
+  <dgm:styleLbl name="conFgAcc1">
+    <dgm:scene3d>
+      <a:camera prst="orthographicFront"/>
+      <a:lightRig rig="threePt" dir="t"/>
+    </dgm:scene3d>
+    <dgm:sp3d/>
+    <dgm:txPr/>
+    <dgm:style>
+      <a:lnRef idx="2">
+        <a:scrgbClr r="0" g="0" b="0"/>
+      </a:lnRef>
+      <a:fillRef idx="1">
+        <a:scrgbClr r="0" g="0" b="0"/>
+      </a:fillRef>
+      <a:effectRef idx="0">
+        <a:scrgbClr r="0" g="0" b="0"/>
+      </a:effectRef>
+      <a:fontRef idx="minor"/>
+    </dgm:style>
+  </dgm:styleLbl>
+  <dgm:styleLbl name="alignAcc1">
+    <dgm:scene3d>
+      <a:camera prst="orthographicFront"/>
+      <a:lightRig rig="threePt" dir="t"/>
+    </dgm:scene3d>
+    <dgm:sp3d/>
+    <dgm:txPr/>
+    <dgm:style>
+      <a:lnRef idx="2">
+        <a:scrgbClr r="0" g="0" b="0"/>
+      </a:lnRef>
+      <a:fillRef idx="1">
+        <a:scrgbClr r="0" g="0" b="0"/>
+      </a:fillRef>
+      <a:effectRef idx="0">
+        <a:scrgbClr r="0" g="0" b="0"/>
+      </a:effectRef>
+      <a:fontRef idx="minor"/>
+    </dgm:style>
+  </dgm:styleLbl>
+  <dgm:styleLbl name="trAlignAcc1">
+    <dgm:scene3d>
+      <a:camera prst="orthographicFront"/>
+      <a:lightRig rig="threePt" dir="t"/>
+    </dgm:scene3d>
+    <dgm:sp3d/>
+    <dgm:txPr/>
+    <dgm:style>
+      <a:lnRef idx="1">
+        <a:scrgbClr r="0" g="0" b="0"/>
+      </a:lnRef>
+      <a:fillRef idx="1">
+        <a:scrgbClr r="0" g="0" b="0"/>
+      </a:fillRef>
+      <a:effectRef idx="0">
+        <a:scrgbClr r="0" g="0" b="0"/>
+      </a:effectRef>
+      <a:fontRef idx="minor"/>
+    </dgm:style>
+  </dgm:styleLbl>
+  <dgm:styleLbl name="bgAcc1">
+    <dgm:scene3d>
+      <a:camera prst="orthographicFront"/>
+      <a:lightRig rig="threePt" dir="t"/>
+    </dgm:scene3d>
+    <dgm:sp3d/>
+    <dgm:txPr/>
+    <dgm:style>
+      <a:lnRef idx="2">
+        <a:scrgbClr r="0" g="0" b="0"/>
+      </a:lnRef>
+      <a:fillRef idx="1">
+        <a:scrgbClr r="0" g="0" b="0"/>
+      </a:fillRef>
+      <a:effectRef idx="0">
+        <a:scrgbClr r="0" g="0" b="0"/>
+      </a:effectRef>
+      <a:fontRef idx="minor"/>
+    </dgm:style>
+  </dgm:styleLbl>
+  <dgm:styleLbl name="solidFgAcc1">
+    <dgm:scene3d>
+      <a:camera prst="orthographicFront"/>
+      <a:lightRig rig="threePt" dir="t"/>
+    </dgm:scene3d>
+    <dgm:sp3d/>
+    <dgm:txPr/>
+    <dgm:style>
+      <a:lnRef idx="2">
+        <a:scrgbClr r="0" g="0" b="0"/>
+      </a:lnRef>
+      <a:fillRef idx="1">
+        <a:scrgbClr r="0" g="0" b="0"/>
+      </a:fillRef>
+      <a:effectRef idx="0">
+        <a:scrgbClr r="0" g="0" b="0"/>
+      </a:effectRef>
+      <a:fontRef idx="minor"/>
+    </dgm:style>
+  </dgm:styleLbl>
+  <dgm:styleLbl name="solidAlignAcc1">
+    <dgm:scene3d>
+      <a:camera prst="orthographicFront"/>
+      <a:lightRig rig="threePt" dir="t"/>
+    </dgm:scene3d>
+    <dgm:sp3d/>
+    <dgm:txPr/>
+    <dgm:style>
+      <a:lnRef idx="2">
+        <a:scrgbClr r="0" g="0" b="0"/>
+      </a:lnRef>
+      <a:fillRef idx="1">
+        <a:scrgbClr r="0" g="0" b="0"/>
+      </a:fillRef>
+      <a:effectRef idx="0">
+        <a:scrgbClr r="0" g="0" b="0"/>
+      </a:effectRef>
+      <a:fontRef idx="minor"/>
+    </dgm:style>
+  </dgm:styleLbl>
+  <dgm:styleLbl name="solidBgAcc1">
+    <dgm:scene3d>
+      <a:camera prst="orthographicFront"/>
+      <a:lightRig rig="threePt" dir="t"/>
+    </dgm:scene3d>
+    <dgm:sp3d/>
+    <dgm:txPr/>
+    <dgm:style>
+      <a:lnRef idx="2">
+        <a:scrgbClr r="0" g="0" b="0"/>
+      </a:lnRef>
+      <a:fillRef idx="1">
+        <a:scrgbClr r="0" g="0" b="0"/>
+      </a:fillRef>
+      <a:effectRef idx="0">
+        <a:scrgbClr r="0" g="0" b="0"/>
+      </a:effectRef>
+      <a:fontRef idx="minor"/>
+    </dgm:style>
+  </dgm:styleLbl>
+  <dgm:styleLbl name="fgAccFollowNode1">
+    <dgm:scene3d>
+      <a:camera prst="orthographicFront"/>
+      <a:lightRig rig="threePt" dir="t"/>
+    </dgm:scene3d>
+    <dgm:sp3d/>
+    <dgm:txPr/>
+    <dgm:style>
+      <a:lnRef idx="2">
+        <a:scrgbClr r="0" g="0" b="0"/>
+      </a:lnRef>
+      <a:fillRef idx="1">
+        <a:scrgbClr r="0" g="0" b="0"/>
+      </a:fillRef>
+      <a:effectRef idx="0">
+        <a:scrgbClr r="0" g="0" b="0"/>
+      </a:effectRef>
+      <a:fontRef idx="minor"/>
+    </dgm:style>
+  </dgm:styleLbl>
+  <dgm:styleLbl name="alignAccFollowNode1">
+    <dgm:scene3d>
+      <a:camera prst="orthographicFront"/>
+      <a:lightRig rig="threePt" dir="t"/>
+    </dgm:scene3d>
+    <dgm:sp3d/>
+    <dgm:txPr/>
+    <dgm:style>
+      <a:lnRef idx="2">
+        <a:scrgbClr r="0" g="0" b="0"/>
+      </a:lnRef>
+      <a:fillRef idx="1">
+        <a:scrgbClr r="0" g="0" b="0"/>
+      </a:fillRef>
+      <a:effectRef idx="0">
+        <a:scrgbClr r="0" g="0" b="0"/>
+      </a:effectRef>
+      <a:fontRef idx="minor"/>
+    </dgm:style>
+  </dgm:styleLbl>
+  <dgm:styleLbl name="bgAccFollowNode1">
+    <dgm:scene3d>
+      <a:camera prst="orthographicFront"/>
+      <a:lightRig rig="threePt" dir="t"/>
+    </dgm:scene3d>
+    <dgm:sp3d/>
+    <dgm:txPr/>
+    <dgm:style>
+      <a:lnRef idx="2">
+        <a:scrgbClr r="0" g="0" b="0"/>
+      </a:lnRef>
+      <a:fillRef idx="1">
+        <a:scrgbClr r="0" g="0" b="0"/>
+      </a:fillRef>
+      <a:effectRef idx="0">
+        <a:scrgbClr r="0" g="0" b="0"/>
+      </a:effectRef>
+      <a:fontRef idx="minor"/>
+    </dgm:style>
+  </dgm:styleLbl>
+  <dgm:styleLbl name="fgAcc0">
+    <dgm:scene3d>
+      <a:camera prst="orthographicFront"/>
+      <a:lightRig rig="threePt" dir="t"/>
+    </dgm:scene3d>
+    <dgm:sp3d/>
+    <dgm:txPr/>
+    <dgm:style>
+      <a:lnRef idx="2">
+        <a:scrgbClr r="0" g="0" b="0"/>
+      </a:lnRef>
+      <a:fillRef idx="1">
+        <a:scrgbClr r="0" g="0" b="0"/>
+      </a:fillRef>
+      <a:effectRef idx="0">
+        <a:scrgbClr r="0" g="0" b="0"/>
+      </a:effectRef>
+      <a:fontRef idx="minor"/>
+    </dgm:style>
+  </dgm:styleLbl>
+  <dgm:styleLbl name="fgAcc2">
+    <dgm:scene3d>
+      <a:camera prst="orthographicFront"/>
+      <a:lightRig rig="threePt" dir="t"/>
+    </dgm:scene3d>
+    <dgm:sp3d/>
+    <dgm:txPr/>
+    <dgm:style>
+      <a:lnRef idx="2">
+        <a:scrgbClr r="0" g="0" b="0"/>
+      </a:lnRef>
+      <a:fillRef idx="1">
+        <a:scrgbClr r="0" g="0" b="0"/>
+      </a:fillRef>
+      <a:effectRef idx="0">
+        <a:scrgbClr r="0" g="0" b="0"/>
+      </a:effectRef>
+      <a:fontRef idx="minor"/>
+    </dgm:style>
+  </dgm:styleLbl>
+  <dgm:styleLbl name="fgAcc3">
+    <dgm:scene3d>
+      <a:camera prst="orthographicFront"/>
+      <a:lightRig rig="threePt" dir="t"/>
+    </dgm:scene3d>
+    <dgm:sp3d/>
+    <dgm:txPr/>
+    <dgm:style>
+      <a:lnRef idx="2">
+        <a:scrgbClr r="0" g="0" b="0"/>
+      </a:lnRef>
+      <a:fillRef idx="1">
+        <a:scrgbClr r="0" g="0" b="0"/>
+      </a:fillRef>
+      <a:effectRef idx="0">
+        <a:scrgbClr r="0" g="0" b="0"/>
+      </a:effectRef>
+      <a:fontRef idx="minor"/>
+    </dgm:style>
+  </dgm:styleLbl>
+  <dgm:styleLbl name="fgAcc4">
+    <dgm:scene3d>
+      <a:camera prst="orthographicFront"/>
+      <a:lightRig rig="threePt" dir="t"/>
+    </dgm:scene3d>
+    <dgm:sp3d/>
+    <dgm:txPr/>
+    <dgm:style>
+      <a:lnRef idx="2">
+        <a:scrgbClr r="0" g="0" b="0"/>
+      </a:lnRef>
+      <a:fillRef idx="1">
+        <a:scrgbClr r="0" g="0" b="0"/>
+      </a:fillRef>
+      <a:effectRef idx="0">
+        <a:scrgbClr r="0" g="0" b="0"/>
+      </a:effectRef>
+      <a:fontRef idx="minor"/>
+    </dgm:style>
+  </dgm:styleLbl>
+  <dgm:styleLbl name="bgShp">
+    <dgm:scene3d>
+      <a:camera prst="orthographicFront"/>
+      <a:lightRig rig="threePt" dir="t"/>
+    </dgm:scene3d>
+    <dgm:sp3d/>
+    <dgm:txPr/>
+    <dgm:style>
+      <a:lnRef idx="0">
+        <a:scrgbClr r="0" g="0" b="0"/>
+      </a:lnRef>
+      <a:fillRef idx="1">
+        <a:scrgbClr r="0" g="0" b="0"/>
+      </a:fillRef>
+      <a:effectRef idx="0">
+        <a:scrgbClr r="0" g="0" b="0"/>
+      </a:effectRef>
+      <a:fontRef idx="minor"/>
+    </dgm:style>
+  </dgm:styleLbl>
+  <dgm:styleLbl name="dkBgShp">
+    <dgm:scene3d>
+      <a:camera prst="orthographicFront"/>
+      <a:lightRig rig="threePt" dir="t"/>
+    </dgm:scene3d>
+    <dgm:sp3d/>
+    <dgm:txPr/>
+    <dgm:style>
+      <a:lnRef idx="0">
+        <a:scrgbClr r="0" g="0" b="0"/>
+      </a:lnRef>
+      <a:fillRef idx="1">
+        <a:scrgbClr r="0" g="0" b="0"/>
+      </a:fillRef>
+      <a:effectRef idx="0">
+        <a:scrgbClr r="0" g="0" b="0"/>
+      </a:effectRef>
+      <a:fontRef idx="minor"/>
+    </dgm:style>
+  </dgm:styleLbl>
+  <dgm:styleLbl name="trBgShp">
+    <dgm:scene3d>
+      <a:camera prst="orthographicFront"/>
+      <a:lightRig rig="threePt" dir="t"/>
+    </dgm:scene3d>
+    <dgm:sp3d/>
+    <dgm:txPr/>
+    <dgm:style>
+      <a:lnRef idx="0">
+        <a:scrgbClr r="0" g="0" b="0"/>
+      </a:lnRef>
+      <a:fillRef idx="1">
+        <a:scrgbClr r="0" g="0" b="0"/>
+      </a:fillRef>
+      <a:effectRef idx="0">
+        <a:scrgbClr r="0" g="0" b="0"/>
+      </a:effectRef>
+      <a:fontRef idx="minor"/>
+    </dgm:style>
+  </dgm:styleLbl>
+  <dgm:styleLbl name="fgShp">
+    <dgm:scene3d>
+      <a:camera prst="orthographicFront"/>
+      <a:lightRig rig="threePt" dir="t"/>
+    </dgm:scene3d>
+    <dgm:sp3d/>
+    <dgm:txPr/>
+    <dgm:style>
+      <a:lnRef idx="2">
+        <a:scrgbClr r="0" g="0" b="0"/>
+      </a:lnRef>
+      <a:fillRef idx="1">
+        <a:scrgbClr r="0" g="0" b="0"/>
+      </a:fillRef>
+      <a:effectRef idx="0">
+        <a:scrgbClr r="0" g="0" b="0"/>
+      </a:effectRef>
+      <a:fontRef idx="minor"/>
+    </dgm:style>
+  </dgm:styleLbl>
+  <dgm:styleLbl name="revTx">
+    <dgm:scene3d>
+      <a:camera prst="orthographicFront"/>
+      <a:lightRig rig="threePt" dir="t"/>
+    </dgm:scene3d>
+    <dgm:sp3d/>
+    <dgm:txPr/>
+    <dgm:style>
+      <a:lnRef idx="0">
+        <a:scrgbClr r="0" g="0" b="0"/>
+      </a:lnRef>
+      <a:fillRef idx="0">
+        <a:scrgbClr r="0" g="0" b="0"/>
+      </a:fillRef>
+      <a:effectRef idx="0">
+        <a:scrgbClr r="0" g="0" b="0"/>
+      </a:effectRef>
+      <a:fontRef idx="minor"/>
+    </dgm:style>
+  </dgm:styleLbl>
+</dgm:styleDef>
+</file>
+
+<file path=ppt/diagrams/quickStyle2.xml><?xml version="1.0" encoding="utf-8"?>
 <dgm:styleDef xmlns:dgm="http://schemas.openxmlformats.org/drawingml/2006/diagram" xmlns:a="http://schemas.openxmlformats.org/drawingml/2006/main" uniqueId="urn:microsoft.com/office/officeart/2005/8/quickstyle/simple1">
   <dgm:title val=""/>
   <dgm:desc val=""/>
@@ -6719,27 +10995,7 @@
                   </a:schemeClr>
                 </a:solidFill>
               </a:rPr>
-              <a:t>Print PIMS </a:t>
-            </a:r>
-            <a:r>
-              <a:rPr lang="en-US" altLang="zh-CN" sz="4800" b="1" dirty="0" smtClean="0">
-                <a:solidFill>
-                  <a:schemeClr val="tx2">
-                    <a:lumMod val="75000"/>
-                  </a:schemeClr>
-                </a:solidFill>
-              </a:rPr>
-              <a:t>label</a:t>
-            </a:r>
-            <a:r>
-              <a:rPr lang="en-US" altLang="zh-CN" sz="4800" b="1" dirty="0" smtClean="0">
-                <a:solidFill>
-                  <a:schemeClr val="tx2">
-                    <a:lumMod val="75000"/>
-                  </a:schemeClr>
-                </a:solidFill>
-              </a:rPr>
-              <a:t/>
+              <a:t>Print PIMS label</a:t>
             </a:r>
             <a:br>
               <a:rPr lang="en-US" altLang="zh-CN" sz="4800" b="1" dirty="0" smtClean="0">
@@ -6906,6 +11162,130 @@
               <a:t>2015/2/5</a:t>
             </a:fld>
             <a:endParaRPr lang="zh-CN" altLang="en-US"/>
+          </a:p>
+        </p:txBody>
+      </p:sp>
+    </p:spTree>
+  </p:cSld>
+  <p:clrMapOvr>
+    <a:masterClrMapping/>
+  </p:clrMapOvr>
+  <p:timing>
+    <p:tnLst>
+      <p:par>
+        <p:cTn id="1" dur="indefinite" restart="never" nodeType="tmRoot"/>
+      </p:par>
+    </p:tnLst>
+  </p:timing>
+</p:sld>
+</file>
+
+<file path=ppt/slides/slide10.xml><?xml version="1.0" encoding="utf-8"?>
+<p:sld xmlns:a="http://schemas.openxmlformats.org/drawingml/2006/main" xmlns:r="http://schemas.openxmlformats.org/officeDocument/2006/relationships" xmlns:p="http://schemas.openxmlformats.org/presentationml/2006/main">
+  <p:cSld>
+    <p:spTree>
+      <p:nvGrpSpPr>
+        <p:cNvPr id="1" name=""/>
+        <p:cNvGrpSpPr/>
+        <p:nvPr/>
+      </p:nvGrpSpPr>
+      <p:grpSpPr>
+        <a:xfrm>
+          <a:off x="0" y="0"/>
+          <a:ext cx="0" cy="0"/>
+          <a:chOff x="0" y="0"/>
+          <a:chExt cx="0" cy="0"/>
+        </a:xfrm>
+      </p:grpSpPr>
+      <p:sp>
+        <p:nvSpPr>
+          <p:cNvPr id="2" name="Content Placeholder 1"/>
+          <p:cNvSpPr>
+            <a:spLocks noGrp="1"/>
+          </p:cNvSpPr>
+          <p:nvPr>
+            <p:ph idx="1"/>
+          </p:nvPr>
+        </p:nvSpPr>
+        <p:spPr/>
+        <p:txBody>
+          <a:bodyPr/>
+          <a:lstStyle/>
+          <a:p>
+            <a:pPr algn="ctr">
+              <a:buNone/>
+            </a:pPr>
+            <a:endParaRPr lang="en-US" altLang="zh-CN" dirty="0" smtClean="0"/>
+          </a:p>
+          <a:p>
+            <a:pPr algn="ctr">
+              <a:buNone/>
+            </a:pPr>
+            <a:endParaRPr lang="en-US" altLang="zh-CN" dirty="0" smtClean="0"/>
+          </a:p>
+          <a:p>
+            <a:pPr algn="ctr">
+              <a:buNone/>
+            </a:pPr>
+            <a:endParaRPr lang="en-US" altLang="zh-CN" dirty="0" smtClean="0"/>
+          </a:p>
+          <a:p>
+            <a:pPr algn="ctr">
+              <a:buNone/>
+            </a:pPr>
+            <a:r>
+              <a:rPr lang="en-US" altLang="zh-CN" dirty="0" smtClean="0"/>
+              <a:t>--END--</a:t>
+            </a:r>
+            <a:endParaRPr lang="zh-CN" altLang="en-US" dirty="0"/>
+          </a:p>
+        </p:txBody>
+      </p:sp>
+      <p:sp>
+        <p:nvSpPr>
+          <p:cNvPr id="3" name="Date Placeholder 2"/>
+          <p:cNvSpPr>
+            <a:spLocks noGrp="1"/>
+          </p:cNvSpPr>
+          <p:nvPr>
+            <p:ph type="dt" sz="half" idx="10"/>
+          </p:nvPr>
+        </p:nvSpPr>
+        <p:spPr/>
+        <p:txBody>
+          <a:bodyPr/>
+          <a:lstStyle/>
+          <a:p>
+            <a:fld id="{BCDD0958-C144-4E3D-A8F5-AAEDA8C9D550}" type="datetime1">
+              <a:rPr lang="zh-TW" altLang="en-US" smtClean="0"/>
+              <a:pPr/>
+              <a:t>2015/2/5</a:t>
+            </a:fld>
+            <a:endParaRPr lang="zh-CN" altLang="en-US"/>
+          </a:p>
+        </p:txBody>
+      </p:sp>
+      <p:sp>
+        <p:nvSpPr>
+          <p:cNvPr id="4" name="Slide Number Placeholder 3"/>
+          <p:cNvSpPr>
+            <a:spLocks noGrp="1"/>
+          </p:cNvSpPr>
+          <p:nvPr>
+            <p:ph type="sldNum" sz="quarter" idx="12"/>
+          </p:nvPr>
+        </p:nvSpPr>
+        <p:spPr/>
+        <p:txBody>
+          <a:bodyPr/>
+          <a:lstStyle/>
+          <a:p>
+            <a:fld id="{28874C86-8C61-448A-906E-93CD94C69BE8}" type="slidenum">
+              <a:rPr lang="zh-CN" altLang="en-US" smtClean="0"/>
+              <a:pPr/>
+              <a:t>10</a:t>
+            </a:fld>
+            <a:endParaRPr lang="zh-CN" altLang="en-US" dirty="0"/>
           </a:p>
         </p:txBody>
       </p:sp>
@@ -7002,7 +11382,7 @@
         <p:spPr/>
         <p:txBody>
           <a:bodyPr>
-            <a:normAutofit fontScale="90000"/>
+            <a:normAutofit/>
           </a:bodyPr>
           <a:lstStyle/>
           <a:p>
@@ -7014,36 +11394,7 @@
                   </a:schemeClr>
                 </a:solidFill>
               </a:rPr>
-              <a:t>Print PIMS label </a:t>
-            </a:r>
-            <a:r>
-              <a:rPr lang="en-US" altLang="zh-CN" b="1" dirty="0" smtClean="0">
-                <a:solidFill>
-                  <a:schemeClr val="tx2">
-                    <a:lumMod val="60000"/>
-                    <a:lumOff val="40000"/>
-                  </a:schemeClr>
-                </a:solidFill>
-              </a:rPr>
-              <a:t/>
-            </a:r>
-            <a:br>
-              <a:rPr lang="en-US" altLang="zh-CN" b="1" dirty="0" smtClean="0">
-                <a:solidFill>
-                  <a:schemeClr val="tx2">
-                    <a:lumMod val="60000"/>
-                    <a:lumOff val="40000"/>
-                  </a:schemeClr>
-                </a:solidFill>
-              </a:rPr>
-            </a:br>
-            <a:r>
-              <a:rPr lang="en-US" altLang="zh-CN" sz="2700" dirty="0" smtClean="0"/>
-              <a:t>Solution </a:t>
-            </a:r>
-            <a:r>
-              <a:rPr lang="en-US" altLang="zh-CN" sz="2700" dirty="0" smtClean="0"/>
-              <a:t>workflow</a:t>
+              <a:t>Print PIMS label</a:t>
             </a:r>
             <a:endParaRPr lang="zh-CN" altLang="en-US" sz="2700" dirty="0"/>
           </a:p>
@@ -7161,6 +11512,137 @@
         </p:nvSpPr>
         <p:spPr/>
         <p:txBody>
+          <a:bodyPr>
+            <a:normAutofit/>
+          </a:bodyPr>
+          <a:lstStyle/>
+          <a:p>
+            <a:r>
+              <a:rPr lang="en-US" altLang="zh-CN" b="1" dirty="0" smtClean="0">
+                <a:solidFill>
+                  <a:schemeClr val="tx2">
+                    <a:lumMod val="75000"/>
+                  </a:schemeClr>
+                </a:solidFill>
+              </a:rPr>
+              <a:t>Print PIMS label</a:t>
+            </a:r>
+            <a:endParaRPr lang="zh-CN" altLang="en-US" sz="2700" dirty="0"/>
+          </a:p>
+        </p:txBody>
+      </p:sp>
+      <p:graphicFrame>
+        <p:nvGraphicFramePr>
+          <p:cNvPr id="7" name="内容占位符 6"/>
+          <p:cNvGraphicFramePr>
+            <a:graphicFrameLocks noGrp="1"/>
+          </p:cNvGraphicFramePr>
+          <p:nvPr>
+            <p:ph idx="1"/>
+          </p:nvPr>
+        </p:nvGraphicFramePr>
+        <p:xfrm>
+          <a:off x="0" y="908721"/>
+          <a:ext cx="8964488" cy="3744415"/>
+        </p:xfrm>
+        <a:graphic>
+          <a:graphicData uri="http://schemas.openxmlformats.org/drawingml/2006/diagram">
+            <dgm:relIds xmlns:dgm="http://schemas.openxmlformats.org/drawingml/2006/diagram" xmlns:r="http://schemas.openxmlformats.org/officeDocument/2006/relationships" r:dm="rId2" r:lo="rId3" r:qs="rId4" r:cs="rId5"/>
+          </a:graphicData>
+        </a:graphic>
+      </p:graphicFrame>
+    </p:spTree>
+  </p:cSld>
+  <p:clrMapOvr>
+    <a:masterClrMapping/>
+  </p:clrMapOvr>
+  <p:timing>
+    <p:tnLst>
+      <p:par>
+        <p:cTn id="1" dur="indefinite" restart="never" nodeType="tmRoot"/>
+      </p:par>
+    </p:tnLst>
+  </p:timing>
+</p:sld>
+</file>
+
+<file path=ppt/slides/slide4.xml><?xml version="1.0" encoding="utf-8"?>
+<p:sld xmlns:a="http://schemas.openxmlformats.org/drawingml/2006/main" xmlns:r="http://schemas.openxmlformats.org/officeDocument/2006/relationships" xmlns:p="http://schemas.openxmlformats.org/presentationml/2006/main">
+  <p:cSld>
+    <p:spTree>
+      <p:nvGrpSpPr>
+        <p:cNvPr id="1" name=""/>
+        <p:cNvGrpSpPr/>
+        <p:nvPr/>
+      </p:nvGrpSpPr>
+      <p:grpSpPr>
+        <a:xfrm>
+          <a:off x="0" y="0"/>
+          <a:ext cx="0" cy="0"/>
+          <a:chOff x="0" y="0"/>
+          <a:chExt cx="0" cy="0"/>
+        </a:xfrm>
+      </p:grpSpPr>
+      <p:sp>
+        <p:nvSpPr>
+          <p:cNvPr id="3" name="日期占位符 2"/>
+          <p:cNvSpPr>
+            <a:spLocks noGrp="1"/>
+          </p:cNvSpPr>
+          <p:nvPr>
+            <p:ph type="dt" sz="half" idx="10"/>
+          </p:nvPr>
+        </p:nvSpPr>
+        <p:spPr/>
+        <p:txBody>
+          <a:bodyPr/>
+          <a:lstStyle/>
+          <a:p>
+            <a:fld id="{BCDD0958-C144-4E3D-A8F5-AAEDA8C9D550}" type="datetime1">
+              <a:rPr lang="zh-TW" altLang="en-US" smtClean="0"/>
+              <a:pPr/>
+              <a:t>2015/2/5</a:t>
+            </a:fld>
+            <a:endParaRPr lang="zh-CN" altLang="en-US"/>
+          </a:p>
+        </p:txBody>
+      </p:sp>
+      <p:sp>
+        <p:nvSpPr>
+          <p:cNvPr id="4" name="灯片编号占位符 3"/>
+          <p:cNvSpPr>
+            <a:spLocks noGrp="1"/>
+          </p:cNvSpPr>
+          <p:nvPr>
+            <p:ph type="sldNum" sz="quarter" idx="12"/>
+          </p:nvPr>
+        </p:nvSpPr>
+        <p:spPr/>
+        <p:txBody>
+          <a:bodyPr/>
+          <a:lstStyle/>
+          <a:p>
+            <a:fld id="{28874C86-8C61-448A-906E-93CD94C69BE8}" type="slidenum">
+              <a:rPr lang="zh-CN" altLang="en-US" smtClean="0"/>
+              <a:pPr/>
+              <a:t>4</a:t>
+            </a:fld>
+            <a:endParaRPr lang="zh-CN" altLang="en-US" dirty="0"/>
+          </a:p>
+        </p:txBody>
+      </p:sp>
+      <p:sp>
+        <p:nvSpPr>
+          <p:cNvPr id="5" name="标题 4"/>
+          <p:cNvSpPr>
+            <a:spLocks noGrp="1"/>
+          </p:cNvSpPr>
+          <p:nvPr>
+            <p:ph type="title"/>
+          </p:nvPr>
+        </p:nvSpPr>
+        <p:spPr/>
+        <p:txBody>
           <a:bodyPr/>
           <a:lstStyle/>
           <a:p>
@@ -7214,7 +11696,7 @@
 </p:sld>
 </file>
 
-<file path=ppt/slides/slide4.xml><?xml version="1.0" encoding="utf-8"?>
+<file path=ppt/slides/slide5.xml><?xml version="1.0" encoding="utf-8"?>
 <p:sld xmlns:a="http://schemas.openxmlformats.org/drawingml/2006/main" xmlns:r="http://schemas.openxmlformats.org/officeDocument/2006/relationships" xmlns:p="http://schemas.openxmlformats.org/presentationml/2006/main">
   <p:cSld>
     <p:spTree>
@@ -7273,7 +11755,7 @@
             <a:fld id="{28874C86-8C61-448A-906E-93CD94C69BE8}" type="slidenum">
               <a:rPr lang="zh-CN" altLang="en-US" smtClean="0"/>
               <a:pPr/>
-              <a:t>4</a:t>
+              <a:t>5</a:t>
             </a:fld>
             <a:endParaRPr lang="zh-CN" altLang="en-US" dirty="0"/>
           </a:p>
@@ -7298,11 +11780,7 @@
           <a:p>
             <a:r>
               <a:rPr lang="en-US" altLang="zh-CN" dirty="0" smtClean="0"/>
-              <a:t>Log </a:t>
-            </a:r>
-            <a:r>
-              <a:rPr lang="en-US" altLang="zh-CN" dirty="0" smtClean="0"/>
-              <a:t>On</a:t>
+              <a:t>Log On</a:t>
             </a:r>
             <a:endParaRPr lang="zh-CN" altLang="en-US" sz="1800" dirty="0"/>
           </a:p>
@@ -7331,183 +11809,6 @@
           </a:xfrm>
         </p:spPr>
       </p:pic>
-    </p:spTree>
-  </p:cSld>
-  <p:clrMapOvr>
-    <a:masterClrMapping/>
-  </p:clrMapOvr>
-  <p:timing>
-    <p:tnLst>
-      <p:par>
-        <p:cTn id="1" dur="indefinite" restart="never" nodeType="tmRoot"/>
-      </p:par>
-    </p:tnLst>
-  </p:timing>
-</p:sld>
-</file>
-
-<file path=ppt/slides/slide5.xml><?xml version="1.0" encoding="utf-8"?>
-<p:sld xmlns:a="http://schemas.openxmlformats.org/drawingml/2006/main" xmlns:r="http://schemas.openxmlformats.org/officeDocument/2006/relationships" xmlns:p="http://schemas.openxmlformats.org/presentationml/2006/main">
-  <p:cSld>
-    <p:spTree>
-      <p:nvGrpSpPr>
-        <p:cNvPr id="1" name=""/>
-        <p:cNvGrpSpPr/>
-        <p:nvPr/>
-      </p:nvGrpSpPr>
-      <p:grpSpPr>
-        <a:xfrm>
-          <a:off x="0" y="0"/>
-          <a:ext cx="0" cy="0"/>
-          <a:chOff x="0" y="0"/>
-          <a:chExt cx="0" cy="0"/>
-        </a:xfrm>
-      </p:grpSpPr>
-      <p:pic>
-        <p:nvPicPr>
-          <p:cNvPr id="7" name="内容占位符 6" descr="who3.png"/>
-          <p:cNvPicPr>
-            <a:picLocks noGrp="1" noChangeAspect="1"/>
-          </p:cNvPicPr>
-          <p:nvPr>
-            <p:ph idx="1"/>
-          </p:nvPr>
-        </p:nvPicPr>
-        <p:blipFill>
-          <a:blip r:embed="rId2" cstate="print"/>
-          <a:stretch>
-            <a:fillRect/>
-          </a:stretch>
-        </p:blipFill>
-        <p:spPr>
-          <a:xfrm>
-            <a:off x="810816" y="1124744"/>
-            <a:ext cx="7433592" cy="4525963"/>
-          </a:xfrm>
-        </p:spPr>
-      </p:pic>
-      <p:sp>
-        <p:nvSpPr>
-          <p:cNvPr id="3" name="日期占位符 2"/>
-          <p:cNvSpPr>
-            <a:spLocks noGrp="1"/>
-          </p:cNvSpPr>
-          <p:nvPr>
-            <p:ph type="dt" sz="half" idx="10"/>
-          </p:nvPr>
-        </p:nvSpPr>
-        <p:spPr/>
-        <p:txBody>
-          <a:bodyPr/>
-          <a:lstStyle/>
-          <a:p>
-            <a:fld id="{BCDD0958-C144-4E3D-A8F5-AAEDA8C9D550}" type="datetime1">
-              <a:rPr lang="zh-TW" altLang="en-US" smtClean="0"/>
-              <a:pPr/>
-              <a:t>2015/2/5</a:t>
-            </a:fld>
-            <a:endParaRPr lang="zh-CN" altLang="en-US"/>
-          </a:p>
-        </p:txBody>
-      </p:sp>
-      <p:sp>
-        <p:nvSpPr>
-          <p:cNvPr id="4" name="灯片编号占位符 3"/>
-          <p:cNvSpPr>
-            <a:spLocks noGrp="1"/>
-          </p:cNvSpPr>
-          <p:nvPr>
-            <p:ph type="sldNum" sz="quarter" idx="12"/>
-          </p:nvPr>
-        </p:nvSpPr>
-        <p:spPr/>
-        <p:txBody>
-          <a:bodyPr/>
-          <a:lstStyle/>
-          <a:p>
-            <a:fld id="{28874C86-8C61-448A-906E-93CD94C69BE8}" type="slidenum">
-              <a:rPr lang="zh-CN" altLang="en-US" smtClean="0"/>
-              <a:pPr/>
-              <a:t>5</a:t>
-            </a:fld>
-            <a:endParaRPr lang="zh-CN" altLang="en-US" dirty="0"/>
-          </a:p>
-        </p:txBody>
-      </p:sp>
-      <p:sp>
-        <p:nvSpPr>
-          <p:cNvPr id="5" name="标题 4"/>
-          <p:cNvSpPr>
-            <a:spLocks noGrp="1"/>
-          </p:cNvSpPr>
-          <p:nvPr>
-            <p:ph type="title"/>
-          </p:nvPr>
-        </p:nvSpPr>
-        <p:spPr/>
-        <p:txBody>
-          <a:bodyPr/>
-          <a:lstStyle/>
-          <a:p>
-            <a:r>
-              <a:rPr lang="en-US" altLang="zh-CN" dirty="0" smtClean="0"/>
-              <a:t>Scan Vendor</a:t>
-            </a:r>
-            <a:endParaRPr lang="zh-CN" altLang="en-US" dirty="0"/>
-          </a:p>
-        </p:txBody>
-      </p:sp>
-      <p:sp>
-        <p:nvSpPr>
-          <p:cNvPr id="9" name="TextBox 8"/>
-          <p:cNvSpPr txBox="1"/>
-          <p:nvPr/>
-        </p:nvSpPr>
-        <p:spPr>
-          <a:xfrm>
-            <a:off x="899592" y="5733256"/>
-            <a:ext cx="7416824" cy="646331"/>
-          </a:xfrm>
-          <a:prstGeom prst="rect">
-            <a:avLst/>
-          </a:prstGeom>
-          <a:noFill/>
-        </p:spPr>
-        <p:txBody>
-          <a:bodyPr wrap="square" rtlCol="0">
-            <a:spAutoFit/>
-          </a:bodyPr>
-          <a:lstStyle/>
-          <a:p>
-            <a:r>
-              <a:rPr lang="en-US" altLang="zh-CN" dirty="0" smtClean="0"/>
-              <a:t>A: Enter Vendor ID	       B:Select the right Date Time</a:t>
-            </a:r>
-            <a:r>
-              <a:rPr lang="en-US" altLang="zh-CN" dirty="0" smtClean="0"/>
-              <a:t> </a:t>
-            </a:r>
-            <a:r>
-              <a:rPr lang="en-US" altLang="zh-CN" dirty="0" smtClean="0"/>
-              <a:t>    C: click go</a:t>
-            </a:r>
-          </a:p>
-          <a:p>
-            <a:r>
-              <a:rPr lang="en-US" altLang="zh-CN" dirty="0" smtClean="0"/>
-              <a:t>D: Select a </a:t>
-            </a:r>
-            <a:r>
-              <a:rPr lang="en-US" altLang="zh-CN" dirty="0" err="1" smtClean="0"/>
-              <a:t>Dn</a:t>
-            </a:r>
-            <a:r>
-              <a:rPr lang="en-US" altLang="zh-CN" dirty="0" smtClean="0"/>
-              <a:t> No	       E:Enter Num of Labels	          F: Scan Barcode</a:t>
-            </a:r>
-          </a:p>
-        </p:txBody>
-      </p:sp>
     </p:spTree>
   </p:cSld>
   <p:clrMapOvr>
@@ -7605,7 +11906,15 @@
           <a:p>
             <a:r>
               <a:rPr lang="en-US" altLang="zh-CN" dirty="0" smtClean="0"/>
-              <a:t>Scan PI</a:t>
+              <a:t>Scan </a:t>
+            </a:r>
+            <a:r>
+              <a:rPr lang="en-US" altLang="zh-CN" dirty="0" smtClean="0"/>
+              <a:t>By Vendor/</a:t>
+            </a:r>
+            <a:r>
+              <a:rPr lang="en-US" altLang="zh-CN" dirty="0" err="1" smtClean="0"/>
+              <a:t>Dn</a:t>
             </a:r>
             <a:endParaRPr lang="zh-CN" altLang="en-US" dirty="0"/>
           </a:p>
@@ -7635,21 +11944,222 @@
           <a:p>
             <a:r>
               <a:rPr lang="en-US" altLang="zh-CN" dirty="0" smtClean="0"/>
-              <a:t>A: Enter PI ID    B:Select the right Item     C: if Carton No then Scan Box No</a:t>
+              <a:t>A: Enter Vendor ID	       B:Select the right Date Time     C: click go</a:t>
             </a:r>
           </a:p>
           <a:p>
             <a:r>
               <a:rPr lang="en-US" altLang="zh-CN" dirty="0" smtClean="0"/>
-              <a:t>D:Enter Num of Labels	E</a:t>
-            </a:r>
-            <a:r>
-              <a:rPr lang="en-US" altLang="zh-CN" smtClean="0"/>
-              <a:t>: Scan </a:t>
+              <a:t>D: Select a </a:t>
+            </a:r>
+            <a:r>
+              <a:rPr lang="en-US" altLang="zh-CN" dirty="0" err="1" smtClean="0"/>
+              <a:t>Dn</a:t>
             </a:r>
             <a:r>
               <a:rPr lang="en-US" altLang="zh-CN" dirty="0" smtClean="0"/>
-              <a:t>Barcode</a:t>
+              <a:t> No	       E:Enter Num of Labels	          F: Scan Barcode</a:t>
+            </a:r>
+          </a:p>
+        </p:txBody>
+      </p:sp>
+      <p:pic>
+        <p:nvPicPr>
+          <p:cNvPr id="10" name="内容占位符 9" descr="who3.png"/>
+          <p:cNvPicPr>
+            <a:picLocks noGrp="1" noChangeAspect="1"/>
+          </p:cNvPicPr>
+          <p:nvPr>
+            <p:ph idx="1"/>
+          </p:nvPr>
+        </p:nvPicPr>
+        <p:blipFill>
+          <a:blip r:embed="rId2" cstate="print"/>
+          <a:stretch>
+            <a:fillRect/>
+          </a:stretch>
+        </p:blipFill>
+        <p:spPr>
+          <a:xfrm>
+            <a:off x="611560" y="1124744"/>
+            <a:ext cx="7433592" cy="4525963"/>
+          </a:xfrm>
+        </p:spPr>
+      </p:pic>
+    </p:spTree>
+  </p:cSld>
+  <p:clrMapOvr>
+    <a:masterClrMapping/>
+  </p:clrMapOvr>
+  <p:timing>
+    <p:tnLst>
+      <p:par>
+        <p:cTn id="1" dur="indefinite" restart="never" nodeType="tmRoot"/>
+      </p:par>
+    </p:tnLst>
+  </p:timing>
+</p:sld>
+</file>
+
+<file path=ppt/slides/slide7.xml><?xml version="1.0" encoding="utf-8"?>
+<p:sld xmlns:a="http://schemas.openxmlformats.org/drawingml/2006/main" xmlns:r="http://schemas.openxmlformats.org/officeDocument/2006/relationships" xmlns:p="http://schemas.openxmlformats.org/presentationml/2006/main">
+  <p:cSld>
+    <p:spTree>
+      <p:nvGrpSpPr>
+        <p:cNvPr id="1" name=""/>
+        <p:cNvGrpSpPr/>
+        <p:nvPr/>
+      </p:nvGrpSpPr>
+      <p:grpSpPr>
+        <a:xfrm>
+          <a:off x="0" y="0"/>
+          <a:ext cx="0" cy="0"/>
+          <a:chOff x="0" y="0"/>
+          <a:chExt cx="0" cy="0"/>
+        </a:xfrm>
+      </p:grpSpPr>
+      <p:sp>
+        <p:nvSpPr>
+          <p:cNvPr id="3" name="日期占位符 2"/>
+          <p:cNvSpPr>
+            <a:spLocks noGrp="1"/>
+          </p:cNvSpPr>
+          <p:nvPr>
+            <p:ph type="dt" sz="half" idx="10"/>
+          </p:nvPr>
+        </p:nvSpPr>
+        <p:spPr/>
+        <p:txBody>
+          <a:bodyPr/>
+          <a:lstStyle/>
+          <a:p>
+            <a:fld id="{BCDD0958-C144-4E3D-A8F5-AAEDA8C9D550}" type="datetime1">
+              <a:rPr lang="zh-TW" altLang="en-US" smtClean="0"/>
+              <a:pPr/>
+              <a:t>2015/2/5</a:t>
+            </a:fld>
+            <a:endParaRPr lang="zh-CN" altLang="en-US"/>
+          </a:p>
+        </p:txBody>
+      </p:sp>
+      <p:sp>
+        <p:nvSpPr>
+          <p:cNvPr id="4" name="灯片编号占位符 3"/>
+          <p:cNvSpPr>
+            <a:spLocks noGrp="1"/>
+          </p:cNvSpPr>
+          <p:nvPr>
+            <p:ph type="sldNum" sz="quarter" idx="12"/>
+          </p:nvPr>
+        </p:nvSpPr>
+        <p:spPr/>
+        <p:txBody>
+          <a:bodyPr/>
+          <a:lstStyle/>
+          <a:p>
+            <a:fld id="{28874C86-8C61-448A-906E-93CD94C69BE8}" type="slidenum">
+              <a:rPr lang="zh-CN" altLang="en-US" smtClean="0"/>
+              <a:pPr/>
+              <a:t>7</a:t>
+            </a:fld>
+            <a:endParaRPr lang="zh-CN" altLang="en-US" dirty="0"/>
+          </a:p>
+        </p:txBody>
+      </p:sp>
+      <p:sp>
+        <p:nvSpPr>
+          <p:cNvPr id="5" name="标题 4"/>
+          <p:cNvSpPr>
+            <a:spLocks noGrp="1"/>
+          </p:cNvSpPr>
+          <p:nvPr>
+            <p:ph type="title"/>
+          </p:nvPr>
+        </p:nvSpPr>
+        <p:spPr/>
+        <p:txBody>
+          <a:bodyPr/>
+          <a:lstStyle/>
+          <a:p>
+            <a:r>
+              <a:rPr lang="en-US" altLang="zh-CN" dirty="0" smtClean="0"/>
+              <a:t>Scan </a:t>
+            </a:r>
+            <a:r>
+              <a:rPr lang="en-US" altLang="zh-CN" dirty="0" smtClean="0"/>
+              <a:t>PI/Pallet/</a:t>
+            </a:r>
+            <a:r>
+              <a:rPr lang="en-US" altLang="zh-CN" dirty="0" err="1" smtClean="0"/>
+              <a:t>CartonNO</a:t>
+            </a:r>
+            <a:endParaRPr lang="zh-CN" altLang="en-US" dirty="0"/>
+          </a:p>
+        </p:txBody>
+      </p:sp>
+      <p:sp>
+        <p:nvSpPr>
+          <p:cNvPr id="9" name="TextBox 8"/>
+          <p:cNvSpPr txBox="1"/>
+          <p:nvPr/>
+        </p:nvSpPr>
+        <p:spPr>
+          <a:xfrm>
+            <a:off x="899592" y="5733256"/>
+            <a:ext cx="7416824" cy="646331"/>
+          </a:xfrm>
+          <a:prstGeom prst="rect">
+            <a:avLst/>
+          </a:prstGeom>
+          <a:noFill/>
+        </p:spPr>
+        <p:txBody>
+          <a:bodyPr wrap="square" rtlCol="0">
+            <a:spAutoFit/>
+          </a:bodyPr>
+          <a:lstStyle/>
+          <a:p>
+            <a:r>
+              <a:rPr lang="en-US" altLang="zh-CN" dirty="0" smtClean="0"/>
+              <a:t>A: Enter PI ID    </a:t>
+            </a:r>
+            <a:r>
+              <a:rPr lang="en-US" altLang="zh-CN" dirty="0" smtClean="0"/>
+              <a:t>		B:Select </a:t>
+            </a:r>
+            <a:r>
+              <a:rPr lang="en-US" altLang="zh-CN" dirty="0" smtClean="0"/>
+              <a:t>the right Item </a:t>
+            </a:r>
+            <a:r>
+              <a:rPr lang="en-US" altLang="zh-CN" dirty="0" smtClean="0"/>
+              <a:t>(Pallet/</a:t>
+            </a:r>
+            <a:r>
+              <a:rPr lang="en-US" altLang="zh-CN" dirty="0" err="1" smtClean="0"/>
+              <a:t>CartonNo</a:t>
+            </a:r>
+            <a:r>
+              <a:rPr lang="en-US" altLang="zh-CN" dirty="0" smtClean="0"/>
+              <a:t>)</a:t>
+            </a:r>
+          </a:p>
+          <a:p>
+            <a:r>
+              <a:rPr lang="en-US" altLang="zh-CN" dirty="0" smtClean="0"/>
+              <a:t>C</a:t>
+            </a:r>
+            <a:r>
+              <a:rPr lang="en-US" altLang="zh-CN" dirty="0" smtClean="0"/>
+              <a:t>: if Carton No then Scan Box </a:t>
+            </a:r>
+            <a:r>
+              <a:rPr lang="en-US" altLang="zh-CN" dirty="0" smtClean="0"/>
+              <a:t>No   D:Enter </a:t>
+            </a:r>
+            <a:r>
+              <a:rPr lang="en-US" altLang="zh-CN" dirty="0" smtClean="0"/>
+              <a:t>Num of Labels	E: Scan Barcode</a:t>
             </a:r>
           </a:p>
         </p:txBody>
@@ -7692,7 +12202,184 @@
 </p:sld>
 </file>
 
-<file path=ppt/slides/slide7.xml><?xml version="1.0" encoding="utf-8"?>
+<file path=ppt/slides/slide8.xml><?xml version="1.0" encoding="utf-8"?>
+<p:sld xmlns:a="http://schemas.openxmlformats.org/drawingml/2006/main" xmlns:r="http://schemas.openxmlformats.org/officeDocument/2006/relationships" xmlns:p="http://schemas.openxmlformats.org/presentationml/2006/main">
+  <p:cSld>
+    <p:spTree>
+      <p:nvGrpSpPr>
+        <p:cNvPr id="1" name=""/>
+        <p:cNvGrpSpPr/>
+        <p:nvPr/>
+      </p:nvGrpSpPr>
+      <p:grpSpPr>
+        <a:xfrm>
+          <a:off x="0" y="0"/>
+          <a:ext cx="0" cy="0"/>
+          <a:chOff x="0" y="0"/>
+          <a:chExt cx="0" cy="0"/>
+        </a:xfrm>
+      </p:grpSpPr>
+      <p:pic>
+        <p:nvPicPr>
+          <p:cNvPr id="6" name="内容占位符 5" descr="who5.png"/>
+          <p:cNvPicPr>
+            <a:picLocks noGrp="1" noChangeAspect="1"/>
+          </p:cNvPicPr>
+          <p:nvPr>
+            <p:ph idx="1"/>
+          </p:nvPr>
+        </p:nvPicPr>
+        <p:blipFill>
+          <a:blip r:embed="rId2" cstate="print"/>
+          <a:stretch>
+            <a:fillRect/>
+          </a:stretch>
+        </p:blipFill>
+        <p:spPr>
+          <a:xfrm>
+            <a:off x="635716" y="1196752"/>
+            <a:ext cx="7502680" cy="4525963"/>
+          </a:xfrm>
+        </p:spPr>
+      </p:pic>
+      <p:sp>
+        <p:nvSpPr>
+          <p:cNvPr id="3" name="日期占位符 2"/>
+          <p:cNvSpPr>
+            <a:spLocks noGrp="1"/>
+          </p:cNvSpPr>
+          <p:nvPr>
+            <p:ph type="dt" sz="half" idx="10"/>
+          </p:nvPr>
+        </p:nvSpPr>
+        <p:spPr/>
+        <p:txBody>
+          <a:bodyPr/>
+          <a:lstStyle/>
+          <a:p>
+            <a:fld id="{BCDD0958-C144-4E3D-A8F5-AAEDA8C9D550}" type="datetime1">
+              <a:rPr lang="zh-TW" altLang="en-US" smtClean="0"/>
+              <a:pPr/>
+              <a:t>2015/2/5</a:t>
+            </a:fld>
+            <a:endParaRPr lang="zh-CN" altLang="en-US"/>
+          </a:p>
+        </p:txBody>
+      </p:sp>
+      <p:sp>
+        <p:nvSpPr>
+          <p:cNvPr id="4" name="灯片编号占位符 3"/>
+          <p:cNvSpPr>
+            <a:spLocks noGrp="1"/>
+          </p:cNvSpPr>
+          <p:nvPr>
+            <p:ph type="sldNum" sz="quarter" idx="12"/>
+          </p:nvPr>
+        </p:nvSpPr>
+        <p:spPr/>
+        <p:txBody>
+          <a:bodyPr/>
+          <a:lstStyle/>
+          <a:p>
+            <a:fld id="{28874C86-8C61-448A-906E-93CD94C69BE8}" type="slidenum">
+              <a:rPr lang="zh-CN" altLang="en-US" smtClean="0"/>
+              <a:pPr/>
+              <a:t>8</a:t>
+            </a:fld>
+            <a:endParaRPr lang="zh-CN" altLang="en-US" dirty="0"/>
+          </a:p>
+        </p:txBody>
+      </p:sp>
+      <p:sp>
+        <p:nvSpPr>
+          <p:cNvPr id="5" name="标题 4"/>
+          <p:cNvSpPr>
+            <a:spLocks noGrp="1"/>
+          </p:cNvSpPr>
+          <p:nvPr>
+            <p:ph type="title"/>
+          </p:nvPr>
+        </p:nvSpPr>
+        <p:spPr/>
+        <p:txBody>
+          <a:bodyPr/>
+          <a:lstStyle/>
+          <a:p>
+            <a:r>
+              <a:rPr lang="en-US" altLang="zh-CN" dirty="0" smtClean="0"/>
+              <a:t>Print All for PI</a:t>
+            </a:r>
+            <a:endParaRPr lang="zh-CN" altLang="en-US" dirty="0"/>
+          </a:p>
+        </p:txBody>
+      </p:sp>
+      <p:sp>
+        <p:nvSpPr>
+          <p:cNvPr id="7" name="TextBox 6"/>
+          <p:cNvSpPr txBox="1"/>
+          <p:nvPr/>
+        </p:nvSpPr>
+        <p:spPr>
+          <a:xfrm>
+            <a:off x="755576" y="5733256"/>
+            <a:ext cx="7416824" cy="646331"/>
+          </a:xfrm>
+          <a:prstGeom prst="rect">
+            <a:avLst/>
+          </a:prstGeom>
+          <a:noFill/>
+        </p:spPr>
+        <p:txBody>
+          <a:bodyPr wrap="square" rtlCol="0">
+            <a:spAutoFit/>
+          </a:bodyPr>
+          <a:lstStyle/>
+          <a:p>
+            <a:r>
+              <a:rPr lang="en-US" altLang="zh-CN" dirty="0" smtClean="0"/>
+              <a:t>A:Check Print All         B</a:t>
+            </a:r>
+            <a:r>
+              <a:rPr lang="en-US" altLang="zh-CN" dirty="0" smtClean="0"/>
+              <a:t>: </a:t>
+            </a:r>
+            <a:r>
+              <a:rPr lang="en-US" altLang="zh-CN" dirty="0" smtClean="0"/>
+              <a:t>Enter PI ID   </a:t>
+            </a:r>
+            <a:r>
+              <a:rPr lang="en-US" altLang="zh-CN" dirty="0" smtClean="0"/>
+              <a:t>     C</a:t>
+            </a:r>
+            <a:r>
+              <a:rPr lang="en-US" altLang="zh-CN" dirty="0" smtClean="0"/>
+              <a:t>: if Carton No then Scan Box </a:t>
+            </a:r>
+            <a:r>
+              <a:rPr lang="en-US" altLang="zh-CN" dirty="0" smtClean="0"/>
+              <a:t>No   D:Enter  Date Code /Lot Num	/MPQ</a:t>
+            </a:r>
+            <a:r>
+              <a:rPr lang="en-US" altLang="zh-CN" dirty="0" smtClean="0"/>
+              <a:t>	E: </a:t>
+            </a:r>
+            <a:r>
+              <a:rPr lang="en-US" altLang="zh-CN" dirty="0" smtClean="0"/>
+              <a:t>Save 		F:Print All</a:t>
+            </a:r>
+            <a:endParaRPr lang="en-US" altLang="zh-CN" dirty="0" smtClean="0"/>
+          </a:p>
+        </p:txBody>
+      </p:sp>
+    </p:spTree>
+  </p:cSld>
+  <p:clrMapOvr>
+    <a:masterClrMapping/>
+  </p:clrMapOvr>
+</p:sld>
+</file>
+
+<file path=ppt/slides/slide9.xml><?xml version="1.0" encoding="utf-8"?>
 <p:sld xmlns:a="http://schemas.openxmlformats.org/drawingml/2006/main" xmlns:r="http://schemas.openxmlformats.org/officeDocument/2006/relationships" xmlns:p="http://schemas.openxmlformats.org/presentationml/2006/main">
   <p:cSld>
     <p:spTree>
@@ -7711,7 +12398,7 @@
       </p:grpSpPr>
       <p:sp>
         <p:nvSpPr>
-          <p:cNvPr id="2" name="Content Placeholder 1"/>
+          <p:cNvPr id="2" name="内容占位符 1"/>
           <p:cNvSpPr>
             <a:spLocks noGrp="1"/>
           </p:cNvSpPr>
@@ -7719,43 +12406,178 @@
             <p:ph idx="1"/>
           </p:nvPr>
         </p:nvSpPr>
-        <p:spPr/>
+        <p:spPr>
+          <a:xfrm>
+            <a:off x="324544" y="1484784"/>
+            <a:ext cx="9144000" cy="4525963"/>
+          </a:xfrm>
+        </p:spPr>
         <p:txBody>
-          <a:bodyPr/>
+          <a:bodyPr>
+            <a:normAutofit fontScale="92500"/>
+          </a:bodyPr>
           <a:lstStyle/>
           <a:p>
-            <a:pPr algn="ctr">
-              <a:buNone/>
-            </a:pPr>
-            <a:endParaRPr lang="en-US" altLang="zh-CN" dirty="0" smtClean="0"/>
-          </a:p>
-          <a:p>
-            <a:pPr algn="ctr">
-              <a:buNone/>
-            </a:pPr>
-            <a:endParaRPr lang="en-US" altLang="zh-CN" dirty="0" smtClean="0"/>
-          </a:p>
-          <a:p>
-            <a:pPr algn="ctr">
-              <a:buNone/>
-            </a:pPr>
-            <a:endParaRPr lang="en-US" altLang="zh-CN" dirty="0" smtClean="0"/>
-          </a:p>
-          <a:p>
-            <a:pPr algn="ctr">
-              <a:buNone/>
-            </a:pPr>
             <a:r>
               <a:rPr lang="en-US" altLang="zh-CN" dirty="0" smtClean="0"/>
-              <a:t>--END--</a:t>
-            </a:r>
-            <a:endParaRPr lang="zh-CN" altLang="en-US" dirty="0"/>
+              <a:t>1.Home key go to </a:t>
+            </a:r>
+            <a:r>
+              <a:rPr lang="en-US" altLang="zh-CN" dirty="0" smtClean="0"/>
+              <a:t>Carton NO</a:t>
+            </a:r>
+            <a:r>
+              <a:rPr lang="en-US" altLang="zh-CN" dirty="0" smtClean="0"/>
+              <a:t>(</a:t>
+            </a:r>
+            <a:r>
+              <a:rPr lang="zh-CN" altLang="en-US" dirty="0" smtClean="0"/>
+              <a:t>输入箱号</a:t>
+            </a:r>
+            <a:r>
+              <a:rPr lang="en-US" altLang="zh-CN" dirty="0" smtClean="0"/>
+              <a:t>)</a:t>
+            </a:r>
+            <a:endParaRPr lang="zh-CN" altLang="en-US" dirty="0" smtClean="0"/>
+          </a:p>
+          <a:p>
+            <a:r>
+              <a:rPr lang="en-US" altLang="zh-CN" dirty="0" smtClean="0"/>
+              <a:t>2.PgDn  key start Printing(</a:t>
+            </a:r>
+            <a:r>
+              <a:rPr lang="zh-CN" altLang="en-US" dirty="0" smtClean="0"/>
+              <a:t>开始打印</a:t>
+            </a:r>
+            <a:r>
+              <a:rPr lang="en-US" altLang="zh-CN" dirty="0" smtClean="0"/>
+              <a:t>)</a:t>
+            </a:r>
+            <a:endParaRPr lang="zh-CN" altLang="en-US" dirty="0" smtClean="0"/>
+          </a:p>
+          <a:p>
+            <a:r>
+              <a:rPr lang="en-US" altLang="zh-CN" dirty="0" smtClean="0"/>
+              <a:t>3.Enter key split Scan text(</a:t>
+            </a:r>
+            <a:r>
+              <a:rPr lang="zh-CN" altLang="en-US" dirty="0" smtClean="0"/>
+              <a:t>开始扫描</a:t>
+            </a:r>
+            <a:r>
+              <a:rPr lang="en-US" altLang="zh-CN" dirty="0" smtClean="0"/>
+              <a:t>)</a:t>
+            </a:r>
+            <a:endParaRPr lang="zh-CN" altLang="en-US" dirty="0" smtClean="0"/>
+          </a:p>
+          <a:p>
+            <a:r>
+              <a:rPr lang="en-US" altLang="zh-CN" dirty="0" smtClean="0"/>
+              <a:t>4.Insert key get part(</a:t>
+            </a:r>
+            <a:r>
+              <a:rPr lang="zh-CN" altLang="en-US" dirty="0" smtClean="0"/>
+              <a:t>获取</a:t>
+            </a:r>
+            <a:r>
+              <a:rPr lang="en-US" altLang="zh-CN" dirty="0" smtClean="0"/>
+              <a:t>PN/QPL)</a:t>
+            </a:r>
+            <a:endParaRPr lang="zh-CN" altLang="en-US" dirty="0" smtClean="0"/>
+          </a:p>
+          <a:p>
+            <a:r>
+              <a:rPr lang="en-US" altLang="zh-CN" dirty="0" smtClean="0"/>
+              <a:t>5.delete key init(</a:t>
+            </a:r>
+            <a:r>
+              <a:rPr lang="zh-CN" altLang="en-US" dirty="0" smtClean="0"/>
+              <a:t>清除</a:t>
+            </a:r>
+            <a:r>
+              <a:rPr lang="en-US" altLang="zh-CN" dirty="0" smtClean="0"/>
+              <a:t>)</a:t>
+            </a:r>
+            <a:endParaRPr lang="zh-CN" altLang="en-US" dirty="0" smtClean="0"/>
+          </a:p>
+          <a:p>
+            <a:r>
+              <a:rPr lang="en-US" altLang="zh-CN" dirty="0" smtClean="0"/>
+              <a:t>6.right-</a:t>
+            </a:r>
+            <a:r>
+              <a:rPr lang="en-US" altLang="zh-CN" dirty="0" smtClean="0"/>
+              <a:t>---&gt; </a:t>
+            </a:r>
+            <a:r>
+              <a:rPr lang="en-US" altLang="zh-CN" dirty="0" smtClean="0"/>
+              <a:t>key enable search MPQ(</a:t>
+            </a:r>
+            <a:r>
+              <a:rPr lang="zh-CN" altLang="en-US" dirty="0" smtClean="0"/>
+              <a:t>是否使用</a:t>
+            </a:r>
+            <a:r>
+              <a:rPr lang="en-US" altLang="zh-CN" dirty="0" smtClean="0"/>
+              <a:t>MPQ)</a:t>
+            </a:r>
+            <a:endParaRPr lang="zh-CN" altLang="en-US" dirty="0" smtClean="0"/>
+          </a:p>
+          <a:p>
+            <a:r>
+              <a:rPr lang="en-US" altLang="zh-CN" dirty="0" smtClean="0"/>
+              <a:t>7.Left ----&gt; key use MPQ to Print(</a:t>
+            </a:r>
+            <a:r>
+              <a:rPr lang="zh-CN" altLang="en-US" dirty="0" smtClean="0"/>
+              <a:t>使用</a:t>
+            </a:r>
+            <a:r>
+              <a:rPr lang="en-US" altLang="zh-CN" dirty="0" smtClean="0"/>
+              <a:t>MPQ</a:t>
+            </a:r>
+            <a:r>
+              <a:rPr lang="zh-CN" altLang="en-US" dirty="0" smtClean="0"/>
+              <a:t>直接打印</a:t>
+            </a:r>
+            <a:r>
+              <a:rPr lang="en-US" altLang="zh-CN" dirty="0" smtClean="0"/>
+              <a:t>)</a:t>
+            </a:r>
+            <a:endParaRPr lang="zh-CN" altLang="en-US" dirty="0" smtClean="0"/>
+          </a:p>
+          <a:p>
+            <a:r>
+              <a:rPr lang="en-US" altLang="zh-CN" dirty="0" smtClean="0"/>
+              <a:t>8.F1-F12 ----&gt;Set </a:t>
+            </a:r>
+            <a:r>
+              <a:rPr lang="en-US" altLang="zh-CN" dirty="0" err="1" smtClean="0"/>
+              <a:t>No.Of</a:t>
+            </a:r>
+            <a:r>
+              <a:rPr lang="en-US" altLang="zh-CN" dirty="0" smtClean="0"/>
+              <a:t> Labels Value</a:t>
+            </a:r>
+            <a:r>
+              <a:rPr lang="en-US" altLang="zh-CN" dirty="0" smtClean="0"/>
+              <a:t>:  </a:t>
+            </a:r>
+            <a:r>
+              <a:rPr lang="en-US" altLang="zh-CN" dirty="0" smtClean="0"/>
+              <a:t>to </a:t>
+            </a:r>
+            <a:r>
+              <a:rPr lang="en-US" altLang="zh-CN" dirty="0" smtClean="0"/>
+              <a:t>1-12</a:t>
+            </a:r>
+            <a:endParaRPr lang="zh-CN" altLang="en-US" dirty="0" smtClean="0"/>
           </a:p>
         </p:txBody>
       </p:sp>
       <p:sp>
         <p:nvSpPr>
-          <p:cNvPr id="3" name="Date Placeholder 2"/>
+          <p:cNvPr id="3" name="日期占位符 2"/>
           <p:cNvSpPr>
             <a:spLocks noGrp="1"/>
           </p:cNvSpPr>
@@ -7779,7 +12601,7 @@
       </p:sp>
       <p:sp>
         <p:nvSpPr>
-          <p:cNvPr id="4" name="Slide Number Placeholder 3"/>
+          <p:cNvPr id="4" name="灯片编号占位符 3"/>
           <p:cNvSpPr>
             <a:spLocks noGrp="1"/>
           </p:cNvSpPr>
@@ -7795,8 +12617,31 @@
             <a:fld id="{28874C86-8C61-448A-906E-93CD94C69BE8}" type="slidenum">
               <a:rPr lang="zh-CN" altLang="en-US" smtClean="0"/>
               <a:pPr/>
-              <a:t>7</a:t>
+              <a:t>9</a:t>
             </a:fld>
+            <a:endParaRPr lang="zh-CN" altLang="en-US" dirty="0"/>
+          </a:p>
+        </p:txBody>
+      </p:sp>
+      <p:sp>
+        <p:nvSpPr>
+          <p:cNvPr id="5" name="标题 4"/>
+          <p:cNvSpPr>
+            <a:spLocks noGrp="1"/>
+          </p:cNvSpPr>
+          <p:nvPr>
+            <p:ph type="title"/>
+          </p:nvPr>
+        </p:nvSpPr>
+        <p:spPr/>
+        <p:txBody>
+          <a:bodyPr/>
+          <a:lstStyle/>
+          <a:p>
+            <a:r>
+              <a:rPr lang="en-US" altLang="zh-CN" dirty="0" smtClean="0"/>
+              <a:t>Function Key</a:t>
+            </a:r>
             <a:endParaRPr lang="zh-CN" altLang="en-US" dirty="0"/>
           </a:p>
         </p:txBody>
@@ -7806,13 +12651,6 @@
   <p:clrMapOvr>
     <a:masterClrMapping/>
   </p:clrMapOvr>
-  <p:timing>
-    <p:tnLst>
-      <p:par>
-        <p:cTn id="1" dur="indefinite" restart="never" nodeType="tmRoot"/>
-      </p:par>
-    </p:tnLst>
-  </p:timing>
 </p:sld>
 </file>
 
